--- a/docs/project_summary.pptx
+++ b/docs/project_summary.pptx
@@ -5,7 +5,7 @@
     <p:sldMasterId id="2147483648" r:id="rId1"/>
   </p:sldMasterIdLst>
   <p:notesMasterIdLst>
-    <p:notesMasterId r:id="rId33"/>
+    <p:notesMasterId r:id="rId39"/>
   </p:notesMasterIdLst>
   <p:sldIdLst>
     <p:sldId id="268" r:id="rId2"/>
@@ -25,20 +25,26 @@
     <p:sldId id="280" r:id="rId16"/>
     <p:sldId id="283" r:id="rId17"/>
     <p:sldId id="284" r:id="rId18"/>
-    <p:sldId id="285" r:id="rId19"/>
-    <p:sldId id="290" r:id="rId20"/>
-    <p:sldId id="289" r:id="rId21"/>
-    <p:sldId id="287" r:id="rId22"/>
-    <p:sldId id="288" r:id="rId23"/>
-    <p:sldId id="291" r:id="rId24"/>
-    <p:sldId id="292" r:id="rId25"/>
-    <p:sldId id="293" r:id="rId26"/>
-    <p:sldId id="294" r:id="rId27"/>
-    <p:sldId id="295" r:id="rId28"/>
-    <p:sldId id="298" r:id="rId29"/>
-    <p:sldId id="297" r:id="rId30"/>
-    <p:sldId id="300" r:id="rId31"/>
-    <p:sldId id="299" r:id="rId32"/>
+    <p:sldId id="306" r:id="rId19"/>
+    <p:sldId id="285" r:id="rId20"/>
+    <p:sldId id="290" r:id="rId21"/>
+    <p:sldId id="301" r:id="rId22"/>
+    <p:sldId id="302" r:id="rId23"/>
+    <p:sldId id="303" r:id="rId24"/>
+    <p:sldId id="289" r:id="rId25"/>
+    <p:sldId id="287" r:id="rId26"/>
+    <p:sldId id="305" r:id="rId27"/>
+    <p:sldId id="288" r:id="rId28"/>
+    <p:sldId id="291" r:id="rId29"/>
+    <p:sldId id="292" r:id="rId30"/>
+    <p:sldId id="293" r:id="rId31"/>
+    <p:sldId id="304" r:id="rId32"/>
+    <p:sldId id="294" r:id="rId33"/>
+    <p:sldId id="295" r:id="rId34"/>
+    <p:sldId id="298" r:id="rId35"/>
+    <p:sldId id="297" r:id="rId36"/>
+    <p:sldId id="300" r:id="rId37"/>
+    <p:sldId id="299" r:id="rId38"/>
   </p:sldIdLst>
   <p:sldSz cx="9144000" cy="6858000" type="screen4x3"/>
   <p:notesSz cx="6858000" cy="9144000"/>
@@ -169,7 +175,7 @@
   </p:defaultTextStyle>
   <p:extLst>
     <p:ext uri="{EFAFB233-063F-42B5-8137-9DF3F51BA10A}">
-      <p15:sldGuideLst xmlns="" xmlns:p15="http://schemas.microsoft.com/office/powerpoint/2012/main">
+      <p15:sldGuideLst xmlns:p15="http://schemas.microsoft.com/office/powerpoint/2012/main" xmlns="">
         <p15:guide id="1" orient="horz" pos="1680">
           <p15:clr>
             <a:srgbClr val="A4A3A4"/>
@@ -7268,83 +7274,97 @@
           <a:p>
             <a:r>
               <a:rPr lang="zh-CN" altLang="en-US" sz="1800" dirty="0"/>
-              <a:t>二、笔画</a:t>
+              <a:t>二、笔画关系（三种关系）</a:t>
+            </a:r>
+          </a:p>
+          <a:p>
+            <a:r>
+              <a:rPr lang="zh-CN" altLang="en-US" sz="1800" dirty="0"/>
+              <a:t>易形码输入法将笔画关系分为三类：</a:t>
+            </a:r>
+            <a:endParaRPr lang="en-US" altLang="zh-CN" sz="1800" dirty="0"/>
+          </a:p>
+          <a:p>
+            <a:pPr lvl="1"/>
+            <a:r>
+              <a:rPr lang="zh-CN" altLang="en-US" sz="1800" dirty="0"/>
+              <a:t>分：相间，连：相连，交：相交</a:t>
+            </a:r>
+          </a:p>
+          <a:p>
+            <a:r>
+              <a:rPr lang="en-US" altLang="zh-CN" sz="1800" dirty="0"/>
+              <a:t>1</a:t>
+            </a:r>
+            <a:r>
+              <a:rPr lang="zh-CN" altLang="en-US" sz="1800" dirty="0"/>
+              <a:t>、分：相间，就是分开的，有间隙的。比如：的 可以拆分为 白 和 勺。勺还可以拆为：勹和丶。</a:t>
+            </a:r>
+            <a:endParaRPr lang="en-US" altLang="zh-CN" sz="1800" dirty="0"/>
+          </a:p>
+          <a:p>
+            <a:r>
+              <a:rPr lang="zh-CN" altLang="en-US" sz="1800" dirty="0"/>
+              <a:t>这就是说，有间隙的可以拆分</a:t>
             </a:r>
             <a:r>
               <a:rPr lang="zh-CN" altLang="en-US" sz="1800" dirty="0" smtClean="0"/>
-              <a:t>关系（三种关系）</a:t>
-            </a:r>
-            <a:endParaRPr lang="zh-CN" altLang="en-US" sz="1800" dirty="0"/>
-          </a:p>
-          <a:p>
+              <a:t>。但是</a:t>
+            </a:r>
             <a:r>
               <a:rPr lang="zh-CN" altLang="en-US" sz="1800" dirty="0"/>
-              <a:t>易形码输入法将笔画关系分为三</a:t>
-            </a:r>
-            <a:r>
-              <a:rPr lang="zh-CN" altLang="en-US" sz="1800" dirty="0" smtClean="0"/>
-              <a:t>类：</a:t>
-            </a:r>
-            <a:endParaRPr lang="en-US" altLang="zh-CN" sz="1800" dirty="0" smtClean="0"/>
-          </a:p>
-          <a:p>
-            <a:pPr lvl="1"/>
+              <a:t>，以下两类，即使是相分的结构，也当成整体，</a:t>
+            </a:r>
+            <a:endParaRPr lang="en-US" altLang="zh-CN" sz="1800" dirty="0"/>
+          </a:p>
+          <a:p>
+            <a:r>
+              <a:rPr lang="zh-CN" altLang="en-US" sz="1800" dirty="0"/>
+              <a:t>同笔重复非为分</a:t>
+            </a:r>
+            <a:r>
+              <a:rPr lang="en-US" altLang="zh-CN" sz="1800" dirty="0"/>
+              <a:t>:</a:t>
+            </a:r>
+          </a:p>
+          <a:p>
+            <a:r>
+              <a:rPr lang="zh-CN" altLang="en-US" sz="1800" dirty="0"/>
+              <a:t> 即，相册笔画重复的结构，当成整体，比如：二，三，彡，川，巛，冫，氵，灬，彳等，</a:t>
+            </a:r>
+            <a:endParaRPr lang="en-US" altLang="zh-CN" sz="1800" dirty="0"/>
+          </a:p>
+          <a:p>
+            <a:r>
+              <a:rPr lang="zh-CN" altLang="en-US" sz="1800" dirty="0"/>
+              <a:t>三笔以内不为分</a:t>
+            </a:r>
+            <a:endParaRPr lang="en-US" altLang="zh-CN" sz="1800" dirty="0"/>
+          </a:p>
+          <a:p>
+            <a:r>
+              <a:rPr lang="zh-CN" altLang="en-US" sz="1800" dirty="0"/>
+              <a:t>即：凡是笔画数不多于三笔的，均视整体。比如：广，</a:t>
+            </a:r>
+            <a:r>
+              <a:rPr lang="zh-CN" altLang="en-US" sz="1400" dirty="0"/>
+              <a:t>勺，夕，</a:t>
+            </a:r>
             <a:r>
               <a:rPr lang="zh-CN" altLang="en-US" sz="1400" dirty="0" smtClean="0"/>
-              <a:t>分</a:t>
+              <a:t>久，</a:t>
             </a:r>
             <a:r>
               <a:rPr lang="zh-CN" altLang="en-US" sz="1400" dirty="0"/>
-              <a:t>：相间，连：相连，交：相交</a:t>
-            </a:r>
+              <a:t>亠，八</a:t>
+            </a:r>
+            <a:endParaRPr lang="en-US" altLang="zh-CN" sz="1400" dirty="0"/>
           </a:p>
           <a:p>
             <a:r>
               <a:rPr lang="en-US" altLang="zh-CN" sz="1800" dirty="0" smtClean="0"/>
-              <a:t>1</a:t>
-            </a:r>
-            <a:r>
-              <a:rPr lang="zh-CN" altLang="en-US" sz="1800" dirty="0" smtClean="0"/>
-              <a:t>、分</a:t>
-            </a:r>
-            <a:r>
-              <a:rPr lang="zh-CN" altLang="en-US" sz="1800" dirty="0"/>
-              <a:t>：相间，就是分开的，有间隙的。比如：的 可以拆分为 白 和 勺</a:t>
-            </a:r>
-            <a:r>
-              <a:rPr lang="zh-CN" altLang="en-US" sz="1800" dirty="0" smtClean="0"/>
-              <a:t>。但</a:t>
-            </a:r>
-            <a:r>
-              <a:rPr lang="zh-CN" altLang="en-US" sz="1800" dirty="0"/>
-              <a:t>由于汉字书写结构的关系，有一类有间隙的是不可分的，这类不可分的是：同笔组合，比如：二，三，彡，川，巛，冫，氵，灬，彳等，所以，我们将这些也看作为整体。</a:t>
-            </a:r>
-          </a:p>
-          <a:p>
-            <a:r>
-              <a:rPr lang="zh-CN" altLang="en-US" sz="1800" dirty="0"/>
-              <a:t>同时，有些看是相连的，但却是可分的。这些可分的有：</a:t>
-            </a:r>
-          </a:p>
-          <a:p>
-            <a:r>
-              <a:rPr lang="zh-CN" altLang="en-US" sz="1800" dirty="0"/>
-              <a:t>直斜相连：比如：右，可分为：𠂇 与 口</a:t>
-            </a:r>
-            <a:r>
-              <a:rPr lang="zh-CN" altLang="en-US" sz="1800" dirty="0" smtClean="0"/>
-              <a:t>，</a:t>
-            </a:r>
-            <a:endParaRPr lang="en-US" altLang="zh-CN" sz="1800" dirty="0" smtClean="0"/>
-          </a:p>
-          <a:p>
-            <a:r>
-              <a:rPr lang="zh-CN" altLang="en-US" sz="1800" dirty="0" smtClean="0"/>
-              <a:t>第三，在本输入法中，因为是首尾定码，所以，不相连的两笔也是不可分的。比如：亠，八等。</a:t>
-            </a:r>
-            <a:endParaRPr lang="en-US" altLang="zh-CN" sz="1800" dirty="0" smtClean="0"/>
-          </a:p>
-          <a:p>
+              <a:t> </a:t>
+            </a:r>
             <a:endParaRPr lang="zh-CN" altLang="en-US" sz="1800" dirty="0"/>
           </a:p>
         </p:txBody>
@@ -7441,73 +7461,96 @@
           <a:lstStyle/>
           <a:p>
             <a:r>
-              <a:rPr lang="en-US" altLang="zh-CN" sz="1800" dirty="0" smtClean="0"/>
+              <a:rPr lang="en-US" altLang="zh-CN" sz="1800" dirty="0"/>
               <a:t>2</a:t>
             </a:r>
             <a:r>
-              <a:rPr lang="zh-CN" altLang="en-US" sz="1800" dirty="0" smtClean="0"/>
-              <a:t>、连，相连，即两个笔画之间的有连接点。连的原则是，直与直相连，或者斜与斜相连才算是连。其中，直</a:t>
-            </a:r>
-            <a:r>
               <a:rPr lang="zh-CN" altLang="en-US" sz="1800" dirty="0"/>
-              <a:t>与直相连是横竖相连。 比如：丁，冂</a:t>
-            </a:r>
-            <a:r>
-              <a:rPr lang="zh-CN" altLang="en-US" sz="1800" dirty="0" smtClean="0"/>
-              <a:t>，</a:t>
-            </a:r>
+              <a:t>、连，相连，即两个笔画之间的有连接点。</a:t>
+            </a:r>
+            <a:endParaRPr lang="en-US" altLang="zh-CN" sz="1800" dirty="0"/>
+          </a:p>
+          <a:p>
             <a:r>
               <a:rPr lang="zh-CN" altLang="en-US" sz="1800" dirty="0"/>
-              <a:t>匚，</a:t>
-            </a:r>
-            <a:r>
-              <a:rPr lang="zh-CN" altLang="en-US" sz="1800" dirty="0" smtClean="0"/>
-              <a:t>匸，上等</a:t>
-            </a:r>
+              <a:t>连的原则是，</a:t>
+            </a:r>
+            <a:endParaRPr lang="en-US" altLang="zh-CN" sz="1800" dirty="0"/>
+          </a:p>
+          <a:p>
+            <a:pPr lvl="1"/>
             <a:r>
               <a:rPr lang="zh-CN" altLang="en-US" sz="1800" dirty="0"/>
-              <a:t>均是直与直连，而𠂆，人，入，𠂊，勹，</a:t>
-            </a:r>
-            <a:r>
-              <a:rPr lang="zh-CN" altLang="en-US" sz="1800" dirty="0" smtClean="0"/>
-              <a:t>几等均是</a:t>
-            </a:r>
+              <a:t>直直相连是为连，斜斜相连也是连</a:t>
+            </a:r>
+            <a:endParaRPr lang="en-US" altLang="zh-CN" sz="1800" dirty="0"/>
+          </a:p>
+          <a:p>
+            <a:pPr marL="342900" lvl="1" indent="-342900">
+              <a:buFontTx/>
+              <a:buChar char="•"/>
+            </a:pPr>
             <a:r>
               <a:rPr lang="zh-CN" altLang="en-US" sz="1800" dirty="0"/>
-              <a:t>斜与</a:t>
-            </a:r>
-            <a:r>
-              <a:rPr lang="zh-CN" altLang="en-US" sz="1800" dirty="0" smtClean="0"/>
-              <a:t>斜相连。</a:t>
-            </a:r>
-            <a:endParaRPr lang="en-US" altLang="zh-CN" sz="1800" dirty="0" smtClean="0"/>
-          </a:p>
-          <a:p>
-            <a:r>
-              <a:rPr lang="en-US" altLang="zh-CN" sz="1800" dirty="0" smtClean="0"/>
-              <a:t>4</a:t>
-            </a:r>
-            <a:r>
-              <a:rPr lang="zh-CN" altLang="en-US" sz="1800" dirty="0" smtClean="0"/>
-              <a:t>、交，相关，即两个笔画是相交的，有交点的，</a:t>
-            </a:r>
+              <a:t>即直与直相连，或者斜与斜相连才算是连。其中，直与直相连是横竖相连。 </a:t>
+            </a:r>
+            <a:endParaRPr lang="en-US" altLang="zh-CN" sz="1800" dirty="0"/>
+          </a:p>
+          <a:p>
+            <a:pPr lvl="1"/>
             <a:r>
               <a:rPr lang="zh-CN" altLang="en-US" sz="1800" dirty="0"/>
-              <a:t>比如</a:t>
-            </a:r>
-            <a:r>
-              <a:rPr lang="zh-CN" altLang="en-US" sz="1800" dirty="0" smtClean="0"/>
-              <a:t>：十，九</a:t>
-            </a:r>
+              <a:t>比如：丁，冂，匚，匸，上等均是直与直连，</a:t>
+            </a:r>
+            <a:endParaRPr lang="en-US" altLang="zh-CN" sz="1800" dirty="0"/>
+          </a:p>
+          <a:p>
+            <a:pPr lvl="1"/>
             <a:r>
               <a:rPr lang="zh-CN" altLang="en-US" sz="1800" dirty="0"/>
-              <a:t>，乂，乜，力，𠂇，</a:t>
-            </a:r>
-            <a:r>
-              <a:rPr lang="zh-CN" altLang="en-US" sz="1800" dirty="0" smtClean="0"/>
-              <a:t>又等。</a:t>
-            </a:r>
-            <a:endParaRPr lang="en-US" altLang="zh-CN" sz="1800" dirty="0" smtClean="0"/>
+              <a:t>又如：𠂆，人，入，𠂊，勹，几等均是斜与斜相连。</a:t>
+            </a:r>
+            <a:endParaRPr lang="en-US" altLang="zh-CN" sz="1800" dirty="0"/>
+          </a:p>
+          <a:p>
+            <a:pPr lvl="1"/>
+            <a:r>
+              <a:rPr lang="zh-CN" altLang="en-US" sz="1800" dirty="0"/>
+              <a:t>点线相连不为连，直斜相连亦非连</a:t>
+            </a:r>
+            <a:endParaRPr lang="en-US" altLang="zh-CN" sz="1800" dirty="0"/>
+          </a:p>
+          <a:p>
+            <a:pPr lvl="1"/>
+            <a:r>
+              <a:rPr lang="zh-CN" altLang="en-US" sz="1800" dirty="0"/>
+              <a:t>点线相连：比如：主，可以拆为 丶与王，父，可以拆为八与乂</a:t>
+            </a:r>
+            <a:endParaRPr lang="en-US" altLang="zh-CN" sz="1800" dirty="0"/>
+          </a:p>
+          <a:p>
+            <a:pPr lvl="1"/>
+            <a:r>
+              <a:rPr lang="zh-CN" altLang="en-US" sz="1800" dirty="0"/>
+              <a:t>直斜相连：比如：右，可分为：𠂇 与 口，</a:t>
+            </a:r>
+            <a:endParaRPr lang="en-US" altLang="zh-CN" sz="1800" dirty="0"/>
+          </a:p>
+          <a:p>
+            <a:pPr lvl="1"/>
+            <a:r>
+              <a:rPr lang="zh-CN" altLang="en-US" sz="1800" dirty="0"/>
+              <a:t>三笔之内分亦连</a:t>
+            </a:r>
+            <a:endParaRPr lang="en-US" altLang="zh-CN" sz="1800" dirty="0"/>
+          </a:p>
+          <a:p>
+            <a:pPr lvl="1"/>
+            <a:r>
+              <a:rPr lang="zh-CN" altLang="en-US" sz="1800" dirty="0"/>
+              <a:t>即不多于三笔的，当成整体。比如：广，勺，夕，久</a:t>
+            </a:r>
+            <a:endParaRPr lang="en-US" altLang="zh-CN" sz="1800" dirty="0"/>
           </a:p>
           <a:p>
             <a:endParaRPr lang="zh-CN" altLang="en-US" sz="1800" dirty="0"/>
@@ -7567,16 +7610,12 @@
           <a:lstStyle/>
           <a:p>
             <a:r>
+              <a:rPr lang="zh-CN" altLang="en-US" dirty="0"/>
+              <a:t>易形码快速入门</a:t>
+            </a:r>
+            <a:r>
               <a:rPr lang="zh-CN" altLang="en-US" dirty="0" smtClean="0"/>
-              <a:t>易形码</a:t>
-            </a:r>
-            <a:r>
-              <a:rPr lang="zh-CN" altLang="en-US" dirty="0"/>
-              <a:t>快速</a:t>
-            </a:r>
-            <a:r>
-              <a:rPr lang="zh-CN" altLang="en-US" dirty="0" smtClean="0"/>
-              <a:t>入门（</a:t>
+              <a:t>（</a:t>
             </a:r>
             <a:r>
               <a:rPr lang="en-US" altLang="zh-CN" dirty="0" smtClean="0"/>
@@ -7606,167 +7645,43 @@
           <a:lstStyle/>
           <a:p>
             <a:r>
-              <a:rPr lang="zh-CN" altLang="en-US" sz="2000" dirty="0" smtClean="0"/>
-              <a:t>三、汉字结构（五种结构）</a:t>
-            </a:r>
-            <a:endParaRPr lang="en-US" altLang="zh-CN" sz="2000" dirty="0" smtClean="0"/>
-          </a:p>
-          <a:p>
+              <a:rPr lang="en-US" altLang="zh-CN" sz="2000" dirty="0"/>
+              <a:t>4</a:t>
+            </a:r>
             <a:r>
               <a:rPr lang="zh-CN" altLang="en-US" sz="2000" dirty="0"/>
-              <a:t>易形码输入法将汉字结构分为独体结构，左右结构，上下结构，包围结构和复杂结构五种。</a:t>
-            </a:r>
-          </a:p>
-          <a:p>
-            <a:r>
-              <a:rPr lang="en-US" altLang="zh-CN" sz="2000" dirty="0"/>
-              <a:t>1</a:t>
-            </a:r>
+              <a:t>、交，相关，即两个笔画是相交的，有交点的，比如：十，九，乂，乜，力，𠂇，又等。</a:t>
+            </a:r>
+            <a:endParaRPr lang="en-US" altLang="zh-CN" sz="2000" dirty="0"/>
+          </a:p>
+          <a:p>
             <a:r>
               <a:rPr lang="zh-CN" altLang="en-US" sz="2000" dirty="0"/>
-              <a:t>、独体结构的汉字，即不再存在可拆的偏旁部首与汉字，示例：为、首、入、</a:t>
-            </a:r>
-            <a:r>
-              <a:rPr lang="zh-CN" altLang="en-US" sz="2000" dirty="0" smtClean="0"/>
-              <a:t>五等。</a:t>
-            </a:r>
-            <a:endParaRPr lang="zh-CN" altLang="en-US" sz="2000" dirty="0"/>
-          </a:p>
-          <a:p>
-            <a:r>
-              <a:rPr lang="en-US" altLang="zh-CN" sz="2000" dirty="0" smtClean="0"/>
-              <a:t>2</a:t>
-            </a:r>
+              <a:t>相交，作为组件时，永远不可拆。不管是多少笔画。</a:t>
+            </a:r>
+            <a:endParaRPr lang="en-US" altLang="zh-CN" sz="2000" dirty="0"/>
+          </a:p>
+          <a:p>
             <a:r>
               <a:rPr lang="zh-CN" altLang="en-US" sz="2000" dirty="0"/>
-              <a:t>、左右结构的汉字，即可分为左右两到三部分的汉字，示例：码、折、组、撇，辩</a:t>
-            </a:r>
-            <a:r>
-              <a:rPr lang="en-US" altLang="zh-CN" sz="2000" dirty="0"/>
-              <a:t>, </a:t>
-            </a:r>
-            <a:r>
-              <a:rPr lang="zh-CN" altLang="en-US" sz="2000" dirty="0"/>
-              <a:t>班</a:t>
-            </a:r>
-            <a:r>
-              <a:rPr lang="en-US" altLang="zh-CN" sz="2000" dirty="0"/>
-              <a:t>, </a:t>
-            </a:r>
-            <a:r>
-              <a:rPr lang="zh-CN" altLang="en-US" sz="2000" dirty="0"/>
-              <a:t>辙</a:t>
-            </a:r>
-            <a:r>
-              <a:rPr lang="en-US" altLang="zh-CN" sz="2000" dirty="0"/>
-              <a:t>, </a:t>
-            </a:r>
-            <a:r>
-              <a:rPr lang="zh-CN" altLang="en-US" sz="2000" dirty="0"/>
-              <a:t>弼，好</a:t>
-            </a:r>
-            <a:r>
-              <a:rPr lang="en-US" altLang="zh-CN" sz="2000" dirty="0"/>
-              <a:t>, </a:t>
-            </a:r>
-            <a:r>
-              <a:rPr lang="zh-CN" altLang="en-US" sz="2000" dirty="0"/>
-              <a:t>你</a:t>
-            </a:r>
-            <a:r>
-              <a:rPr lang="en-US" altLang="zh-CN" sz="2000" dirty="0"/>
-              <a:t>, </a:t>
-            </a:r>
-            <a:r>
-              <a:rPr lang="zh-CN" altLang="en-US" sz="2000" dirty="0"/>
-              <a:t>吗</a:t>
-            </a:r>
-            <a:r>
-              <a:rPr lang="en-US" altLang="zh-CN" sz="2000" dirty="0"/>
-              <a:t>, </a:t>
-            </a:r>
-            <a:r>
-              <a:rPr lang="zh-CN" altLang="en-US" sz="2000" dirty="0" smtClean="0"/>
-              <a:t>他</a:t>
-            </a:r>
-            <a:endParaRPr lang="en-US" altLang="zh-CN" sz="2000" dirty="0" smtClean="0"/>
-          </a:p>
-          <a:p>
-            <a:r>
-              <a:rPr lang="en-US" altLang="zh-CN" sz="2000" dirty="0"/>
-              <a:t>3</a:t>
-            </a:r>
-            <a:r>
-              <a:rPr lang="zh-CN" altLang="en-US" sz="2000" dirty="0"/>
-              <a:t>、上下结构的汉字，即可分为上下两到三部分的汉字，示例：查、是、点、字、全</a:t>
-            </a:r>
-            <a:r>
-              <a:rPr lang="en-US" altLang="zh-CN" sz="2000" dirty="0"/>
-              <a:t>, </a:t>
-            </a:r>
-            <a:r>
-              <a:rPr lang="zh-CN" altLang="en-US" sz="2000" dirty="0"/>
-              <a:t>分</a:t>
-            </a:r>
-            <a:r>
-              <a:rPr lang="en-US" altLang="zh-CN" sz="2000" dirty="0"/>
-              <a:t>, </a:t>
-            </a:r>
-            <a:r>
-              <a:rPr lang="zh-CN" altLang="en-US" sz="2000" dirty="0"/>
-              <a:t>乔，复</a:t>
-            </a:r>
-            <a:r>
-              <a:rPr lang="en-US" altLang="zh-CN" sz="2000" dirty="0"/>
-              <a:t>, </a:t>
-            </a:r>
-            <a:r>
-              <a:rPr lang="zh-CN" altLang="en-US" sz="2000" dirty="0"/>
-              <a:t>享</a:t>
-            </a:r>
-            <a:r>
-              <a:rPr lang="en-US" altLang="zh-CN" sz="2000" dirty="0"/>
-              <a:t>, </a:t>
-            </a:r>
-            <a:r>
-              <a:rPr lang="zh-CN" altLang="en-US" sz="2000" dirty="0"/>
-              <a:t>兽</a:t>
-            </a:r>
-            <a:r>
-              <a:rPr lang="en-US" altLang="zh-CN" sz="2000" dirty="0"/>
-              <a:t>, </a:t>
-            </a:r>
-            <a:r>
-              <a:rPr lang="zh-CN" altLang="en-US" sz="2000" dirty="0" smtClean="0"/>
-              <a:t>养</a:t>
-            </a:r>
-            <a:endParaRPr lang="en-US" altLang="zh-CN" sz="2000" dirty="0" smtClean="0"/>
-          </a:p>
-          <a:p>
-            <a:r>
-              <a:rPr lang="zh-CN" altLang="en-US" sz="2000" dirty="0"/>
-              <a:t>	</a:t>
-            </a:r>
+              <a:t>但是，对于独体字，完全相交的整体是一个字时，则是要拆笔画的。</a:t>
+            </a:r>
+          </a:p>
+          <a:p>
+            <a:endParaRPr lang="zh-CN" altLang="en-US" dirty="0"/>
           </a:p>
         </p:txBody>
       </p:sp>
     </p:spTree>
     <p:extLst>
       <p:ext uri="{BB962C8B-B14F-4D97-AF65-F5344CB8AC3E}">
-        <p14:creationId xmlns:p14="http://schemas.microsoft.com/office/powerpoint/2010/main" val="762440932"/>
+        <p14:creationId xmlns:p14="http://schemas.microsoft.com/office/powerpoint/2010/main" val="4161634050"/>
       </p:ext>
     </p:extLst>
   </p:cSld>
   <p:clrMapOvr>
     <a:masterClrMapping/>
   </p:clrMapOvr>
-  <p:timing>
-    <p:tnLst>
-      <p:par>
-        <p:cTn id="1" dur="indefinite" restart="never" nodeType="tmRoot"/>
-      </p:par>
-    </p:tnLst>
-  </p:timing>
 </p:sld>
 </file>
 
@@ -7803,12 +7718,8 @@
           <a:lstStyle/>
           <a:p>
             <a:r>
-              <a:rPr lang="zh-CN" altLang="en-US" dirty="0"/>
-              <a:t>易</a:t>
-            </a:r>
-            <a:r>
               <a:rPr lang="zh-CN" altLang="en-US" dirty="0" smtClean="0"/>
-              <a:t>形码</a:t>
+              <a:t>易形码</a:t>
             </a:r>
             <a:r>
               <a:rPr lang="zh-CN" altLang="en-US" dirty="0"/>
@@ -7846,140 +7757,154 @@
           <a:lstStyle/>
           <a:p>
             <a:r>
+              <a:rPr lang="zh-CN" altLang="en-US" sz="2000" dirty="0" smtClean="0"/>
+              <a:t>三、汉字结构（五种结构）</a:t>
+            </a:r>
+            <a:endParaRPr lang="en-US" altLang="zh-CN" sz="2000" dirty="0" smtClean="0"/>
+          </a:p>
+          <a:p>
+            <a:r>
+              <a:rPr lang="zh-CN" altLang="en-US" sz="2000" dirty="0"/>
+              <a:t>易形码输入法将汉字结构分为独体结构，左右结构，上下结构，包围结构和复杂结构五种。</a:t>
+            </a:r>
+          </a:p>
+          <a:p>
+            <a:r>
               <a:rPr lang="en-US" altLang="zh-CN" sz="2000" dirty="0"/>
-              <a:t>4</a:t>
+              <a:t>1</a:t>
             </a:r>
             <a:r>
               <a:rPr lang="zh-CN" altLang="en-US" sz="2000" dirty="0"/>
-              <a:t>、包围结构的汉字，即外部有组件包围的汉字，这一类又分为：</a:t>
-            </a:r>
-          </a:p>
-          <a:p>
-            <a:pPr lvl="1"/>
-            <a:r>
-              <a:rPr lang="zh-CN" altLang="en-US" sz="1600" dirty="0" smtClean="0"/>
-              <a:t>两面</a:t>
-            </a:r>
-            <a:r>
-              <a:rPr lang="zh-CN" altLang="en-US" sz="1600" dirty="0"/>
-              <a:t>包围：比如：左上：庆，右上：句，左下：这，右下：斗，</a:t>
-            </a:r>
-          </a:p>
-          <a:p>
-            <a:pPr lvl="1"/>
-            <a:r>
-              <a:rPr lang="zh-CN" altLang="en-US" sz="1600" dirty="0" smtClean="0"/>
-              <a:t>三</a:t>
-            </a:r>
-            <a:r>
-              <a:rPr lang="zh-CN" altLang="en-US" sz="1600" dirty="0"/>
-              <a:t>面包围：比如：上包：风，下包：凶，左包：医，</a:t>
-            </a:r>
-          </a:p>
-          <a:p>
-            <a:pPr lvl="1"/>
-            <a:r>
-              <a:rPr lang="zh-CN" altLang="en-US" sz="1600" dirty="0" smtClean="0"/>
-              <a:t>四面</a:t>
-            </a:r>
-            <a:r>
-              <a:rPr lang="zh-CN" altLang="en-US" sz="1600" dirty="0"/>
-              <a:t>包围：比如：国，圆</a:t>
-            </a:r>
-            <a:endParaRPr lang="en-US" altLang="zh-CN" sz="1600" dirty="0"/>
-          </a:p>
-          <a:p>
+              <a:t>、独体结构的汉字，即不再存在可拆的偏旁部首与汉字，示例：为、首、入、</a:t>
+            </a:r>
+            <a:r>
+              <a:rPr lang="zh-CN" altLang="en-US" sz="2000" dirty="0" smtClean="0"/>
+              <a:t>五等。</a:t>
+            </a:r>
+            <a:endParaRPr lang="zh-CN" altLang="en-US" sz="2000" dirty="0"/>
+          </a:p>
+          <a:p>
+            <a:r>
+              <a:rPr lang="en-US" altLang="zh-CN" sz="2000" dirty="0" smtClean="0"/>
+              <a:t>2</a:t>
+            </a:r>
+            <a:r>
+              <a:rPr lang="zh-CN" altLang="en-US" sz="2000" dirty="0"/>
+              <a:t>、左右结构的汉字，即可分为左右两到三部分的汉字，示例：码、折、组、撇，辩</a:t>
+            </a:r>
             <a:r>
               <a:rPr lang="en-US" altLang="zh-CN" sz="2000" dirty="0"/>
-              <a:t>5</a:t>
+              <a:t>, </a:t>
             </a:r>
             <a:r>
               <a:rPr lang="zh-CN" altLang="en-US" sz="2000" dirty="0"/>
-              <a:t>、复杂结构的汉字，即不能用以上结构类比的汉字</a:t>
+              <a:t>班</a:t>
+            </a:r>
+            <a:r>
+              <a:rPr lang="en-US" altLang="zh-CN" sz="2000" dirty="0"/>
+              <a:t>, </a:t>
+            </a:r>
+            <a:r>
+              <a:rPr lang="zh-CN" altLang="en-US" sz="2000" dirty="0"/>
+              <a:t>辙</a:t>
+            </a:r>
+            <a:r>
+              <a:rPr lang="en-US" altLang="zh-CN" sz="2000" dirty="0"/>
+              <a:t>, </a:t>
+            </a:r>
+            <a:r>
+              <a:rPr lang="zh-CN" altLang="en-US" sz="2000" dirty="0"/>
+              <a:t>弼，好</a:t>
+            </a:r>
+            <a:r>
+              <a:rPr lang="en-US" altLang="zh-CN" sz="2000" dirty="0"/>
+              <a:t>, </a:t>
+            </a:r>
+            <a:r>
+              <a:rPr lang="zh-CN" altLang="en-US" sz="2000" dirty="0"/>
+              <a:t>你</a:t>
+            </a:r>
+            <a:r>
+              <a:rPr lang="en-US" altLang="zh-CN" sz="2000" dirty="0"/>
+              <a:t>, </a:t>
+            </a:r>
+            <a:r>
+              <a:rPr lang="zh-CN" altLang="en-US" sz="2000" dirty="0"/>
+              <a:t>吗</a:t>
+            </a:r>
+            <a:r>
+              <a:rPr lang="en-US" altLang="zh-CN" sz="2000" dirty="0"/>
+              <a:t>, </a:t>
             </a:r>
             <a:r>
               <a:rPr lang="zh-CN" altLang="en-US" sz="2000" dirty="0" smtClean="0"/>
-              <a:t>，</a:t>
+              <a:t>他</a:t>
             </a:r>
             <a:endParaRPr lang="en-US" altLang="zh-CN" sz="2000" dirty="0" smtClean="0"/>
           </a:p>
           <a:p>
-            <a:pPr lvl="1"/>
-            <a:r>
-              <a:rPr lang="zh-CN" altLang="en-US" sz="1600" dirty="0" smtClean="0"/>
-              <a:t>比如</a:t>
-            </a:r>
-            <a:r>
-              <a:rPr lang="zh-CN" altLang="en-US" sz="1600" dirty="0"/>
-              <a:t>：噩，兆，坐，乖，巫，</a:t>
-            </a:r>
-            <a:r>
-              <a:rPr lang="zh-CN" altLang="en-US" sz="1600" dirty="0" smtClean="0"/>
-              <a:t>幽</a:t>
-            </a:r>
-            <a:endParaRPr lang="en-US" altLang="zh-CN" sz="1600" dirty="0" smtClean="0"/>
-          </a:p>
-          <a:p>
-            <a:pPr lvl="1"/>
-            <a:r>
-              <a:rPr lang="zh-CN" altLang="en-US" sz="1600" dirty="0" smtClean="0"/>
-              <a:t>有些结构，外形是左右的，但根据笔画关系，则是复杂结构的，但这些字并不多，比如：非。</a:t>
-            </a:r>
-            <a:endParaRPr lang="en-US" altLang="zh-CN" sz="1600" dirty="0" smtClean="0"/>
-          </a:p>
-          <a:p>
+            <a:r>
+              <a:rPr lang="en-US" altLang="zh-CN" sz="2000" dirty="0"/>
+              <a:t>3</a:t>
+            </a:r>
             <a:r>
               <a:rPr lang="zh-CN" altLang="en-US" sz="2000" dirty="0"/>
-              <a:t>此外，多种结构的组成，只以一种结构为准，</a:t>
+              <a:t>、上下结构的汉字，即可分为上下两到三部分的汉字，示例：查、是、点、字、全</a:t>
+            </a:r>
+            <a:r>
+              <a:rPr lang="en-US" altLang="zh-CN" sz="2000" dirty="0"/>
+              <a:t>, </a:t>
+            </a:r>
+            <a:r>
+              <a:rPr lang="zh-CN" altLang="en-US" sz="2000" dirty="0"/>
+              <a:t>分</a:t>
+            </a:r>
+            <a:r>
+              <a:rPr lang="en-US" altLang="zh-CN" sz="2000" dirty="0"/>
+              <a:t>, </a:t>
+            </a:r>
+            <a:r>
+              <a:rPr lang="zh-CN" altLang="en-US" sz="2000" dirty="0"/>
+              <a:t>乔，复</a:t>
+            </a:r>
+            <a:r>
+              <a:rPr lang="en-US" altLang="zh-CN" sz="2000" dirty="0"/>
+              <a:t>, </a:t>
+            </a:r>
+            <a:r>
+              <a:rPr lang="zh-CN" altLang="en-US" sz="2000" dirty="0"/>
+              <a:t>享</a:t>
+            </a:r>
+            <a:r>
+              <a:rPr lang="en-US" altLang="zh-CN" sz="2000" dirty="0"/>
+              <a:t>, </a:t>
+            </a:r>
+            <a:r>
+              <a:rPr lang="zh-CN" altLang="en-US" sz="2000" dirty="0"/>
+              <a:t>兽</a:t>
+            </a:r>
+            <a:r>
+              <a:rPr lang="en-US" altLang="zh-CN" sz="2000" dirty="0"/>
+              <a:t>, </a:t>
             </a:r>
             <a:r>
               <a:rPr lang="zh-CN" altLang="en-US" sz="2000" dirty="0" smtClean="0"/>
-              <a:t>比如</a:t>
+              <a:t>养</a:t>
             </a:r>
             <a:endParaRPr lang="en-US" altLang="zh-CN" sz="2000" dirty="0" smtClean="0"/>
           </a:p>
           <a:p>
-            <a:pPr lvl="1"/>
-            <a:r>
-              <a:rPr lang="zh-CN" altLang="en-US" sz="1600" dirty="0" smtClean="0"/>
-              <a:t>竖</a:t>
-            </a:r>
-            <a:r>
-              <a:rPr lang="zh-CN" altLang="en-US" sz="1600" dirty="0"/>
-              <a:t>：上方为左右结构，整体是上下结构，则此字为上下结构。</a:t>
-            </a:r>
-          </a:p>
-          <a:p>
-            <a:pPr lvl="1"/>
-            <a:r>
-              <a:rPr lang="zh-CN" altLang="en-US" sz="1600" dirty="0" smtClean="0"/>
-              <a:t>将</a:t>
-            </a:r>
-            <a:r>
-              <a:rPr lang="zh-CN" altLang="en-US" sz="1600" dirty="0"/>
-              <a:t>：右边是上下结构，但整体是左右结构，则此字为左右结构。</a:t>
-            </a:r>
-          </a:p>
-          <a:p>
-            <a:pPr lvl="1"/>
-            <a:r>
-              <a:rPr lang="zh-CN" altLang="en-US" sz="1600" dirty="0" smtClean="0"/>
-              <a:t>抠</a:t>
-            </a:r>
-            <a:r>
-              <a:rPr lang="zh-CN" altLang="en-US" sz="1600" dirty="0"/>
-              <a:t>：整体是左右结构，右边是左包结构。</a:t>
-            </a:r>
-          </a:p>
-          <a:p>
-            <a:endParaRPr lang="zh-CN" altLang="en-US" dirty="0"/>
+            <a:r>
+              <a:rPr lang="zh-CN" altLang="en-US" sz="2000" dirty="0"/>
+              <a:t>	</a:t>
+            </a:r>
           </a:p>
         </p:txBody>
       </p:sp>
     </p:spTree>
     <p:extLst>
       <p:ext uri="{BB962C8B-B14F-4D97-AF65-F5344CB8AC3E}">
-        <p14:creationId xmlns:p14="http://schemas.microsoft.com/office/powerpoint/2010/main" val="1854291227"/>
+        <p14:creationId xmlns:p14="http://schemas.microsoft.com/office/powerpoint/2010/main" val="762440932"/>
       </p:ext>
     </p:extLst>
   </p:cSld>
@@ -8250,64 +8175,167 @@
           <a:lstStyle/>
           <a:p>
             <a:r>
-              <a:rPr lang="zh-CN" altLang="en-US" dirty="0" smtClean="0"/>
-              <a:t>四、编码分类（四类编码）</a:t>
-            </a:r>
-            <a:endParaRPr lang="en-US" altLang="zh-CN" dirty="0" smtClean="0"/>
-          </a:p>
-          <a:p>
-            <a:r>
-              <a:rPr lang="zh-CN" altLang="en-US" dirty="0" smtClean="0"/>
-              <a:t>易形码输入法编码分为：笔画码，组合码，组件码和识别码四种。</a:t>
-            </a:r>
-            <a:endParaRPr lang="en-US" altLang="zh-CN" dirty="0" smtClean="0"/>
-          </a:p>
-          <a:p>
-            <a:r>
-              <a:rPr lang="zh-CN" altLang="en-US" dirty="0"/>
-              <a:t>笔画</a:t>
-            </a:r>
-            <a:r>
-              <a:rPr lang="zh-CN" altLang="en-US" dirty="0" smtClean="0"/>
-              <a:t>码，即横竖撇捺折的单笔画编码。</a:t>
-            </a:r>
-            <a:endParaRPr lang="en-US" altLang="zh-CN" dirty="0" smtClean="0"/>
-          </a:p>
-          <a:p>
-            <a:r>
-              <a:rPr lang="zh-CN" altLang="en-US" dirty="0" smtClean="0"/>
-              <a:t>组合码，即</a:t>
-            </a:r>
-            <a:r>
-              <a:rPr lang="zh-CN" altLang="en-US" dirty="0"/>
-              <a:t>横竖撇捺</a:t>
-            </a:r>
-            <a:r>
-              <a:rPr lang="zh-CN" altLang="en-US" dirty="0" smtClean="0"/>
-              <a:t>折两种笔画组合的编码。</a:t>
-            </a:r>
-            <a:endParaRPr lang="en-US" altLang="zh-CN" dirty="0" smtClean="0"/>
-          </a:p>
-          <a:p>
-            <a:r>
-              <a:rPr lang="zh-CN" altLang="en-US" dirty="0"/>
-              <a:t>组件</a:t>
-            </a:r>
-            <a:r>
-              <a:rPr lang="zh-CN" altLang="en-US" dirty="0" smtClean="0"/>
-              <a:t>码，则是取组件的首笔与末笔组件的编码。</a:t>
-            </a:r>
-            <a:endParaRPr lang="en-US" altLang="zh-CN" dirty="0" smtClean="0"/>
-          </a:p>
-          <a:p>
-            <a:r>
-              <a:rPr lang="zh-CN" altLang="en-US" dirty="0" smtClean="0"/>
-              <a:t>识别码，是为了减少重码，而使用汉字的末笔与汉字的结构组合的编码。</a:t>
-            </a:r>
-            <a:endParaRPr lang="en-US" altLang="zh-CN" dirty="0" smtClean="0"/>
-          </a:p>
-          <a:p>
-            <a:endParaRPr lang="en-US" altLang="zh-CN" dirty="0" smtClean="0"/>
+              <a:rPr lang="en-US" altLang="zh-CN" sz="2000" dirty="0"/>
+              <a:t>4</a:t>
+            </a:r>
+            <a:r>
+              <a:rPr lang="zh-CN" altLang="en-US" sz="2000" dirty="0"/>
+              <a:t>、包围结构的汉字，即外部有组件包围的汉字，这一类又分为：</a:t>
+            </a:r>
+          </a:p>
+          <a:p>
+            <a:pPr lvl="1"/>
+            <a:r>
+              <a:rPr lang="zh-CN" altLang="en-US" sz="1600" dirty="0" smtClean="0"/>
+              <a:t>两面</a:t>
+            </a:r>
+            <a:r>
+              <a:rPr lang="zh-CN" altLang="en-US" sz="1600" dirty="0"/>
+              <a:t>包围：比如：左</a:t>
+            </a:r>
+            <a:r>
+              <a:rPr lang="zh-CN" altLang="en-US" sz="1600" dirty="0" smtClean="0"/>
+              <a:t>上包：</a:t>
+            </a:r>
+            <a:r>
+              <a:rPr lang="zh-CN" altLang="en-US" sz="1600" dirty="0"/>
+              <a:t>庆，右</a:t>
+            </a:r>
+            <a:r>
+              <a:rPr lang="zh-CN" altLang="en-US" sz="1600" dirty="0" smtClean="0"/>
+              <a:t>上包：</a:t>
+            </a:r>
+            <a:r>
+              <a:rPr lang="zh-CN" altLang="en-US" sz="1600" dirty="0"/>
+              <a:t>句，</a:t>
+            </a:r>
+            <a:r>
+              <a:rPr lang="zh-CN" altLang="en-US" sz="1600" dirty="0" smtClean="0"/>
+              <a:t>左下包：</a:t>
+            </a:r>
+            <a:r>
+              <a:rPr lang="zh-CN" altLang="en-US" sz="1600" dirty="0"/>
+              <a:t>这</a:t>
+            </a:r>
+            <a:r>
+              <a:rPr lang="zh-CN" altLang="en-US" sz="1600" dirty="0" smtClean="0"/>
+              <a:t>，</a:t>
+            </a:r>
+            <a:endParaRPr lang="zh-CN" altLang="en-US" sz="1600" dirty="0"/>
+          </a:p>
+          <a:p>
+            <a:pPr lvl="1"/>
+            <a:r>
+              <a:rPr lang="zh-CN" altLang="en-US" sz="1600" dirty="0" smtClean="0"/>
+              <a:t>三</a:t>
+            </a:r>
+            <a:r>
+              <a:rPr lang="zh-CN" altLang="en-US" sz="1600" dirty="0"/>
+              <a:t>面包围：比如：上包：风，下包</a:t>
+            </a:r>
+            <a:r>
+              <a:rPr lang="zh-CN" altLang="en-US" sz="1600" dirty="0" smtClean="0"/>
+              <a:t>：函，</a:t>
+            </a:r>
+            <a:r>
+              <a:rPr lang="zh-CN" altLang="en-US" sz="1600" dirty="0"/>
+              <a:t>左包：医，</a:t>
+            </a:r>
+          </a:p>
+          <a:p>
+            <a:pPr lvl="1"/>
+            <a:r>
+              <a:rPr lang="zh-CN" altLang="en-US" sz="1600" dirty="0" smtClean="0"/>
+              <a:t>四面</a:t>
+            </a:r>
+            <a:r>
+              <a:rPr lang="zh-CN" altLang="en-US" sz="1600" dirty="0"/>
+              <a:t>包围：比如：国，圆</a:t>
+            </a:r>
+            <a:endParaRPr lang="en-US" altLang="zh-CN" sz="1600" dirty="0"/>
+          </a:p>
+          <a:p>
+            <a:r>
+              <a:rPr lang="en-US" altLang="zh-CN" sz="2000" dirty="0"/>
+              <a:t>5</a:t>
+            </a:r>
+            <a:r>
+              <a:rPr lang="zh-CN" altLang="en-US" sz="2000" dirty="0"/>
+              <a:t>、复杂结构的汉字，即不能用以上结构类比的汉字</a:t>
+            </a:r>
+            <a:r>
+              <a:rPr lang="zh-CN" altLang="en-US" sz="2000" dirty="0" smtClean="0"/>
+              <a:t>，</a:t>
+            </a:r>
+            <a:endParaRPr lang="en-US" altLang="zh-CN" sz="2000" dirty="0" smtClean="0"/>
+          </a:p>
+          <a:p>
+            <a:pPr lvl="1"/>
+            <a:r>
+              <a:rPr lang="zh-CN" altLang="en-US" sz="1600" dirty="0" smtClean="0"/>
+              <a:t>比如</a:t>
+            </a:r>
+            <a:r>
+              <a:rPr lang="zh-CN" altLang="en-US" sz="1600" dirty="0"/>
+              <a:t>：噩，兆，坐，乖，巫，</a:t>
+            </a:r>
+            <a:r>
+              <a:rPr lang="zh-CN" altLang="en-US" sz="1600" dirty="0" smtClean="0"/>
+              <a:t>幽</a:t>
+            </a:r>
+            <a:endParaRPr lang="en-US" altLang="zh-CN" sz="1600" dirty="0" smtClean="0"/>
+          </a:p>
+          <a:p>
+            <a:pPr lvl="1"/>
+            <a:r>
+              <a:rPr lang="zh-CN" altLang="en-US" sz="1600" dirty="0" smtClean="0"/>
+              <a:t>有些结构，外形是左右的，但根据笔画关系，则是复杂结构的，但这些字并不多，比如：非。</a:t>
+            </a:r>
+            <a:endParaRPr lang="en-US" altLang="zh-CN" sz="1600" dirty="0" smtClean="0"/>
+          </a:p>
+          <a:p>
+            <a:r>
+              <a:rPr lang="zh-CN" altLang="en-US" sz="2000" dirty="0"/>
+              <a:t>此外，多种结构的组成，只以一种结构为准，</a:t>
+            </a:r>
+            <a:r>
+              <a:rPr lang="zh-CN" altLang="en-US" sz="2000" dirty="0" smtClean="0"/>
+              <a:t>比如</a:t>
+            </a:r>
+            <a:endParaRPr lang="en-US" altLang="zh-CN" sz="2000" dirty="0" smtClean="0"/>
+          </a:p>
+          <a:p>
+            <a:pPr lvl="1"/>
+            <a:r>
+              <a:rPr lang="zh-CN" altLang="en-US" sz="1600" dirty="0" smtClean="0"/>
+              <a:t>竖</a:t>
+            </a:r>
+            <a:r>
+              <a:rPr lang="zh-CN" altLang="en-US" sz="1600" dirty="0"/>
+              <a:t>：上方为左右结构，整体是上下结构，则此字为上下结构。</a:t>
+            </a:r>
+          </a:p>
+          <a:p>
+            <a:pPr lvl="1"/>
+            <a:r>
+              <a:rPr lang="zh-CN" altLang="en-US" sz="1600" dirty="0" smtClean="0"/>
+              <a:t>将</a:t>
+            </a:r>
+            <a:r>
+              <a:rPr lang="zh-CN" altLang="en-US" sz="1600" dirty="0"/>
+              <a:t>：右边是上下结构，但整体是左右结构，则此字为左右结构。</a:t>
+            </a:r>
+          </a:p>
+          <a:p>
+            <a:pPr lvl="1"/>
+            <a:r>
+              <a:rPr lang="zh-CN" altLang="en-US" sz="1600" dirty="0" smtClean="0"/>
+              <a:t>抠</a:t>
+            </a:r>
+            <a:r>
+              <a:rPr lang="zh-CN" altLang="en-US" sz="1600" dirty="0"/>
+              <a:t>：整体是左右结构，右边是左包结构。</a:t>
+            </a:r>
           </a:p>
           <a:p>
             <a:endParaRPr lang="zh-CN" altLang="en-US" dirty="0"/>
@@ -8317,7 +8345,7 @@
     </p:spTree>
     <p:extLst>
       <p:ext uri="{BB962C8B-B14F-4D97-AF65-F5344CB8AC3E}">
-        <p14:creationId xmlns:p14="http://schemas.microsoft.com/office/powerpoint/2010/main" val="258718804"/>
+        <p14:creationId xmlns:p14="http://schemas.microsoft.com/office/powerpoint/2010/main" val="1854291227"/>
       </p:ext>
     </p:extLst>
   </p:cSld>
@@ -8367,16 +8395,12 @@
           <a:lstStyle/>
           <a:p>
             <a:r>
+              <a:rPr lang="zh-CN" altLang="en-US" dirty="0"/>
+              <a:t>易形码快速入门</a:t>
+            </a:r>
+            <a:r>
               <a:rPr lang="zh-CN" altLang="en-US" dirty="0" smtClean="0"/>
-              <a:t>易形码</a:t>
-            </a:r>
-            <a:r>
-              <a:rPr lang="zh-CN" altLang="en-US" dirty="0"/>
-              <a:t>快速</a:t>
-            </a:r>
-            <a:r>
-              <a:rPr lang="zh-CN" altLang="en-US" dirty="0" smtClean="0"/>
-              <a:t>入门（</a:t>
+              <a:t>（</a:t>
             </a:r>
             <a:r>
               <a:rPr lang="en-US" altLang="zh-CN" dirty="0" smtClean="0"/>
@@ -8406,75 +8430,126 @@
           <a:lstStyle/>
           <a:p>
             <a:r>
-              <a:rPr lang="zh-CN" altLang="en-US" sz="2000" dirty="0" smtClean="0"/>
-              <a:t>五、拆字原则（两个原则）</a:t>
-            </a:r>
-            <a:endParaRPr lang="en-US" altLang="zh-CN" sz="2000" dirty="0" smtClean="0"/>
-          </a:p>
-          <a:p>
-            <a:r>
-              <a:rPr lang="en-US" altLang="zh-CN" sz="2000" dirty="0" smtClean="0"/>
+              <a:rPr lang="zh-CN" altLang="en-US" dirty="0" smtClean="0"/>
+              <a:t>四、书写笔顺</a:t>
+            </a:r>
+            <a:endParaRPr lang="en-US" altLang="zh-CN" dirty="0" smtClean="0"/>
+          </a:p>
+          <a:p>
+            <a:r>
+              <a:rPr lang="en-US" altLang="zh-CN" dirty="0" smtClean="0"/>
               <a:t>1</a:t>
             </a:r>
             <a:r>
-              <a:rPr lang="zh-CN" altLang="en-US" sz="2000" dirty="0" smtClean="0"/>
-              <a:t>、多个组件，只拆分连。不拆相交</a:t>
-            </a:r>
-            <a:endParaRPr lang="en-US" altLang="zh-CN" sz="2000" dirty="0" smtClean="0"/>
-          </a:p>
-          <a:p>
-            <a:r>
-              <a:rPr lang="zh-CN" altLang="en-US" sz="2000" dirty="0" smtClean="0"/>
-              <a:t>易形码输入法拆字方式基于汉字的自然结构。对于多组件字，只拆可分的，或相连的，相交的一律不拆。</a:t>
-            </a:r>
-            <a:endParaRPr lang="en-US" altLang="zh-CN" sz="2000" dirty="0" smtClean="0"/>
-          </a:p>
-          <a:p>
-            <a:r>
-              <a:rPr lang="en-US" altLang="zh-CN" sz="2000" dirty="0" smtClean="0"/>
+              <a:rPr lang="zh-CN" altLang="en-US" dirty="0" smtClean="0"/>
+              <a:t>、先</a:t>
+            </a:r>
+            <a:r>
+              <a:rPr lang="zh-CN" altLang="en-US" dirty="0"/>
+              <a:t>横后竖</a:t>
+            </a:r>
+          </a:p>
+          <a:p>
+            <a:pPr lvl="1"/>
+            <a:r>
+              <a:rPr lang="zh-CN" altLang="en-US" dirty="0"/>
+              <a:t>例如：本，丑</a:t>
+            </a:r>
+            <a:r>
+              <a:rPr lang="zh-CN" altLang="en-US" dirty="0" smtClean="0"/>
+              <a:t>，末，</a:t>
+            </a:r>
+            <a:r>
+              <a:rPr lang="zh-CN" altLang="en-US" dirty="0"/>
+              <a:t>耳，甘，革，工，古，</a:t>
+            </a:r>
+            <a:r>
+              <a:rPr lang="zh-CN" altLang="en-US" dirty="0" smtClean="0"/>
+              <a:t>斤</a:t>
+            </a:r>
+            <a:endParaRPr lang="en-US" altLang="zh-CN" dirty="0" smtClean="0"/>
+          </a:p>
+          <a:p>
+            <a:r>
+              <a:rPr lang="en-US" altLang="zh-CN" dirty="0" smtClean="0"/>
               <a:t>2</a:t>
             </a:r>
             <a:r>
-              <a:rPr lang="zh-CN" altLang="en-US" sz="2000" dirty="0" smtClean="0"/>
-              <a:t>、独体结构，先打主码，再拆笔画。</a:t>
-            </a:r>
-            <a:endParaRPr lang="en-US" altLang="zh-CN" sz="2000" dirty="0" smtClean="0"/>
-          </a:p>
-          <a:p>
-            <a:r>
-              <a:rPr lang="zh-CN" altLang="en-US" sz="2000" dirty="0" smtClean="0"/>
-              <a:t>对于单一组件的字，也就是独体字，先打该字的主码。然后再拆打笔画码。</a:t>
-            </a:r>
-            <a:endParaRPr lang="en-US" altLang="zh-CN" sz="2000" dirty="0" smtClean="0"/>
-          </a:p>
-          <a:p>
-            <a:endParaRPr lang="en-US" altLang="zh-CN" sz="2000" dirty="0"/>
-          </a:p>
-          <a:p>
-            <a:endParaRPr lang="en-US" altLang="zh-CN" sz="1800" dirty="0" smtClean="0"/>
-          </a:p>
-          <a:p>
-            <a:endParaRPr lang="zh-CN" altLang="en-US" sz="1800" dirty="0"/>
+              <a:rPr lang="zh-CN" altLang="en-US" dirty="0" smtClean="0"/>
+              <a:t>、先撇后捺</a:t>
+            </a:r>
+            <a:endParaRPr lang="en-US" altLang="zh-CN" dirty="0" smtClean="0"/>
+          </a:p>
+          <a:p>
+            <a:pPr lvl="1"/>
+            <a:r>
+              <a:rPr lang="zh-CN" altLang="en-US" dirty="0"/>
+              <a:t>例如：仓，大，夫，父，负，个，关，火，</a:t>
+            </a:r>
+            <a:r>
+              <a:rPr lang="zh-CN" altLang="en-US" dirty="0" smtClean="0"/>
+              <a:t>交</a:t>
+            </a:r>
+            <a:endParaRPr lang="en-US" altLang="zh-CN" dirty="0" smtClean="0"/>
+          </a:p>
+          <a:p>
+            <a:r>
+              <a:rPr lang="en-US" altLang="zh-CN" dirty="0" smtClean="0"/>
+              <a:t>3</a:t>
+            </a:r>
+            <a:r>
+              <a:rPr lang="zh-CN" altLang="en-US" dirty="0" smtClean="0"/>
+              <a:t>、上下结构，从上到下</a:t>
+            </a:r>
+            <a:endParaRPr lang="en-US" altLang="zh-CN" dirty="0" smtClean="0"/>
+          </a:p>
+          <a:p>
+            <a:pPr lvl="1"/>
+            <a:r>
+              <a:rPr lang="zh-CN" altLang="en-US" dirty="0"/>
+              <a:t>例如：哀，爱，安，岸，案，熬，奥，爸，</a:t>
+            </a:r>
+            <a:r>
+              <a:rPr lang="zh-CN" altLang="en-US" dirty="0" smtClean="0"/>
+              <a:t>罢</a:t>
+            </a:r>
+            <a:endParaRPr lang="en-US" altLang="zh-CN" dirty="0"/>
+          </a:p>
+          <a:p>
+            <a:r>
+              <a:rPr lang="en-US" altLang="zh-CN" dirty="0" smtClean="0"/>
+              <a:t>4</a:t>
+            </a:r>
+            <a:r>
+              <a:rPr lang="zh-CN" altLang="en-US" dirty="0" smtClean="0"/>
+              <a:t>、左右结构，从左到右</a:t>
+            </a:r>
+            <a:endParaRPr lang="en-US" altLang="zh-CN" dirty="0" smtClean="0"/>
+          </a:p>
+          <a:p>
+            <a:pPr lvl="1"/>
+            <a:r>
+              <a:rPr lang="zh-CN" altLang="en-US" dirty="0"/>
+              <a:t>例如：阿，啊，哎，唉，挨，矮，碍，按，</a:t>
+            </a:r>
+            <a:r>
+              <a:rPr lang="zh-CN" altLang="en-US" dirty="0" smtClean="0"/>
+              <a:t>暗 </a:t>
+            </a:r>
+            <a:endParaRPr lang="zh-CN" altLang="en-US" dirty="0"/>
           </a:p>
         </p:txBody>
       </p:sp>
     </p:spTree>
     <p:extLst>
       <p:ext uri="{BB962C8B-B14F-4D97-AF65-F5344CB8AC3E}">
-        <p14:creationId xmlns:p14="http://schemas.microsoft.com/office/powerpoint/2010/main" val="3652426903"/>
+        <p14:creationId xmlns:p14="http://schemas.microsoft.com/office/powerpoint/2010/main" val="1246565530"/>
       </p:ext>
     </p:extLst>
   </p:cSld>
   <p:clrMapOvr>
     <a:masterClrMapping/>
   </p:clrMapOvr>
-  <p:timing>
-    <p:tnLst>
-      <p:par>
-        <p:cTn id="1" dur="indefinite" restart="never" nodeType="tmRoot"/>
-      </p:par>
-    </p:tnLst>
-  </p:timing>
 </p:sld>
 </file>
 
@@ -8512,19 +8587,11 @@
           <a:p>
             <a:r>
               <a:rPr lang="zh-CN" altLang="en-US" dirty="0"/>
-              <a:t>易</a:t>
+              <a:t>易形码快速入门</a:t>
             </a:r>
             <a:r>
               <a:rPr lang="zh-CN" altLang="en-US" dirty="0" smtClean="0"/>
-              <a:t>形码</a:t>
-            </a:r>
-            <a:r>
-              <a:rPr lang="zh-CN" altLang="en-US" dirty="0"/>
-              <a:t>快速</a:t>
-            </a:r>
-            <a:r>
-              <a:rPr lang="zh-CN" altLang="en-US" dirty="0" smtClean="0"/>
-              <a:t>入门（</a:t>
+              <a:t>（</a:t>
             </a:r>
             <a:r>
               <a:rPr lang="en-US" altLang="zh-CN" dirty="0" smtClean="0"/>
@@ -8554,186 +8621,185 @@
           <a:lstStyle/>
           <a:p>
             <a:r>
-              <a:rPr lang="zh-CN" altLang="en-US" sz="1600" dirty="0" smtClean="0"/>
-              <a:t>六、取码原则</a:t>
-            </a:r>
-            <a:endParaRPr lang="en-US" altLang="zh-CN" sz="1600" dirty="0" smtClean="0"/>
-          </a:p>
-          <a:p>
-            <a:r>
-              <a:rPr lang="zh-CN" altLang="en-US" sz="1600" dirty="0" smtClean="0"/>
-              <a:t>易形码输入法，每一个汉字或每一个词的最多码长为</a:t>
-            </a:r>
-            <a:r>
-              <a:rPr lang="en-US" altLang="zh-CN" sz="1600" dirty="0" smtClean="0"/>
-              <a:t>4</a:t>
-            </a:r>
-            <a:r>
-              <a:rPr lang="zh-CN" altLang="en-US" sz="1600" dirty="0" smtClean="0"/>
-              <a:t>码。</a:t>
-            </a:r>
-            <a:endParaRPr lang="en-US" altLang="zh-CN" sz="1600" dirty="0" smtClean="0"/>
-          </a:p>
-          <a:p>
-            <a:r>
-              <a:rPr lang="zh-CN" altLang="en-US" sz="1600" dirty="0"/>
-              <a:t>取</a:t>
-            </a:r>
-            <a:r>
-              <a:rPr lang="zh-CN" altLang="en-US" sz="1600" dirty="0" smtClean="0"/>
-              <a:t>码是指，根据编码规则按顺序读出汉字或词语中的编码，完成录入的过程。</a:t>
-            </a:r>
-            <a:r>
-              <a:rPr lang="zh-CN" altLang="en-US" sz="1600" dirty="0"/>
-              <a:t>易形码</a:t>
-            </a:r>
-            <a:r>
-              <a:rPr lang="zh-CN" altLang="en-US" sz="1600" dirty="0" smtClean="0"/>
-              <a:t>输入法取码，根据汉字结构不同，方法有所不同，分述如下：</a:t>
-            </a:r>
-            <a:endParaRPr lang="en-US" altLang="zh-CN" sz="1600" dirty="0" smtClean="0"/>
-          </a:p>
-          <a:p>
-            <a:r>
-              <a:rPr lang="en-US" altLang="zh-CN" sz="1600" dirty="0" smtClean="0"/>
-              <a:t>1</a:t>
-            </a:r>
-            <a:r>
-              <a:rPr lang="zh-CN" altLang="en-US" sz="1600" dirty="0" smtClean="0"/>
-              <a:t>、独体字</a:t>
-            </a:r>
-            <a:endParaRPr lang="en-US" altLang="zh-CN" sz="1600" dirty="0" smtClean="0"/>
-          </a:p>
-          <a:p>
-            <a:pPr lvl="1"/>
-            <a:r>
-              <a:rPr lang="zh-CN" altLang="en-US" sz="1600" dirty="0" smtClean="0"/>
-              <a:t>第一</a:t>
-            </a:r>
-            <a:r>
-              <a:rPr lang="zh-CN" altLang="en-US" sz="1600" dirty="0"/>
-              <a:t>码取独体字的首尾码，第二三四码取</a:t>
-            </a:r>
-            <a:r>
-              <a:rPr lang="zh-CN" altLang="en-US" sz="1600" dirty="0" smtClean="0"/>
-              <a:t>独体</a:t>
-            </a:r>
-            <a:r>
-              <a:rPr lang="zh-CN" altLang="en-US" sz="1600" dirty="0"/>
-              <a:t>字的第二三四笔。如果不足四码，则最后一码取末笔划的识别码</a:t>
-            </a:r>
-            <a:r>
-              <a:rPr lang="zh-CN" altLang="en-US" sz="1600" dirty="0" smtClean="0"/>
-              <a:t>。</a:t>
-            </a:r>
-            <a:endParaRPr lang="en-US" altLang="zh-CN" sz="1600" dirty="0" smtClean="0"/>
-          </a:p>
-          <a:p>
-            <a:r>
-              <a:rPr lang="en-US" altLang="zh-CN" sz="1600" dirty="0" smtClean="0"/>
-              <a:t>2</a:t>
-            </a:r>
-            <a:r>
-              <a:rPr lang="zh-CN" altLang="en-US" sz="1600" dirty="0" smtClean="0"/>
-              <a:t>、左右结构</a:t>
-            </a:r>
-            <a:endParaRPr lang="en-US" altLang="zh-CN" sz="1600" dirty="0" smtClean="0"/>
-          </a:p>
-          <a:p>
-            <a:pPr lvl="1"/>
-            <a:r>
-              <a:rPr lang="zh-CN" altLang="en-US" sz="1600" dirty="0" smtClean="0"/>
-              <a:t>左</a:t>
-            </a:r>
-            <a:r>
-              <a:rPr lang="zh-CN" altLang="en-US" sz="1600" dirty="0"/>
-              <a:t>合右分，左大右小，即左边第一部分以整体优先，右边尽量拆分。</a:t>
-            </a:r>
-          </a:p>
-          <a:p>
-            <a:pPr lvl="2"/>
-            <a:r>
-              <a:rPr lang="zh-CN" altLang="en-US" sz="1600" dirty="0" smtClean="0"/>
-              <a:t>比如</a:t>
-            </a:r>
-            <a:r>
-              <a:rPr lang="zh-CN" altLang="en-US" sz="1600" dirty="0"/>
-              <a:t>：鲫，左边第一部分是鱼，取</a:t>
-            </a:r>
-            <a:r>
-              <a:rPr lang="en-US" altLang="zh-CN" sz="1600" dirty="0"/>
-              <a:t>T</a:t>
-            </a:r>
-            <a:r>
-              <a:rPr lang="zh-CN" altLang="en-US" sz="1600" dirty="0"/>
-              <a:t>，右边两部分分别取</a:t>
-            </a:r>
-            <a:r>
-              <a:rPr lang="en-US" altLang="zh-CN" sz="1600" dirty="0"/>
-              <a:t>CB</a:t>
-            </a:r>
-            <a:r>
-              <a:rPr lang="zh-CN" altLang="en-US" sz="1600" dirty="0"/>
-              <a:t>，全字</a:t>
-            </a:r>
-            <a:r>
-              <a:rPr lang="en-US" altLang="zh-CN" sz="1600" dirty="0"/>
-              <a:t>TCB</a:t>
-            </a:r>
-          </a:p>
-          <a:p>
-            <a:pPr lvl="2"/>
-            <a:r>
-              <a:rPr lang="zh-CN" altLang="en-US" sz="1600" dirty="0" smtClean="0"/>
-              <a:t>捺</a:t>
-            </a:r>
-            <a:r>
-              <a:rPr lang="zh-CN" altLang="en-US" sz="1600" dirty="0"/>
-              <a:t>，左边取</a:t>
-            </a:r>
-            <a:r>
-              <a:rPr lang="en-US" altLang="zh-CN" sz="1600" dirty="0"/>
-              <a:t>G</a:t>
-            </a:r>
-            <a:r>
-              <a:rPr lang="zh-CN" altLang="en-US" sz="1600" dirty="0"/>
-              <a:t>，右边，要分为三个汉字，则为</a:t>
-            </a:r>
-            <a:r>
-              <a:rPr lang="en-US" altLang="zh-CN" sz="1600" dirty="0"/>
-              <a:t>DGC</a:t>
-            </a:r>
-            <a:r>
-              <a:rPr lang="zh-CN" altLang="en-US" sz="1600" dirty="0"/>
-              <a:t>，全字</a:t>
-            </a:r>
-            <a:r>
-              <a:rPr lang="en-US" altLang="zh-CN" sz="1600" dirty="0"/>
-              <a:t>GDGC</a:t>
-            </a:r>
-          </a:p>
-          <a:p>
-            <a:endParaRPr lang="zh-CN" altLang="en-US" sz="1600" dirty="0"/>
+              <a:rPr lang="en-US" altLang="zh-CN" sz="2000" dirty="0" smtClean="0"/>
+              <a:t>5</a:t>
+            </a:r>
+            <a:r>
+              <a:rPr lang="zh-CN" altLang="en-US" sz="2000" dirty="0" smtClean="0"/>
+              <a:t>、包围结构，从上到下</a:t>
+            </a:r>
+            <a:endParaRPr lang="en-US" altLang="zh-CN" sz="2000" dirty="0" smtClean="0"/>
+          </a:p>
+          <a:p>
+            <a:r>
+              <a:rPr lang="zh-CN" altLang="en-US" sz="2000" dirty="0" smtClean="0"/>
+              <a:t>这是指，如果是包围结构，则要用从上到下，而不是从左到右。即以上下优先。比如：</a:t>
+            </a:r>
+            <a:endParaRPr lang="en-US" altLang="zh-CN" sz="2000" dirty="0" smtClean="0"/>
+          </a:p>
+          <a:p>
+            <a:r>
+              <a:rPr lang="zh-CN" altLang="en-US" sz="2000" dirty="0"/>
+              <a:t>闭</a:t>
+            </a:r>
+            <a:r>
+              <a:rPr lang="zh-CN" altLang="en-US" sz="2000" dirty="0" smtClean="0"/>
+              <a:t>，周，</a:t>
+            </a:r>
+            <a:r>
+              <a:rPr lang="zh-CN" altLang="en-US" sz="2000" dirty="0"/>
+              <a:t>凡，风</a:t>
+            </a:r>
+            <a:r>
+              <a:rPr lang="zh-CN" altLang="en-US" sz="2000" dirty="0" smtClean="0"/>
+              <a:t>，先写外框部件</a:t>
+            </a:r>
+            <a:r>
+              <a:rPr lang="en-US" altLang="zh-CN" sz="2000" dirty="0" smtClean="0"/>
+              <a:t>(</a:t>
+            </a:r>
+            <a:r>
+              <a:rPr lang="zh-CN" altLang="en-US" sz="2000" dirty="0" smtClean="0"/>
+              <a:t>从上到下</a:t>
+            </a:r>
+            <a:r>
+              <a:rPr lang="en-US" altLang="zh-CN" sz="2000" dirty="0" smtClean="0"/>
+              <a:t>)</a:t>
+            </a:r>
+          </a:p>
+          <a:p>
+            <a:r>
+              <a:rPr lang="zh-CN" altLang="en-US" sz="2000" dirty="0" smtClean="0"/>
+              <a:t>函，</a:t>
+            </a:r>
+            <a:r>
+              <a:rPr lang="zh-CN" altLang="en-US" sz="2000" dirty="0"/>
+              <a:t>画，这，建，后写外框部件</a:t>
+            </a:r>
+            <a:r>
+              <a:rPr lang="en-US" altLang="zh-CN" sz="2000" dirty="0"/>
+              <a:t>(</a:t>
+            </a:r>
+            <a:r>
+              <a:rPr lang="zh-CN" altLang="en-US" sz="2000" dirty="0"/>
+              <a:t>从上到下</a:t>
+            </a:r>
+            <a:r>
+              <a:rPr lang="en-US" altLang="zh-CN" sz="2000" dirty="0" smtClean="0"/>
+              <a:t>)</a:t>
+            </a:r>
+          </a:p>
+          <a:p>
+            <a:r>
+              <a:rPr lang="zh-CN" altLang="en-US" sz="2000" dirty="0"/>
+              <a:t>勾，司，句</a:t>
+            </a:r>
+            <a:r>
+              <a:rPr lang="zh-CN" altLang="en-US" sz="2000" dirty="0" smtClean="0"/>
+              <a:t>，压，</a:t>
+            </a:r>
+            <a:r>
+              <a:rPr lang="zh-CN" altLang="en-US" sz="2000" dirty="0"/>
+              <a:t>先写外框部件</a:t>
+            </a:r>
+            <a:r>
+              <a:rPr lang="en-US" altLang="zh-CN" sz="2000" dirty="0"/>
+              <a:t>(</a:t>
+            </a:r>
+            <a:r>
+              <a:rPr lang="zh-CN" altLang="en-US" sz="2000" dirty="0"/>
+              <a:t>从上到下</a:t>
+            </a:r>
+            <a:r>
+              <a:rPr lang="en-US" altLang="zh-CN" sz="2000" dirty="0" smtClean="0"/>
+              <a:t>)</a:t>
+            </a:r>
+          </a:p>
+          <a:p>
+            <a:r>
+              <a:rPr lang="zh-CN" altLang="en-US" sz="2000" dirty="0" smtClean="0"/>
+              <a:t>四</a:t>
+            </a:r>
+            <a:r>
+              <a:rPr lang="zh-CN" altLang="en-US" sz="2000" dirty="0"/>
+              <a:t>，图，团，围</a:t>
+            </a:r>
+            <a:r>
+              <a:rPr lang="zh-CN" altLang="en-US" sz="2000" dirty="0" smtClean="0"/>
+              <a:t>，先写冂，再写内部，最后写一</a:t>
+            </a:r>
+            <a:r>
+              <a:rPr lang="en-US" altLang="zh-CN" sz="2000" dirty="0"/>
+              <a:t>(</a:t>
+            </a:r>
+            <a:r>
+              <a:rPr lang="zh-CN" altLang="en-US" sz="2000" dirty="0"/>
+              <a:t>从上到下</a:t>
+            </a:r>
+            <a:r>
+              <a:rPr lang="en-US" altLang="zh-CN" sz="2000" dirty="0" smtClean="0"/>
+              <a:t>)</a:t>
+            </a:r>
+          </a:p>
+          <a:p>
+            <a:r>
+              <a:rPr lang="zh-CN" altLang="en-US" sz="2000" dirty="0" smtClean="0"/>
+              <a:t>医，匿，匹，匝，先写厂，再写内部，最后写一</a:t>
+            </a:r>
+            <a:r>
+              <a:rPr lang="en-US" altLang="zh-CN" sz="2000" dirty="0"/>
+              <a:t>(</a:t>
+            </a:r>
+            <a:r>
+              <a:rPr lang="zh-CN" altLang="en-US" sz="2000" dirty="0"/>
+              <a:t>从上到下</a:t>
+            </a:r>
+            <a:r>
+              <a:rPr lang="en-US" altLang="zh-CN" sz="2000" dirty="0" smtClean="0"/>
+              <a:t>)</a:t>
+            </a:r>
+          </a:p>
+          <a:p>
+            <a:r>
+              <a:rPr lang="zh-CN" altLang="en-US" sz="2000" dirty="0" smtClean="0"/>
+              <a:t>例外：左下包，左为主体，则左右优先，（从左到右）</a:t>
+            </a:r>
+            <a:endParaRPr lang="en-US" altLang="zh-CN" sz="2000" dirty="0" smtClean="0"/>
+          </a:p>
+          <a:p>
+            <a:r>
+              <a:rPr lang="zh-CN" altLang="en-US" sz="2000" dirty="0" smtClean="0"/>
+              <a:t>如：题，超，翅，可以看出，这些都是把捺拉长形成的包围。</a:t>
+            </a:r>
+            <a:endParaRPr lang="en-US" altLang="zh-CN" sz="2000" dirty="0" smtClean="0"/>
+          </a:p>
+          <a:p>
+            <a:endParaRPr lang="en-US" altLang="zh-CN" sz="2000" dirty="0"/>
+          </a:p>
+          <a:p>
+            <a:endParaRPr lang="en-US" altLang="zh-CN" sz="2000" dirty="0"/>
+          </a:p>
+          <a:p>
+            <a:endParaRPr lang="en-US" altLang="zh-CN" dirty="0" smtClean="0"/>
+          </a:p>
+          <a:p>
+            <a:endParaRPr lang="en-US" altLang="zh-CN" dirty="0" smtClean="0"/>
+          </a:p>
+          <a:p>
+            <a:endParaRPr lang="zh-CN" altLang="en-US" dirty="0"/>
           </a:p>
         </p:txBody>
       </p:sp>
     </p:spTree>
     <p:extLst>
       <p:ext uri="{BB962C8B-B14F-4D97-AF65-F5344CB8AC3E}">
-        <p14:creationId xmlns:p14="http://schemas.microsoft.com/office/powerpoint/2010/main" val="1789066140"/>
+        <p14:creationId xmlns:p14="http://schemas.microsoft.com/office/powerpoint/2010/main" val="3414240552"/>
       </p:ext>
     </p:extLst>
   </p:cSld>
   <p:clrMapOvr>
     <a:masterClrMapping/>
   </p:clrMapOvr>
-  <p:timing>
-    <p:tnLst>
-      <p:par>
-        <p:cTn id="1" dur="indefinite" restart="never" nodeType="tmRoot"/>
-      </p:par>
-    </p:tnLst>
-  </p:timing>
 </p:sld>
 </file>
 
@@ -8771,19 +8837,11 @@
           <a:p>
             <a:r>
               <a:rPr lang="zh-CN" altLang="en-US" dirty="0"/>
-              <a:t>易</a:t>
+              <a:t>易形码快速入门</a:t>
             </a:r>
             <a:r>
               <a:rPr lang="zh-CN" altLang="en-US" dirty="0" smtClean="0"/>
-              <a:t>形码</a:t>
-            </a:r>
-            <a:r>
-              <a:rPr lang="zh-CN" altLang="en-US" dirty="0"/>
-              <a:t>快速</a:t>
-            </a:r>
-            <a:r>
-              <a:rPr lang="zh-CN" altLang="en-US" dirty="0" smtClean="0"/>
-              <a:t>入门（</a:t>
+              <a:t>（</a:t>
             </a:r>
             <a:r>
               <a:rPr lang="en-US" altLang="zh-CN" dirty="0" smtClean="0"/>
@@ -8814,122 +8872,131 @@
           <a:p>
             <a:r>
               <a:rPr lang="en-US" altLang="zh-CN" sz="1800" dirty="0" smtClean="0"/>
-              <a:t>3</a:t>
+              <a:t>6</a:t>
             </a:r>
             <a:r>
               <a:rPr lang="zh-CN" altLang="en-US" sz="1800" dirty="0" smtClean="0"/>
-              <a:t>、上下结构、</a:t>
+              <a:t>、中分结构，先写中间</a:t>
             </a:r>
             <a:endParaRPr lang="en-US" altLang="zh-CN" sz="1800" dirty="0" smtClean="0"/>
           </a:p>
           <a:p>
+            <a:r>
+              <a:rPr lang="zh-CN" altLang="en-US" sz="1800" dirty="0"/>
+              <a:t>如：办，乖，水，小，</a:t>
+            </a:r>
+            <a:r>
+              <a:rPr lang="zh-CN" altLang="en-US" sz="1800" dirty="0" smtClean="0"/>
+              <a:t>业，非，均是先写中间</a:t>
+            </a:r>
+            <a:endParaRPr lang="en-US" altLang="zh-CN" sz="1800" dirty="0" smtClean="0"/>
+          </a:p>
+          <a:p>
+            <a:r>
+              <a:rPr lang="en-US" altLang="zh-CN" sz="1800" dirty="0" smtClean="0"/>
+              <a:t>7</a:t>
+            </a:r>
+            <a:r>
+              <a:rPr lang="zh-CN" altLang="en-US" sz="1800" dirty="0" smtClean="0"/>
+              <a:t>、点在右上，最后才写</a:t>
+            </a:r>
+            <a:endParaRPr lang="en-US" altLang="zh-CN" sz="1800" dirty="0" smtClean="0"/>
+          </a:p>
+          <a:p>
+            <a:r>
+              <a:rPr lang="zh-CN" altLang="en-US" sz="1800" dirty="0" smtClean="0"/>
+              <a:t>如：捕</a:t>
+            </a:r>
+            <a:r>
+              <a:rPr lang="zh-CN" altLang="en-US" sz="1800" dirty="0"/>
+              <a:t>，代，发，伏，就，浅，求，书，术</a:t>
+            </a:r>
+            <a:r>
+              <a:rPr lang="zh-CN" altLang="en-US" sz="1800" dirty="0" smtClean="0"/>
+              <a:t>，</a:t>
+            </a:r>
+            <a:endParaRPr lang="en-US" altLang="zh-CN" sz="1800" dirty="0" smtClean="0"/>
+          </a:p>
+          <a:p>
+            <a:r>
+              <a:rPr lang="en-US" altLang="zh-CN" sz="1800" dirty="0" smtClean="0"/>
+              <a:t>8</a:t>
+            </a:r>
+            <a:r>
+              <a:rPr lang="zh-CN" altLang="en-US" sz="1800" dirty="0" smtClean="0"/>
+              <a:t>、末笔为人，最后写人</a:t>
+            </a:r>
+            <a:endParaRPr lang="en-US" altLang="zh-CN" sz="1800" dirty="0" smtClean="0"/>
+          </a:p>
+          <a:p>
+            <a:r>
+              <a:rPr lang="zh-CN" altLang="en-US" sz="1800" dirty="0" smtClean="0"/>
+              <a:t>比如：火，臾，</a:t>
+            </a:r>
+            <a:endParaRPr lang="en-US" altLang="zh-CN" sz="1800" dirty="0" smtClean="0"/>
+          </a:p>
+          <a:p>
+            <a:r>
+              <a:rPr lang="en-US" altLang="zh-CN" sz="1800" dirty="0" smtClean="0"/>
+              <a:t>9</a:t>
+            </a:r>
+            <a:r>
+              <a:rPr lang="zh-CN" altLang="en-US" sz="1800" dirty="0" smtClean="0"/>
+              <a:t>、个别例外，单独记忆</a:t>
+            </a:r>
+            <a:endParaRPr lang="en-US" altLang="zh-CN" sz="1800" dirty="0" smtClean="0"/>
+          </a:p>
+          <a:p>
+            <a:r>
+              <a:rPr lang="zh-CN" altLang="en-US" sz="1800" dirty="0" smtClean="0"/>
+              <a:t>竖心先点最后竖，九及先撇再写折</a:t>
+            </a:r>
+            <a:endParaRPr lang="en-US" altLang="zh-CN" sz="1800" dirty="0" smtClean="0"/>
+          </a:p>
+          <a:p>
             <a:pPr lvl="1"/>
             <a:r>
-              <a:rPr lang="zh-CN" altLang="en-US" sz="1600" dirty="0"/>
-              <a:t>分别从上到下，取各组件的首尾码，如果不足四码，则最后一码取末笔划的识别码</a:t>
-            </a:r>
-            <a:r>
-              <a:rPr lang="zh-CN" altLang="en-US" sz="1600" dirty="0" smtClean="0"/>
-              <a:t>。</a:t>
-            </a:r>
-            <a:endParaRPr lang="en-US" altLang="zh-CN" sz="1600" dirty="0" smtClean="0"/>
-          </a:p>
-          <a:p>
-            <a:r>
-              <a:rPr lang="en-US" altLang="zh-CN" sz="1800" dirty="0" smtClean="0"/>
-              <a:t>4</a:t>
-            </a:r>
+              <a:rPr lang="zh-CN" altLang="en-US" sz="1400" dirty="0" smtClean="0"/>
+              <a:t>即：忄：先写两点，再写竖（行草笔顺）；九、及：先写撇，</a:t>
+            </a:r>
+            <a:endParaRPr lang="en-US" altLang="zh-CN" sz="1400" dirty="0" smtClean="0"/>
+          </a:p>
+          <a:p>
+            <a:r>
+              <a:rPr lang="zh-CN" altLang="en-US" sz="1800" dirty="0"/>
+              <a:t>刀力乃万最后撇，车字后竖车旁提。 </a:t>
+            </a:r>
+            <a:endParaRPr lang="en-US" altLang="zh-CN" sz="1800" dirty="0"/>
+          </a:p>
+          <a:p>
             <a:r>
               <a:rPr lang="zh-CN" altLang="en-US" sz="1800" dirty="0" smtClean="0"/>
-              <a:t>、包围结构、</a:t>
+              <a:t>其实，刀乃是包围结构，是规则的。（从上到下）</a:t>
             </a:r>
             <a:endParaRPr lang="en-US" altLang="zh-CN" sz="1800" dirty="0" smtClean="0"/>
           </a:p>
           <a:p>
-            <a:pPr lvl="1"/>
-            <a:r>
-              <a:rPr lang="zh-CN" altLang="en-US" sz="1600" dirty="0" smtClean="0"/>
-              <a:t>按</a:t>
-            </a:r>
-            <a:r>
-              <a:rPr lang="zh-CN" altLang="en-US" sz="1600" dirty="0"/>
-              <a:t>书写顺序分别取各组件的首尾码，如果不足四码，则最后一码取末笔划的识别码。</a:t>
-            </a:r>
-            <a:endParaRPr lang="en-US" altLang="zh-CN" sz="1600" dirty="0" smtClean="0"/>
-          </a:p>
-          <a:p>
-            <a:r>
-              <a:rPr lang="en-US" altLang="zh-CN" sz="1800" dirty="0" smtClean="0"/>
-              <a:t>5</a:t>
-            </a:r>
             <a:r>
               <a:rPr lang="zh-CN" altLang="en-US" sz="1800" dirty="0" smtClean="0"/>
-              <a:t>、复杂结构</a:t>
+              <a:t>所以，只有：</a:t>
             </a:r>
             <a:r>
               <a:rPr lang="zh-CN" altLang="en-US" sz="1800" dirty="0"/>
-              <a:t>、</a:t>
-            </a:r>
-            <a:endParaRPr lang="en-US" altLang="zh-CN" sz="1800" dirty="0"/>
-          </a:p>
-          <a:p>
-            <a:pPr lvl="1"/>
-            <a:r>
-              <a:rPr lang="zh-CN" altLang="en-US" sz="1600" dirty="0"/>
-              <a:t>按书写顺序分别取各组件的首尾码，如果不足四码，则最后一码取末笔划的识别码</a:t>
-            </a:r>
-            <a:r>
-              <a:rPr lang="zh-CN" altLang="en-US" sz="1600" dirty="0" smtClean="0"/>
-              <a:t>。</a:t>
-            </a:r>
-            <a:endParaRPr lang="en-US" altLang="zh-CN" sz="1600" dirty="0" smtClean="0"/>
-          </a:p>
-          <a:p>
-            <a:r>
-              <a:rPr lang="en-US" altLang="zh-CN" sz="1800" dirty="0" smtClean="0"/>
-              <a:t>6</a:t>
+              <a:t>九</a:t>
             </a:r>
             <a:r>
               <a:rPr lang="zh-CN" altLang="en-US" sz="1800" dirty="0" smtClean="0"/>
-              <a:t>、词语取码</a:t>
+              <a:t>及先</a:t>
+            </a:r>
+            <a:r>
+              <a:rPr lang="zh-CN" altLang="en-US" sz="1800" dirty="0"/>
+              <a:t>写</a:t>
+            </a:r>
+            <a:r>
+              <a:rPr lang="zh-CN" altLang="en-US" sz="1800" dirty="0" smtClean="0"/>
+              <a:t>撇，力万后写撇。</a:t>
             </a:r>
             <a:endParaRPr lang="en-US" altLang="zh-CN" sz="1800" dirty="0" smtClean="0"/>
-          </a:p>
-          <a:p>
-            <a:pPr lvl="1"/>
-            <a:r>
-              <a:rPr lang="zh-CN" altLang="en-US" sz="1600" dirty="0" smtClean="0"/>
-              <a:t>双字词，每个字分别取两码。</a:t>
-            </a:r>
-            <a:endParaRPr lang="en-US" altLang="zh-CN" sz="1600" dirty="0" smtClean="0"/>
-          </a:p>
-          <a:p>
-            <a:pPr lvl="1"/>
-            <a:r>
-              <a:rPr lang="zh-CN" altLang="en-US" sz="1600" dirty="0" smtClean="0"/>
-              <a:t>三字词，前二字分别取一码，最后一字取两码</a:t>
-            </a:r>
-            <a:endParaRPr lang="en-US" altLang="zh-CN" sz="1600" dirty="0" smtClean="0"/>
-          </a:p>
-          <a:p>
-            <a:pPr lvl="1"/>
-            <a:r>
-              <a:rPr lang="zh-CN" altLang="en-US" sz="1600" dirty="0" smtClean="0"/>
-              <a:t>四字词，各取一码。</a:t>
-            </a:r>
-            <a:endParaRPr lang="en-US" altLang="zh-CN" sz="1600" dirty="0" smtClean="0"/>
-          </a:p>
-          <a:p>
-            <a:pPr lvl="1"/>
-            <a:r>
-              <a:rPr lang="zh-CN" altLang="en-US" sz="1600" dirty="0" smtClean="0"/>
-              <a:t>多字词，分别取前三字与最后一字的第一码。</a:t>
-            </a:r>
-            <a:r>
-              <a:rPr lang="zh-CN" altLang="en-US" sz="1800" dirty="0" smtClean="0"/>
-              <a:t>。</a:t>
-            </a:r>
-            <a:endParaRPr lang="en-US" altLang="zh-CN" sz="1800" dirty="0"/>
           </a:p>
           <a:p>
             <a:endParaRPr lang="zh-CN" altLang="en-US" dirty="0"/>
@@ -8939,20 +9006,13 @@
     </p:spTree>
     <p:extLst>
       <p:ext uri="{BB962C8B-B14F-4D97-AF65-F5344CB8AC3E}">
-        <p14:creationId xmlns:p14="http://schemas.microsoft.com/office/powerpoint/2010/main" val="1147749364"/>
+        <p14:creationId xmlns:p14="http://schemas.microsoft.com/office/powerpoint/2010/main" val="921481782"/>
       </p:ext>
     </p:extLst>
   </p:cSld>
   <p:clrMapOvr>
     <a:masterClrMapping/>
   </p:clrMapOvr>
-  <p:timing>
-    <p:tnLst>
-      <p:par>
-        <p:cTn id="1" dur="indefinite" restart="never" nodeType="tmRoot"/>
-      </p:par>
-    </p:tnLst>
-  </p:timing>
 </p:sld>
 </file>
 
@@ -9002,6 +9062,1102 @@
             </a:r>
             <a:r>
               <a:rPr lang="zh-CN" altLang="en-US" dirty="0" smtClean="0"/>
+              <a:t>入门（</a:t>
+            </a:r>
+            <a:r>
+              <a:rPr lang="en-US" altLang="zh-CN" dirty="0" smtClean="0"/>
+              <a:t>10</a:t>
+            </a:r>
+            <a:r>
+              <a:rPr lang="zh-CN" altLang="en-US" dirty="0" smtClean="0"/>
+              <a:t>）</a:t>
+            </a:r>
+            <a:endParaRPr lang="zh-CN" altLang="en-US" dirty="0"/>
+          </a:p>
+        </p:txBody>
+      </p:sp>
+      <p:sp>
+        <p:nvSpPr>
+          <p:cNvPr id="3" name="内容占位符 2"/>
+          <p:cNvSpPr>
+            <a:spLocks noGrp="1"/>
+          </p:cNvSpPr>
+          <p:nvPr>
+            <p:ph idx="1"/>
+          </p:nvPr>
+        </p:nvSpPr>
+        <p:spPr/>
+        <p:txBody>
+          <a:bodyPr/>
+          <a:lstStyle/>
+          <a:p>
+            <a:r>
+              <a:rPr lang="zh-CN" altLang="en-US" sz="1800" dirty="0" smtClean="0"/>
+              <a:t>五、编码分类（四类编码）</a:t>
+            </a:r>
+            <a:endParaRPr lang="en-US" altLang="zh-CN" sz="1800" dirty="0" smtClean="0"/>
+          </a:p>
+          <a:p>
+            <a:r>
+              <a:rPr lang="zh-CN" altLang="en-US" sz="1800" dirty="0" smtClean="0"/>
+              <a:t>易形码输入法编码分为：笔画码，组合码，组件码和识别码四种。</a:t>
+            </a:r>
+            <a:endParaRPr lang="en-US" altLang="zh-CN" sz="1800" dirty="0" smtClean="0"/>
+          </a:p>
+          <a:p>
+            <a:r>
+              <a:rPr lang="zh-CN" altLang="en-US" sz="1800" dirty="0"/>
+              <a:t>笔画</a:t>
+            </a:r>
+            <a:r>
+              <a:rPr lang="zh-CN" altLang="en-US" sz="1800" dirty="0" smtClean="0"/>
+              <a:t>码，即横竖撇捺折的单笔画编码。</a:t>
+            </a:r>
+            <a:endParaRPr lang="en-US" altLang="zh-CN" sz="1800" dirty="0" smtClean="0"/>
+          </a:p>
+          <a:p>
+            <a:pPr lvl="1"/>
+            <a:r>
+              <a:rPr lang="zh-CN" altLang="en-US" sz="1600" dirty="0" smtClean="0"/>
+              <a:t>单笔码分别是：</a:t>
+            </a:r>
+            <a:r>
+              <a:rPr lang="en-US" altLang="zh-CN" sz="1600" dirty="0" smtClean="0"/>
+              <a:t>G</a:t>
+            </a:r>
+            <a:r>
+              <a:rPr lang="zh-CN" altLang="en-US" sz="1600" dirty="0" smtClean="0"/>
+              <a:t>一，</a:t>
+            </a:r>
+            <a:r>
+              <a:rPr lang="en-US" altLang="zh-CN" sz="1600" dirty="0" smtClean="0"/>
+              <a:t>H</a:t>
+            </a:r>
+            <a:r>
+              <a:rPr lang="zh-CN" altLang="en-US" sz="1600" dirty="0" smtClean="0"/>
+              <a:t>丨，</a:t>
+            </a:r>
+            <a:r>
+              <a:rPr lang="en-US" altLang="zh-CN" sz="1600" dirty="0" smtClean="0"/>
+              <a:t>T</a:t>
+            </a:r>
+            <a:r>
+              <a:rPr lang="zh-CN" altLang="en-US" sz="1600" dirty="0" smtClean="0"/>
+              <a:t>丿，</a:t>
+            </a:r>
+            <a:r>
+              <a:rPr lang="en-US" altLang="zh-CN" sz="1600" dirty="0" smtClean="0"/>
+              <a:t>Y</a:t>
+            </a:r>
+            <a:r>
+              <a:rPr lang="zh-CN" altLang="en-US" sz="1600" dirty="0" smtClean="0"/>
+              <a:t>丶，</a:t>
+            </a:r>
+            <a:r>
+              <a:rPr lang="en-US" altLang="zh-CN" sz="1600" dirty="0" smtClean="0"/>
+              <a:t>N</a:t>
+            </a:r>
+            <a:r>
+              <a:rPr lang="zh-CN" altLang="en-US" sz="1600" dirty="0" smtClean="0"/>
+              <a:t>乙</a:t>
+            </a:r>
+            <a:endParaRPr lang="en-US" altLang="zh-CN" sz="1600" dirty="0" smtClean="0"/>
+          </a:p>
+          <a:p>
+            <a:r>
+              <a:rPr lang="zh-CN" altLang="en-US" sz="1800" dirty="0" smtClean="0"/>
+              <a:t>组合码，即</a:t>
+            </a:r>
+            <a:r>
+              <a:rPr lang="zh-CN" altLang="en-US" sz="1800" dirty="0"/>
+              <a:t>横竖撇捺</a:t>
+            </a:r>
+            <a:r>
+              <a:rPr lang="zh-CN" altLang="en-US" sz="1800" dirty="0" smtClean="0"/>
+              <a:t>折两种笔画组合的编码。</a:t>
+            </a:r>
+            <a:endParaRPr lang="en-US" altLang="zh-CN" sz="1800" dirty="0" smtClean="0"/>
+          </a:p>
+          <a:p>
+            <a:pPr lvl="1"/>
+            <a:r>
+              <a:rPr lang="zh-CN" altLang="en-US" sz="1600" dirty="0" smtClean="0"/>
+              <a:t>只有两笔的为组合码。</a:t>
+            </a:r>
+            <a:endParaRPr lang="en-US" altLang="zh-CN" sz="1600" dirty="0" smtClean="0"/>
+          </a:p>
+          <a:p>
+            <a:r>
+              <a:rPr lang="zh-CN" altLang="en-US" sz="1800" dirty="0" smtClean="0"/>
+              <a:t>组件码，则是取组件的首笔与末笔组件的编码。</a:t>
+            </a:r>
+            <a:endParaRPr lang="en-US" altLang="zh-CN" sz="1800" dirty="0" smtClean="0"/>
+          </a:p>
+          <a:p>
+            <a:pPr lvl="1"/>
+            <a:r>
+              <a:rPr lang="zh-CN" altLang="en-US" sz="1600" dirty="0" smtClean="0"/>
+              <a:t>重要：易形码输入法不将汉字与对应偏旁合并，所以，完全按首尾笔画定码，所以，人是</a:t>
+            </a:r>
+            <a:r>
+              <a:rPr lang="en-US" altLang="zh-CN" sz="1600" dirty="0" smtClean="0"/>
+              <a:t>W</a:t>
+            </a:r>
+            <a:r>
+              <a:rPr lang="zh-CN" altLang="en-US" sz="1600" dirty="0" smtClean="0"/>
+              <a:t>，亻是</a:t>
+            </a:r>
+            <a:r>
+              <a:rPr lang="en-US" altLang="zh-CN" sz="1600" dirty="0" smtClean="0"/>
+              <a:t>R</a:t>
+            </a:r>
+          </a:p>
+          <a:p>
+            <a:r>
+              <a:rPr lang="zh-CN" altLang="en-US" sz="1800" dirty="0" smtClean="0"/>
+              <a:t>识别码，是为了减少重码，而使用汉字的末笔与汉字的结构组合的编码。</a:t>
+            </a:r>
+            <a:endParaRPr lang="en-US" altLang="zh-CN" sz="1800" dirty="0" smtClean="0"/>
+          </a:p>
+          <a:p>
+            <a:endParaRPr lang="en-US" altLang="zh-CN" dirty="0" smtClean="0"/>
+          </a:p>
+          <a:p>
+            <a:endParaRPr lang="zh-CN" altLang="en-US" dirty="0"/>
+          </a:p>
+        </p:txBody>
+      </p:sp>
+    </p:spTree>
+    <p:extLst>
+      <p:ext uri="{BB962C8B-B14F-4D97-AF65-F5344CB8AC3E}">
+        <p14:creationId xmlns:p14="http://schemas.microsoft.com/office/powerpoint/2010/main" val="258718804"/>
+      </p:ext>
+    </p:extLst>
+  </p:cSld>
+  <p:clrMapOvr>
+    <a:masterClrMapping/>
+  </p:clrMapOvr>
+  <p:timing>
+    <p:tnLst>
+      <p:par>
+        <p:cTn id="1" dur="indefinite" restart="never" nodeType="tmRoot"/>
+      </p:par>
+    </p:tnLst>
+  </p:timing>
+</p:sld>
+</file>
+
+<file path=ppt/slides/slide25.xml><?xml version="1.0" encoding="utf-8"?>
+<p:sld xmlns:a="http://schemas.openxmlformats.org/drawingml/2006/main" xmlns:r="http://schemas.openxmlformats.org/officeDocument/2006/relationships" xmlns:p="http://schemas.openxmlformats.org/presentationml/2006/main">
+  <p:cSld>
+    <p:spTree>
+      <p:nvGrpSpPr>
+        <p:cNvPr id="1" name=""/>
+        <p:cNvGrpSpPr/>
+        <p:nvPr/>
+      </p:nvGrpSpPr>
+      <p:grpSpPr>
+        <a:xfrm>
+          <a:off x="0" y="0"/>
+          <a:ext cx="0" cy="0"/>
+          <a:chOff x="0" y="0"/>
+          <a:chExt cx="0" cy="0"/>
+        </a:xfrm>
+      </p:grpSpPr>
+      <p:sp>
+        <p:nvSpPr>
+          <p:cNvPr id="2" name="标题 1"/>
+          <p:cNvSpPr>
+            <a:spLocks noGrp="1"/>
+          </p:cNvSpPr>
+          <p:nvPr>
+            <p:ph type="title"/>
+          </p:nvPr>
+        </p:nvSpPr>
+        <p:spPr/>
+        <p:txBody>
+          <a:bodyPr/>
+          <a:lstStyle/>
+          <a:p>
+            <a:r>
+              <a:rPr lang="zh-CN" altLang="en-US" dirty="0" smtClean="0"/>
+              <a:t>易形码</a:t>
+            </a:r>
+            <a:r>
+              <a:rPr lang="zh-CN" altLang="en-US" dirty="0"/>
+              <a:t>快速</a:t>
+            </a:r>
+            <a:r>
+              <a:rPr lang="zh-CN" altLang="en-US" dirty="0" smtClean="0"/>
+              <a:t>入门（</a:t>
+            </a:r>
+            <a:r>
+              <a:rPr lang="en-US" altLang="zh-CN" dirty="0" smtClean="0"/>
+              <a:t>11</a:t>
+            </a:r>
+            <a:r>
+              <a:rPr lang="zh-CN" altLang="en-US" dirty="0" smtClean="0"/>
+              <a:t>）</a:t>
+            </a:r>
+            <a:endParaRPr lang="zh-CN" altLang="en-US" dirty="0"/>
+          </a:p>
+        </p:txBody>
+      </p:sp>
+      <p:sp>
+        <p:nvSpPr>
+          <p:cNvPr id="3" name="内容占位符 2"/>
+          <p:cNvSpPr>
+            <a:spLocks noGrp="1"/>
+          </p:cNvSpPr>
+          <p:nvPr>
+            <p:ph idx="1"/>
+          </p:nvPr>
+        </p:nvSpPr>
+        <p:spPr/>
+        <p:txBody>
+          <a:bodyPr/>
+          <a:lstStyle/>
+          <a:p>
+            <a:r>
+              <a:rPr lang="zh-CN" altLang="en-US" sz="1800" dirty="0" smtClean="0"/>
+              <a:t>六、拆字原则（五个原则）</a:t>
+            </a:r>
+            <a:endParaRPr lang="en-US" altLang="zh-CN" sz="1800" dirty="0" smtClean="0"/>
+          </a:p>
+          <a:p>
+            <a:r>
+              <a:rPr lang="en-US" altLang="zh-CN" sz="1800" dirty="0" smtClean="0"/>
+              <a:t>1</a:t>
+            </a:r>
+            <a:r>
+              <a:rPr lang="zh-CN" altLang="en-US" sz="1800" dirty="0" smtClean="0"/>
+              <a:t>、多个组件，只拆分</a:t>
+            </a:r>
+            <a:r>
+              <a:rPr lang="zh-CN" altLang="en-US" sz="1800" smtClean="0"/>
+              <a:t>连。不</a:t>
+            </a:r>
+            <a:r>
+              <a:rPr lang="zh-CN" altLang="en-US" sz="1800" dirty="0" smtClean="0"/>
+              <a:t>拆相交</a:t>
+            </a:r>
+            <a:endParaRPr lang="en-US" altLang="zh-CN" sz="1800" dirty="0" smtClean="0"/>
+          </a:p>
+          <a:p>
+            <a:r>
+              <a:rPr lang="zh-CN" altLang="en-US" sz="1800" dirty="0" smtClean="0"/>
+              <a:t>易形码输入法拆字方式基于汉字的自然结构。对于多组件字，只拆可分的，或相连的，相交的一律不拆。</a:t>
+            </a:r>
+            <a:endParaRPr lang="en-US" altLang="zh-CN" sz="1800" dirty="0" smtClean="0"/>
+          </a:p>
+          <a:p>
+            <a:r>
+              <a:rPr lang="zh-CN" altLang="en-US" sz="1800" dirty="0" smtClean="0"/>
+              <a:t>比如，车，不可拆为 七 与 十，但是，分，可以拆为：八与刀</a:t>
+            </a:r>
+            <a:endParaRPr lang="en-US" altLang="zh-CN" sz="1800" dirty="0" smtClean="0"/>
+          </a:p>
+          <a:p>
+            <a:r>
+              <a:rPr lang="en-US" altLang="zh-CN" sz="1800" dirty="0" smtClean="0"/>
+              <a:t>2</a:t>
+            </a:r>
+            <a:r>
+              <a:rPr lang="zh-CN" altLang="en-US" sz="1800" dirty="0" smtClean="0"/>
+              <a:t>、</a:t>
+            </a:r>
+            <a:r>
+              <a:rPr lang="zh-CN" altLang="en-US" sz="1800" dirty="0"/>
+              <a:t>拆分层次，有字优先，能分不</a:t>
+            </a:r>
+            <a:r>
+              <a:rPr lang="zh-CN" altLang="en-US" sz="1800" dirty="0" smtClean="0"/>
+              <a:t>连</a:t>
+            </a:r>
+            <a:endParaRPr lang="en-US" altLang="zh-CN" sz="1800" dirty="0" smtClean="0"/>
+          </a:p>
+          <a:p>
+            <a:r>
+              <a:rPr lang="zh-CN" altLang="en-US" sz="1800" dirty="0" smtClean="0"/>
+              <a:t>对于相连的，既然要拆分，那就要拆出字来，没有字，就不能拆。但可分的不在此列。</a:t>
+            </a:r>
+            <a:endParaRPr lang="en-US" altLang="zh-CN" sz="1800" dirty="0"/>
+          </a:p>
+          <a:p>
+            <a:r>
+              <a:rPr lang="zh-CN" altLang="en-US" sz="1800" dirty="0" smtClean="0"/>
+              <a:t>比如：失，可以拆为丿和夫，但出或击，因为无字，则不可拆，只能当独体字。</a:t>
+            </a:r>
+            <a:endParaRPr lang="en-US" altLang="zh-CN" sz="1800" dirty="0" smtClean="0"/>
+          </a:p>
+          <a:p>
+            <a:endParaRPr lang="en-US" altLang="zh-CN" sz="1800" dirty="0" smtClean="0"/>
+          </a:p>
+          <a:p>
+            <a:endParaRPr lang="en-US" altLang="zh-CN" sz="1800" dirty="0"/>
+          </a:p>
+          <a:p>
+            <a:endParaRPr lang="en-US" altLang="zh-CN" sz="1600" dirty="0" smtClean="0"/>
+          </a:p>
+          <a:p>
+            <a:endParaRPr lang="zh-CN" altLang="en-US" sz="1600" dirty="0"/>
+          </a:p>
+        </p:txBody>
+      </p:sp>
+    </p:spTree>
+    <p:extLst>
+      <p:ext uri="{BB962C8B-B14F-4D97-AF65-F5344CB8AC3E}">
+        <p14:creationId xmlns:p14="http://schemas.microsoft.com/office/powerpoint/2010/main" val="3652426903"/>
+      </p:ext>
+    </p:extLst>
+  </p:cSld>
+  <p:clrMapOvr>
+    <a:masterClrMapping/>
+  </p:clrMapOvr>
+  <p:timing>
+    <p:tnLst>
+      <p:par>
+        <p:cTn id="1" dur="indefinite" restart="never" nodeType="tmRoot"/>
+      </p:par>
+    </p:tnLst>
+  </p:timing>
+</p:sld>
+</file>
+
+<file path=ppt/slides/slide26.xml><?xml version="1.0" encoding="utf-8"?>
+<p:sld xmlns:a="http://schemas.openxmlformats.org/drawingml/2006/main" xmlns:r="http://schemas.openxmlformats.org/officeDocument/2006/relationships" xmlns:p="http://schemas.openxmlformats.org/presentationml/2006/main">
+  <p:cSld>
+    <p:spTree>
+      <p:nvGrpSpPr>
+        <p:cNvPr id="1" name=""/>
+        <p:cNvGrpSpPr/>
+        <p:nvPr/>
+      </p:nvGrpSpPr>
+      <p:grpSpPr>
+        <a:xfrm>
+          <a:off x="0" y="0"/>
+          <a:ext cx="0" cy="0"/>
+          <a:chOff x="0" y="0"/>
+          <a:chExt cx="0" cy="0"/>
+        </a:xfrm>
+      </p:grpSpPr>
+      <p:sp>
+        <p:nvSpPr>
+          <p:cNvPr id="2" name="标题 1"/>
+          <p:cNvSpPr>
+            <a:spLocks noGrp="1"/>
+          </p:cNvSpPr>
+          <p:nvPr>
+            <p:ph type="title"/>
+          </p:nvPr>
+        </p:nvSpPr>
+        <p:spPr/>
+        <p:txBody>
+          <a:bodyPr/>
+          <a:lstStyle/>
+          <a:p>
+            <a:r>
+              <a:rPr lang="zh-CN" altLang="en-US" dirty="0"/>
+              <a:t>易形码快速入门（</a:t>
+            </a:r>
+            <a:r>
+              <a:rPr lang="en-US" altLang="zh-CN" dirty="0" smtClean="0"/>
+              <a:t>12</a:t>
+            </a:r>
+            <a:r>
+              <a:rPr lang="zh-CN" altLang="en-US" dirty="0" smtClean="0"/>
+              <a:t>）</a:t>
+            </a:r>
+            <a:endParaRPr lang="zh-CN" altLang="en-US" dirty="0"/>
+          </a:p>
+        </p:txBody>
+      </p:sp>
+      <p:sp>
+        <p:nvSpPr>
+          <p:cNvPr id="3" name="内容占位符 2"/>
+          <p:cNvSpPr>
+            <a:spLocks noGrp="1"/>
+          </p:cNvSpPr>
+          <p:nvPr>
+            <p:ph idx="1"/>
+          </p:nvPr>
+        </p:nvSpPr>
+        <p:spPr/>
+        <p:txBody>
+          <a:bodyPr/>
+          <a:lstStyle/>
+          <a:p>
+            <a:r>
+              <a:rPr lang="en-US" altLang="zh-CN" sz="1800" dirty="0"/>
+              <a:t>2</a:t>
+            </a:r>
+            <a:r>
+              <a:rPr lang="zh-CN" altLang="en-US" sz="1800" dirty="0"/>
+              <a:t>、斜直可拆，点线可拆，直连不拆，</a:t>
+            </a:r>
+            <a:endParaRPr lang="en-US" altLang="zh-CN" sz="1800" dirty="0"/>
+          </a:p>
+          <a:p>
+            <a:r>
+              <a:rPr lang="zh-CN" altLang="en-US" sz="1800" dirty="0"/>
+              <a:t>比如，矢，可以拆为丿和天，也可以拆为𠂉与大。则取大优先。</a:t>
+            </a:r>
+            <a:endParaRPr lang="en-US" altLang="zh-CN" sz="1800" dirty="0"/>
+          </a:p>
+          <a:p>
+            <a:r>
+              <a:rPr lang="zh-CN" altLang="en-US" sz="1800" dirty="0"/>
+              <a:t>比如，父，可以拆为八与㐅，因为，上方两点与下方的㐅都是点线关系</a:t>
+            </a:r>
+            <a:r>
+              <a:rPr lang="zh-CN" altLang="en-US" sz="1800" dirty="0" smtClean="0"/>
+              <a:t>。</a:t>
+            </a:r>
+            <a:endParaRPr lang="en-US" altLang="zh-CN" sz="1800" dirty="0" smtClean="0"/>
+          </a:p>
+          <a:p>
+            <a:r>
+              <a:rPr lang="zh-CN" altLang="en-US" sz="1800" dirty="0" smtClean="0"/>
+              <a:t>比如：干：只有一个直连，不可拆。同样，午</a:t>
+            </a:r>
+            <a:r>
+              <a:rPr lang="zh-CN" altLang="en-US" sz="1800" dirty="0"/>
+              <a:t>，只能拆为 丿与十，因为，直连不拆</a:t>
+            </a:r>
+            <a:r>
+              <a:rPr lang="zh-CN" altLang="en-US" sz="1800" dirty="0" smtClean="0"/>
+              <a:t>。</a:t>
+            </a:r>
+            <a:endParaRPr lang="en-US" altLang="zh-CN" sz="1800" dirty="0"/>
+          </a:p>
+          <a:p>
+            <a:r>
+              <a:rPr lang="en-US" altLang="zh-CN" sz="1800" dirty="0"/>
+              <a:t>3</a:t>
+            </a:r>
+            <a:r>
+              <a:rPr lang="zh-CN" altLang="en-US" sz="1800" dirty="0"/>
+              <a:t>、连交算交，合点不拆，相分可折。</a:t>
+            </a:r>
+            <a:endParaRPr lang="en-US" altLang="zh-CN" sz="1800" dirty="0"/>
+          </a:p>
+          <a:p>
+            <a:pPr lvl="1"/>
+            <a:r>
+              <a:rPr lang="zh-CN" altLang="en-US" sz="1400" dirty="0"/>
+              <a:t>比如：木：不能拆为十与八，因为后两笔，与交点合点</a:t>
+            </a:r>
+            <a:r>
+              <a:rPr lang="zh-CN" altLang="en-US" sz="1400" dirty="0" smtClean="0"/>
+              <a:t>。</a:t>
+            </a:r>
+            <a:endParaRPr lang="en-US" altLang="zh-CN" sz="1400" dirty="0" smtClean="0"/>
+          </a:p>
+          <a:p>
+            <a:pPr lvl="1"/>
+            <a:r>
+              <a:rPr lang="zh-CN" altLang="en-US" sz="1400" dirty="0"/>
+              <a:t>又如：区，只能拆为匚</a:t>
+            </a:r>
+            <a:r>
+              <a:rPr lang="zh-CN" altLang="en-US" sz="1400" dirty="0" smtClean="0"/>
+              <a:t>与</a:t>
+            </a:r>
+            <a:r>
+              <a:rPr lang="zh-CN" altLang="en-US" sz="1400" dirty="0"/>
+              <a:t>㐅</a:t>
+            </a:r>
+            <a:r>
+              <a:rPr lang="zh-CN" altLang="en-US" sz="1400" dirty="0" smtClean="0"/>
+              <a:t>不能</a:t>
+            </a:r>
+            <a:r>
+              <a:rPr lang="zh-CN" altLang="en-US" sz="1400" dirty="0"/>
+              <a:t>拆为 </a:t>
+            </a:r>
+            <a:r>
+              <a:rPr lang="zh-CN" altLang="en-US" sz="1400" dirty="0" smtClean="0"/>
+              <a:t>一、㐅和𠃊 因为，一𠃊合点。</a:t>
+            </a:r>
+            <a:endParaRPr lang="en-US" altLang="zh-CN" sz="1400" dirty="0"/>
+          </a:p>
+          <a:p>
+            <a:r>
+              <a:rPr lang="en-US" altLang="zh-CN" sz="1800" dirty="0"/>
+              <a:t>2</a:t>
+            </a:r>
+            <a:r>
+              <a:rPr lang="zh-CN" altLang="en-US" sz="1800" dirty="0"/>
+              <a:t>、独体结构，先打主码，再拆笔画。</a:t>
+            </a:r>
+            <a:endParaRPr lang="en-US" altLang="zh-CN" sz="1800" dirty="0"/>
+          </a:p>
+          <a:p>
+            <a:r>
+              <a:rPr lang="zh-CN" altLang="en-US" sz="1800" dirty="0"/>
+              <a:t>对于单一组件的字</a:t>
+            </a:r>
+            <a:r>
+              <a:rPr lang="zh-CN" altLang="en-US" sz="1800" dirty="0" smtClean="0"/>
+              <a:t>，</a:t>
+            </a:r>
+            <a:r>
+              <a:rPr lang="zh-CN" altLang="en-US" sz="1800" dirty="0"/>
+              <a:t>上述拆连规则不可拆时</a:t>
+            </a:r>
+            <a:r>
+              <a:rPr lang="zh-CN" altLang="en-US" sz="1800" dirty="0" smtClean="0"/>
+              <a:t>，也就是</a:t>
+            </a:r>
+            <a:r>
+              <a:rPr lang="zh-CN" altLang="en-US" sz="1800" dirty="0"/>
+              <a:t>独体字，先打该字的主码。然后再拆打笔画码</a:t>
+            </a:r>
+            <a:r>
+              <a:rPr lang="zh-CN" altLang="en-US" sz="1800" dirty="0" smtClean="0"/>
+              <a:t>。</a:t>
+            </a:r>
+            <a:endParaRPr lang="zh-CN" altLang="en-US" dirty="0"/>
+          </a:p>
+        </p:txBody>
+      </p:sp>
+    </p:spTree>
+    <p:extLst>
+      <p:ext uri="{BB962C8B-B14F-4D97-AF65-F5344CB8AC3E}">
+        <p14:creationId xmlns:p14="http://schemas.microsoft.com/office/powerpoint/2010/main" val="1174443967"/>
+      </p:ext>
+    </p:extLst>
+  </p:cSld>
+  <p:clrMapOvr>
+    <a:masterClrMapping/>
+  </p:clrMapOvr>
+</p:sld>
+</file>
+
+<file path=ppt/slides/slide27.xml><?xml version="1.0" encoding="utf-8"?>
+<p:sld xmlns:a="http://schemas.openxmlformats.org/drawingml/2006/main" xmlns:r="http://schemas.openxmlformats.org/officeDocument/2006/relationships" xmlns:p="http://schemas.openxmlformats.org/presentationml/2006/main">
+  <p:cSld>
+    <p:spTree>
+      <p:nvGrpSpPr>
+        <p:cNvPr id="1" name=""/>
+        <p:cNvGrpSpPr/>
+        <p:nvPr/>
+      </p:nvGrpSpPr>
+      <p:grpSpPr>
+        <a:xfrm>
+          <a:off x="0" y="0"/>
+          <a:ext cx="0" cy="0"/>
+          <a:chOff x="0" y="0"/>
+          <a:chExt cx="0" cy="0"/>
+        </a:xfrm>
+      </p:grpSpPr>
+      <p:sp>
+        <p:nvSpPr>
+          <p:cNvPr id="2" name="标题 1"/>
+          <p:cNvSpPr>
+            <a:spLocks noGrp="1"/>
+          </p:cNvSpPr>
+          <p:nvPr>
+            <p:ph type="title"/>
+          </p:nvPr>
+        </p:nvSpPr>
+        <p:spPr/>
+        <p:txBody>
+          <a:bodyPr/>
+          <a:lstStyle/>
+          <a:p>
+            <a:r>
+              <a:rPr lang="zh-CN" altLang="en-US" dirty="0"/>
+              <a:t>易</a:t>
+            </a:r>
+            <a:r>
+              <a:rPr lang="zh-CN" altLang="en-US" dirty="0" smtClean="0"/>
+              <a:t>形码</a:t>
+            </a:r>
+            <a:r>
+              <a:rPr lang="zh-CN" altLang="en-US" dirty="0"/>
+              <a:t>快速</a:t>
+            </a:r>
+            <a:r>
+              <a:rPr lang="zh-CN" altLang="en-US" dirty="0" smtClean="0"/>
+              <a:t>入门（</a:t>
+            </a:r>
+            <a:r>
+              <a:rPr lang="en-US" altLang="zh-CN" dirty="0" smtClean="0"/>
+              <a:t>13</a:t>
+            </a:r>
+            <a:r>
+              <a:rPr lang="zh-CN" altLang="en-US" dirty="0" smtClean="0"/>
+              <a:t>）</a:t>
+            </a:r>
+            <a:endParaRPr lang="zh-CN" altLang="en-US" dirty="0"/>
+          </a:p>
+        </p:txBody>
+      </p:sp>
+      <p:sp>
+        <p:nvSpPr>
+          <p:cNvPr id="3" name="内容占位符 2"/>
+          <p:cNvSpPr>
+            <a:spLocks noGrp="1"/>
+          </p:cNvSpPr>
+          <p:nvPr>
+            <p:ph idx="1"/>
+          </p:nvPr>
+        </p:nvSpPr>
+        <p:spPr/>
+        <p:txBody>
+          <a:bodyPr/>
+          <a:lstStyle/>
+          <a:p>
+            <a:r>
+              <a:rPr lang="zh-CN" altLang="en-US" sz="1600" dirty="0" smtClean="0"/>
+              <a:t>七、取码原则</a:t>
+            </a:r>
+            <a:endParaRPr lang="en-US" altLang="zh-CN" sz="1600" dirty="0" smtClean="0"/>
+          </a:p>
+          <a:p>
+            <a:r>
+              <a:rPr lang="zh-CN" altLang="en-US" sz="1600" dirty="0" smtClean="0"/>
+              <a:t>易形码输入法，每一个汉字或每一个词的最多码长为</a:t>
+            </a:r>
+            <a:r>
+              <a:rPr lang="en-US" altLang="zh-CN" sz="1600" dirty="0" smtClean="0"/>
+              <a:t>4</a:t>
+            </a:r>
+            <a:r>
+              <a:rPr lang="zh-CN" altLang="en-US" sz="1600" dirty="0" smtClean="0"/>
+              <a:t>码。</a:t>
+            </a:r>
+            <a:endParaRPr lang="en-US" altLang="zh-CN" sz="1600" dirty="0" smtClean="0"/>
+          </a:p>
+          <a:p>
+            <a:r>
+              <a:rPr lang="zh-CN" altLang="en-US" sz="1600" dirty="0"/>
+              <a:t>取</a:t>
+            </a:r>
+            <a:r>
+              <a:rPr lang="zh-CN" altLang="en-US" sz="1600" dirty="0" smtClean="0"/>
+              <a:t>码是指，根据编码规则按顺序读出汉字或词语中的编码，完成录入的过程。</a:t>
+            </a:r>
+            <a:r>
+              <a:rPr lang="zh-CN" altLang="en-US" sz="1600" dirty="0"/>
+              <a:t>易形码</a:t>
+            </a:r>
+            <a:r>
+              <a:rPr lang="zh-CN" altLang="en-US" sz="1600" dirty="0" smtClean="0"/>
+              <a:t>输入法取码，根据汉字结构不同，方法有所不同，分述如下：</a:t>
+            </a:r>
+            <a:endParaRPr lang="en-US" altLang="zh-CN" sz="1600" dirty="0" smtClean="0"/>
+          </a:p>
+          <a:p>
+            <a:r>
+              <a:rPr lang="en-US" altLang="zh-CN" sz="1600" dirty="0" smtClean="0"/>
+              <a:t>1</a:t>
+            </a:r>
+            <a:r>
+              <a:rPr lang="zh-CN" altLang="en-US" sz="1600" dirty="0" smtClean="0"/>
+              <a:t>、独体字</a:t>
+            </a:r>
+            <a:endParaRPr lang="en-US" altLang="zh-CN" sz="1600" dirty="0" smtClean="0"/>
+          </a:p>
+          <a:p>
+            <a:pPr lvl="1"/>
+            <a:r>
+              <a:rPr lang="zh-CN" altLang="en-US" sz="1600" dirty="0" smtClean="0"/>
+              <a:t>第一</a:t>
+            </a:r>
+            <a:r>
+              <a:rPr lang="zh-CN" altLang="en-US" sz="1600" dirty="0"/>
+              <a:t>码取独体字的首尾码，第二三四码取</a:t>
+            </a:r>
+            <a:r>
+              <a:rPr lang="zh-CN" altLang="en-US" sz="1600" dirty="0" smtClean="0"/>
+              <a:t>独体</a:t>
+            </a:r>
+            <a:r>
+              <a:rPr lang="zh-CN" altLang="en-US" sz="1600" dirty="0"/>
+              <a:t>字的第二三四笔。如果不足四码，则最后一码取末笔划的识别码</a:t>
+            </a:r>
+            <a:r>
+              <a:rPr lang="zh-CN" altLang="en-US" sz="1600" dirty="0" smtClean="0"/>
+              <a:t>。</a:t>
+            </a:r>
+            <a:endParaRPr lang="en-US" altLang="zh-CN" sz="1600" dirty="0" smtClean="0"/>
+          </a:p>
+          <a:p>
+            <a:r>
+              <a:rPr lang="en-US" altLang="zh-CN" sz="1600" dirty="0" smtClean="0"/>
+              <a:t>2</a:t>
+            </a:r>
+            <a:r>
+              <a:rPr lang="zh-CN" altLang="en-US" sz="1600" dirty="0" smtClean="0"/>
+              <a:t>、左右结构</a:t>
+            </a:r>
+            <a:endParaRPr lang="en-US" altLang="zh-CN" sz="1600" dirty="0" smtClean="0"/>
+          </a:p>
+          <a:p>
+            <a:pPr lvl="1"/>
+            <a:r>
+              <a:rPr lang="zh-CN" altLang="en-US" sz="1600" dirty="0" smtClean="0"/>
+              <a:t>左</a:t>
+            </a:r>
+            <a:r>
+              <a:rPr lang="zh-CN" altLang="en-US" sz="1600" dirty="0"/>
+              <a:t>合右分，左大右小，即左边第一部分以整体优先，右边尽量拆分。</a:t>
+            </a:r>
+          </a:p>
+          <a:p>
+            <a:pPr lvl="2"/>
+            <a:r>
+              <a:rPr lang="zh-CN" altLang="en-US" sz="1600" dirty="0" smtClean="0"/>
+              <a:t>比如</a:t>
+            </a:r>
+            <a:r>
+              <a:rPr lang="zh-CN" altLang="en-US" sz="1600" dirty="0"/>
+              <a:t>：鲫，左边第一部分是鱼，取</a:t>
+            </a:r>
+            <a:r>
+              <a:rPr lang="en-US" altLang="zh-CN" sz="1600" dirty="0"/>
+              <a:t>T</a:t>
+            </a:r>
+            <a:r>
+              <a:rPr lang="zh-CN" altLang="en-US" sz="1600" dirty="0"/>
+              <a:t>，右边两部分分别取</a:t>
+            </a:r>
+            <a:r>
+              <a:rPr lang="en-US" altLang="zh-CN" sz="1600" dirty="0"/>
+              <a:t>CB</a:t>
+            </a:r>
+            <a:r>
+              <a:rPr lang="zh-CN" altLang="en-US" sz="1600" dirty="0"/>
+              <a:t>，全字</a:t>
+            </a:r>
+            <a:r>
+              <a:rPr lang="en-US" altLang="zh-CN" sz="1600" dirty="0"/>
+              <a:t>TCB</a:t>
+            </a:r>
+          </a:p>
+          <a:p>
+            <a:pPr lvl="2"/>
+            <a:r>
+              <a:rPr lang="zh-CN" altLang="en-US" sz="1600" dirty="0" smtClean="0"/>
+              <a:t>捺</a:t>
+            </a:r>
+            <a:r>
+              <a:rPr lang="zh-CN" altLang="en-US" sz="1600" dirty="0"/>
+              <a:t>，左边取</a:t>
+            </a:r>
+            <a:r>
+              <a:rPr lang="en-US" altLang="zh-CN" sz="1600" dirty="0"/>
+              <a:t>G</a:t>
+            </a:r>
+            <a:r>
+              <a:rPr lang="zh-CN" altLang="en-US" sz="1600" dirty="0"/>
+              <a:t>，右边，要分为三个汉字，则为</a:t>
+            </a:r>
+            <a:r>
+              <a:rPr lang="en-US" altLang="zh-CN" sz="1600" dirty="0"/>
+              <a:t>DGC</a:t>
+            </a:r>
+            <a:r>
+              <a:rPr lang="zh-CN" altLang="en-US" sz="1600" dirty="0"/>
+              <a:t>，全字</a:t>
+            </a:r>
+            <a:r>
+              <a:rPr lang="en-US" altLang="zh-CN" sz="1600" dirty="0"/>
+              <a:t>GDGC</a:t>
+            </a:r>
+          </a:p>
+          <a:p>
+            <a:endParaRPr lang="zh-CN" altLang="en-US" sz="1600" dirty="0"/>
+          </a:p>
+        </p:txBody>
+      </p:sp>
+    </p:spTree>
+    <p:extLst>
+      <p:ext uri="{BB962C8B-B14F-4D97-AF65-F5344CB8AC3E}">
+        <p14:creationId xmlns:p14="http://schemas.microsoft.com/office/powerpoint/2010/main" val="1789066140"/>
+      </p:ext>
+    </p:extLst>
+  </p:cSld>
+  <p:clrMapOvr>
+    <a:masterClrMapping/>
+  </p:clrMapOvr>
+  <p:timing>
+    <p:tnLst>
+      <p:par>
+        <p:cTn id="1" dur="indefinite" restart="never" nodeType="tmRoot"/>
+      </p:par>
+    </p:tnLst>
+  </p:timing>
+</p:sld>
+</file>
+
+<file path=ppt/slides/slide28.xml><?xml version="1.0" encoding="utf-8"?>
+<p:sld xmlns:a="http://schemas.openxmlformats.org/drawingml/2006/main" xmlns:r="http://schemas.openxmlformats.org/officeDocument/2006/relationships" xmlns:p="http://schemas.openxmlformats.org/presentationml/2006/main">
+  <p:cSld>
+    <p:spTree>
+      <p:nvGrpSpPr>
+        <p:cNvPr id="1" name=""/>
+        <p:cNvGrpSpPr/>
+        <p:nvPr/>
+      </p:nvGrpSpPr>
+      <p:grpSpPr>
+        <a:xfrm>
+          <a:off x="0" y="0"/>
+          <a:ext cx="0" cy="0"/>
+          <a:chOff x="0" y="0"/>
+          <a:chExt cx="0" cy="0"/>
+        </a:xfrm>
+      </p:grpSpPr>
+      <p:sp>
+        <p:nvSpPr>
+          <p:cNvPr id="2" name="标题 1"/>
+          <p:cNvSpPr>
+            <a:spLocks noGrp="1"/>
+          </p:cNvSpPr>
+          <p:nvPr>
+            <p:ph type="title"/>
+          </p:nvPr>
+        </p:nvSpPr>
+        <p:spPr/>
+        <p:txBody>
+          <a:bodyPr/>
+          <a:lstStyle/>
+          <a:p>
+            <a:r>
+              <a:rPr lang="zh-CN" altLang="en-US" dirty="0"/>
+              <a:t>易</a:t>
+            </a:r>
+            <a:r>
+              <a:rPr lang="zh-CN" altLang="en-US" dirty="0" smtClean="0"/>
+              <a:t>形码</a:t>
+            </a:r>
+            <a:r>
+              <a:rPr lang="zh-CN" altLang="en-US" dirty="0"/>
+              <a:t>快速</a:t>
+            </a:r>
+            <a:r>
+              <a:rPr lang="zh-CN" altLang="en-US" dirty="0" smtClean="0"/>
+              <a:t>入门（</a:t>
+            </a:r>
+            <a:r>
+              <a:rPr lang="en-US" altLang="zh-CN" dirty="0" smtClean="0"/>
+              <a:t>14</a:t>
+            </a:r>
+            <a:r>
+              <a:rPr lang="zh-CN" altLang="en-US" dirty="0" smtClean="0"/>
+              <a:t>）</a:t>
+            </a:r>
+            <a:endParaRPr lang="zh-CN" altLang="en-US" dirty="0"/>
+          </a:p>
+        </p:txBody>
+      </p:sp>
+      <p:sp>
+        <p:nvSpPr>
+          <p:cNvPr id="3" name="内容占位符 2"/>
+          <p:cNvSpPr>
+            <a:spLocks noGrp="1"/>
+          </p:cNvSpPr>
+          <p:nvPr>
+            <p:ph idx="1"/>
+          </p:nvPr>
+        </p:nvSpPr>
+        <p:spPr/>
+        <p:txBody>
+          <a:bodyPr/>
+          <a:lstStyle/>
+          <a:p>
+            <a:r>
+              <a:rPr lang="en-US" altLang="zh-CN" sz="1800" dirty="0" smtClean="0"/>
+              <a:t>3</a:t>
+            </a:r>
+            <a:r>
+              <a:rPr lang="zh-CN" altLang="en-US" sz="1800" dirty="0" smtClean="0"/>
+              <a:t>、上下结构、</a:t>
+            </a:r>
+            <a:endParaRPr lang="en-US" altLang="zh-CN" sz="1800" dirty="0" smtClean="0"/>
+          </a:p>
+          <a:p>
+            <a:pPr lvl="1"/>
+            <a:r>
+              <a:rPr lang="zh-CN" altLang="en-US" sz="1600" dirty="0"/>
+              <a:t>分别从上到下，取各组件的首尾码，如果不足四码，则最后一码取末笔划的识别码</a:t>
+            </a:r>
+            <a:r>
+              <a:rPr lang="zh-CN" altLang="en-US" sz="1600" dirty="0" smtClean="0"/>
+              <a:t>。</a:t>
+            </a:r>
+            <a:endParaRPr lang="en-US" altLang="zh-CN" sz="1600" dirty="0" smtClean="0"/>
+          </a:p>
+          <a:p>
+            <a:r>
+              <a:rPr lang="en-US" altLang="zh-CN" sz="1800" dirty="0" smtClean="0"/>
+              <a:t>4</a:t>
+            </a:r>
+            <a:r>
+              <a:rPr lang="zh-CN" altLang="en-US" sz="1800" dirty="0" smtClean="0"/>
+              <a:t>、包围结构、</a:t>
+            </a:r>
+            <a:endParaRPr lang="en-US" altLang="zh-CN" sz="1800" dirty="0" smtClean="0"/>
+          </a:p>
+          <a:p>
+            <a:pPr lvl="1"/>
+            <a:r>
+              <a:rPr lang="zh-CN" altLang="en-US" sz="1600" dirty="0" smtClean="0"/>
+              <a:t>按</a:t>
+            </a:r>
+            <a:r>
+              <a:rPr lang="zh-CN" altLang="en-US" sz="1600" dirty="0"/>
+              <a:t>书写顺序分别取各组件的首尾码，如果不足四码，则最后一码取末笔划的识别码。</a:t>
+            </a:r>
+            <a:endParaRPr lang="en-US" altLang="zh-CN" sz="1600" dirty="0" smtClean="0"/>
+          </a:p>
+          <a:p>
+            <a:r>
+              <a:rPr lang="en-US" altLang="zh-CN" sz="1800" dirty="0" smtClean="0"/>
+              <a:t>5</a:t>
+            </a:r>
+            <a:r>
+              <a:rPr lang="zh-CN" altLang="en-US" sz="1800" dirty="0" smtClean="0"/>
+              <a:t>、复杂结构</a:t>
+            </a:r>
+            <a:r>
+              <a:rPr lang="zh-CN" altLang="en-US" sz="1800" dirty="0"/>
+              <a:t>、</a:t>
+            </a:r>
+            <a:endParaRPr lang="en-US" altLang="zh-CN" sz="1800" dirty="0"/>
+          </a:p>
+          <a:p>
+            <a:pPr lvl="1"/>
+            <a:r>
+              <a:rPr lang="zh-CN" altLang="en-US" sz="1600" dirty="0"/>
+              <a:t>按书写顺序分别取各组件的首尾码，如果不足四码，则最后一码取末笔划的识别码</a:t>
+            </a:r>
+            <a:r>
+              <a:rPr lang="zh-CN" altLang="en-US" sz="1600" dirty="0" smtClean="0"/>
+              <a:t>。</a:t>
+            </a:r>
+            <a:endParaRPr lang="en-US" altLang="zh-CN" sz="1600" dirty="0" smtClean="0"/>
+          </a:p>
+          <a:p>
+            <a:r>
+              <a:rPr lang="en-US" altLang="zh-CN" sz="1800" dirty="0" smtClean="0"/>
+              <a:t>6</a:t>
+            </a:r>
+            <a:r>
+              <a:rPr lang="zh-CN" altLang="en-US" sz="1800" dirty="0" smtClean="0"/>
+              <a:t>、词语取码</a:t>
+            </a:r>
+            <a:endParaRPr lang="en-US" altLang="zh-CN" sz="1800" dirty="0" smtClean="0"/>
+          </a:p>
+          <a:p>
+            <a:pPr lvl="1"/>
+            <a:r>
+              <a:rPr lang="zh-CN" altLang="en-US" sz="1600" dirty="0" smtClean="0"/>
+              <a:t>双字词，每个字分别取两码。</a:t>
+            </a:r>
+            <a:endParaRPr lang="en-US" altLang="zh-CN" sz="1600" dirty="0" smtClean="0"/>
+          </a:p>
+          <a:p>
+            <a:pPr lvl="1"/>
+            <a:r>
+              <a:rPr lang="zh-CN" altLang="en-US" sz="1600" dirty="0" smtClean="0"/>
+              <a:t>三字词，前二字分别取一码，最后一字取两码</a:t>
+            </a:r>
+            <a:endParaRPr lang="en-US" altLang="zh-CN" sz="1600" dirty="0" smtClean="0"/>
+          </a:p>
+          <a:p>
+            <a:pPr lvl="1"/>
+            <a:r>
+              <a:rPr lang="zh-CN" altLang="en-US" sz="1600" dirty="0" smtClean="0"/>
+              <a:t>四字词，各取一码。</a:t>
+            </a:r>
+            <a:endParaRPr lang="en-US" altLang="zh-CN" sz="1600" dirty="0" smtClean="0"/>
+          </a:p>
+          <a:p>
+            <a:pPr lvl="1"/>
+            <a:r>
+              <a:rPr lang="zh-CN" altLang="en-US" sz="1600" dirty="0" smtClean="0"/>
+              <a:t>多字词，分别取前三字与最后一字的第一码。</a:t>
+            </a:r>
+            <a:r>
+              <a:rPr lang="zh-CN" altLang="en-US" sz="1800" dirty="0" smtClean="0"/>
+              <a:t>。</a:t>
+            </a:r>
+            <a:endParaRPr lang="en-US" altLang="zh-CN" sz="1800" dirty="0"/>
+          </a:p>
+          <a:p>
+            <a:endParaRPr lang="zh-CN" altLang="en-US" dirty="0"/>
+          </a:p>
+        </p:txBody>
+      </p:sp>
+    </p:spTree>
+    <p:extLst>
+      <p:ext uri="{BB962C8B-B14F-4D97-AF65-F5344CB8AC3E}">
+        <p14:creationId xmlns:p14="http://schemas.microsoft.com/office/powerpoint/2010/main" val="1147749364"/>
+      </p:ext>
+    </p:extLst>
+  </p:cSld>
+  <p:clrMapOvr>
+    <a:masterClrMapping/>
+  </p:clrMapOvr>
+  <p:timing>
+    <p:tnLst>
+      <p:par>
+        <p:cTn id="1" dur="indefinite" restart="never" nodeType="tmRoot"/>
+      </p:par>
+    </p:tnLst>
+  </p:timing>
+</p:sld>
+</file>
+
+<file path=ppt/slides/slide29.xml><?xml version="1.0" encoding="utf-8"?>
+<p:sld xmlns:a="http://schemas.openxmlformats.org/drawingml/2006/main" xmlns:r="http://schemas.openxmlformats.org/officeDocument/2006/relationships" xmlns:p="http://schemas.openxmlformats.org/presentationml/2006/main">
+  <p:cSld>
+    <p:spTree>
+      <p:nvGrpSpPr>
+        <p:cNvPr id="1" name=""/>
+        <p:cNvGrpSpPr/>
+        <p:nvPr/>
+      </p:nvGrpSpPr>
+      <p:grpSpPr>
+        <a:xfrm>
+          <a:off x="0" y="0"/>
+          <a:ext cx="0" cy="0"/>
+          <a:chOff x="0" y="0"/>
+          <a:chExt cx="0" cy="0"/>
+        </a:xfrm>
+      </p:grpSpPr>
+      <p:sp>
+        <p:nvSpPr>
+          <p:cNvPr id="2" name="标题 1"/>
+          <p:cNvSpPr>
+            <a:spLocks noGrp="1"/>
+          </p:cNvSpPr>
+          <p:nvPr>
+            <p:ph type="title"/>
+          </p:nvPr>
+        </p:nvSpPr>
+        <p:spPr/>
+        <p:txBody>
+          <a:bodyPr/>
+          <a:lstStyle/>
+          <a:p>
+            <a:r>
+              <a:rPr lang="zh-CN" altLang="en-US" dirty="0"/>
+              <a:t>易</a:t>
+            </a:r>
+            <a:r>
+              <a:rPr lang="zh-CN" altLang="en-US" dirty="0" smtClean="0"/>
+              <a:t>形码</a:t>
+            </a:r>
+            <a:r>
+              <a:rPr lang="zh-CN" altLang="en-US" dirty="0"/>
+              <a:t>快速</a:t>
+            </a:r>
+            <a:r>
+              <a:rPr lang="zh-CN" altLang="en-US" dirty="0" smtClean="0"/>
               <a:t>入门</a:t>
             </a:r>
             <a:r>
@@ -9010,7 +10166,7 @@
             </a:r>
             <a:r>
               <a:rPr lang="en-US" altLang="zh-CN" dirty="0" smtClean="0"/>
-              <a:t>10</a:t>
+              <a:t>15</a:t>
             </a:r>
             <a:r>
               <a:rPr lang="zh-CN" altLang="en-US" dirty="0" smtClean="0"/>
@@ -9042,7 +10198,7 @@
           <a:p>
             <a:r>
               <a:rPr lang="zh-CN" altLang="en-US" dirty="0" smtClean="0"/>
-              <a:t>七、易形码输入法键盘图</a:t>
+              <a:t>八、易形码输入法键盘图</a:t>
             </a:r>
             <a:endParaRPr lang="zh-CN" altLang="en-US" dirty="0"/>
           </a:p>
@@ -12775,1011 +13931,6 @@
 </p:sld>
 </file>
 
-<file path=ppt/slides/slide25.xml><?xml version="1.0" encoding="utf-8"?>
-<p:sld xmlns:a="http://schemas.openxmlformats.org/drawingml/2006/main" xmlns:r="http://schemas.openxmlformats.org/officeDocument/2006/relationships" xmlns:p="http://schemas.openxmlformats.org/presentationml/2006/main">
-  <p:cSld>
-    <p:spTree>
-      <p:nvGrpSpPr>
-        <p:cNvPr id="1" name=""/>
-        <p:cNvGrpSpPr/>
-        <p:nvPr/>
-      </p:nvGrpSpPr>
-      <p:grpSpPr>
-        <a:xfrm>
-          <a:off x="0" y="0"/>
-          <a:ext cx="0" cy="0"/>
-          <a:chOff x="0" y="0"/>
-          <a:chExt cx="0" cy="0"/>
-        </a:xfrm>
-      </p:grpSpPr>
-      <p:sp>
-        <p:nvSpPr>
-          <p:cNvPr id="2" name="标题 1"/>
-          <p:cNvSpPr>
-            <a:spLocks noGrp="1"/>
-          </p:cNvSpPr>
-          <p:nvPr>
-            <p:ph type="title"/>
-          </p:nvPr>
-        </p:nvSpPr>
-        <p:spPr/>
-        <p:txBody>
-          <a:bodyPr/>
-          <a:lstStyle/>
-          <a:p>
-            <a:r>
-              <a:rPr lang="zh-CN" altLang="en-US" dirty="0"/>
-              <a:t>易形码入门（</a:t>
-            </a:r>
-            <a:r>
-              <a:rPr lang="en-US" altLang="zh-CN" dirty="0" smtClean="0"/>
-              <a:t>11</a:t>
-            </a:r>
-            <a:r>
-              <a:rPr lang="zh-CN" altLang="en-US" dirty="0" smtClean="0"/>
-              <a:t>）</a:t>
-            </a:r>
-            <a:endParaRPr lang="zh-CN" altLang="en-US" dirty="0"/>
-          </a:p>
-        </p:txBody>
-      </p:sp>
-      <p:sp>
-        <p:nvSpPr>
-          <p:cNvPr id="3" name="内容占位符 2"/>
-          <p:cNvSpPr>
-            <a:spLocks noGrp="1"/>
-          </p:cNvSpPr>
-          <p:nvPr>
-            <p:ph idx="1"/>
-          </p:nvPr>
-        </p:nvSpPr>
-        <p:spPr/>
-        <p:txBody>
-          <a:bodyPr/>
-          <a:lstStyle/>
-          <a:p>
-            <a:r>
-              <a:rPr lang="zh-CN" altLang="en-US" sz="1800" dirty="0" smtClean="0"/>
-              <a:t>键盘图说明：</a:t>
-            </a:r>
-            <a:endParaRPr lang="en-US" altLang="zh-CN" sz="1800" dirty="0" smtClean="0"/>
-          </a:p>
-          <a:p>
-            <a:r>
-              <a:rPr lang="zh-CN" altLang="en-US" sz="1800" dirty="0" smtClean="0"/>
-              <a:t>除</a:t>
-            </a:r>
-            <a:r>
-              <a:rPr lang="en-US" altLang="zh-CN" sz="1800" dirty="0" smtClean="0"/>
-              <a:t>Z</a:t>
-            </a:r>
-            <a:r>
-              <a:rPr lang="zh-CN" altLang="en-US" sz="1800" dirty="0" smtClean="0"/>
-              <a:t>键以下，键盘分为</a:t>
-            </a:r>
-            <a:r>
-              <a:rPr lang="en-US" altLang="zh-CN" sz="1800" dirty="0" smtClean="0"/>
-              <a:t>5</a:t>
-            </a:r>
-            <a:r>
-              <a:rPr lang="zh-CN" altLang="en-US" sz="1800" dirty="0" smtClean="0"/>
-              <a:t>组，每组</a:t>
-            </a:r>
-            <a:r>
-              <a:rPr lang="en-US" altLang="zh-CN" sz="1800" dirty="0" smtClean="0"/>
-              <a:t>5</a:t>
-            </a:r>
-            <a:r>
-              <a:rPr lang="zh-CN" altLang="en-US" sz="1800" dirty="0" smtClean="0"/>
-              <a:t>个键。每一组的的键盘数字编码的十位都是相同的。</a:t>
-            </a:r>
-            <a:endParaRPr lang="en-US" altLang="zh-CN" sz="1800" dirty="0" smtClean="0"/>
-          </a:p>
-          <a:p>
-            <a:r>
-              <a:rPr lang="zh-CN" altLang="en-US" sz="1800" dirty="0" smtClean="0"/>
-              <a:t>键上的数字编码与笔画的对应关系是：</a:t>
-            </a:r>
-            <a:endParaRPr lang="en-US" altLang="zh-CN" sz="1800" dirty="0" smtClean="0"/>
-          </a:p>
-          <a:p>
-            <a:r>
-              <a:rPr lang="en-US" altLang="zh-CN" sz="1800" dirty="0" smtClean="0"/>
-              <a:t>1</a:t>
-            </a:r>
-            <a:r>
-              <a:rPr lang="zh-CN" altLang="en-US" sz="1800" dirty="0" smtClean="0"/>
-              <a:t>：横，</a:t>
-            </a:r>
-            <a:r>
-              <a:rPr lang="en-US" altLang="zh-CN" sz="1800" dirty="0" smtClean="0"/>
-              <a:t>2</a:t>
-            </a:r>
-            <a:r>
-              <a:rPr lang="zh-CN" altLang="en-US" sz="1800" dirty="0" smtClean="0"/>
-              <a:t>：竖，</a:t>
-            </a:r>
-            <a:r>
-              <a:rPr lang="en-US" altLang="zh-CN" sz="1800" dirty="0" smtClean="0"/>
-              <a:t>3</a:t>
-            </a:r>
-            <a:r>
-              <a:rPr lang="zh-CN" altLang="en-US" sz="1800" dirty="0" smtClean="0"/>
-              <a:t>：撇，</a:t>
-            </a:r>
-            <a:r>
-              <a:rPr lang="en-US" altLang="zh-CN" sz="1800" dirty="0" smtClean="0"/>
-              <a:t>4</a:t>
-            </a:r>
-            <a:r>
-              <a:rPr lang="zh-CN" altLang="en-US" sz="1800" dirty="0" smtClean="0"/>
-              <a:t>：捺，</a:t>
-            </a:r>
-            <a:r>
-              <a:rPr lang="en-US" altLang="zh-CN" sz="1800" dirty="0" smtClean="0"/>
-              <a:t>5</a:t>
-            </a:r>
-            <a:r>
-              <a:rPr lang="zh-CN" altLang="en-US" sz="1800" dirty="0" smtClean="0"/>
-              <a:t>：折</a:t>
-            </a:r>
-            <a:endParaRPr lang="en-US" altLang="zh-CN" sz="1800" dirty="0" smtClean="0"/>
-          </a:p>
-          <a:p>
-            <a:r>
-              <a:rPr lang="zh-CN" altLang="en-US" sz="1800" dirty="0"/>
-              <a:t>键盘数字编码</a:t>
-            </a:r>
-            <a:r>
-              <a:rPr lang="zh-CN" altLang="en-US" sz="1800" dirty="0" smtClean="0"/>
-              <a:t>的个位表示与其组合的笔画，即，是组合码的后一笔画，或组件码的末笔。其中，</a:t>
-            </a:r>
-            <a:r>
-              <a:rPr lang="en-US" altLang="zh-CN" sz="1800" dirty="0" smtClean="0"/>
-              <a:t>11,21,31,41,51</a:t>
-            </a:r>
-            <a:r>
-              <a:rPr lang="zh-CN" altLang="en-US" sz="1800" dirty="0" smtClean="0"/>
-              <a:t>，即，</a:t>
-            </a:r>
-            <a:r>
-              <a:rPr lang="en-US" altLang="zh-CN" sz="1800" dirty="0" smtClean="0"/>
-              <a:t>G</a:t>
-            </a:r>
-            <a:r>
-              <a:rPr lang="zh-CN" altLang="en-US" sz="1800" dirty="0" smtClean="0"/>
-              <a:t>，</a:t>
-            </a:r>
-            <a:r>
-              <a:rPr lang="en-US" altLang="zh-CN" sz="1800" dirty="0" smtClean="0"/>
-              <a:t>H</a:t>
-            </a:r>
-            <a:r>
-              <a:rPr lang="zh-CN" altLang="en-US" sz="1800" dirty="0" smtClean="0"/>
-              <a:t>，</a:t>
-            </a:r>
-            <a:r>
-              <a:rPr lang="en-US" altLang="zh-CN" sz="1800" dirty="0" smtClean="0"/>
-              <a:t>T</a:t>
-            </a:r>
-            <a:r>
-              <a:rPr lang="zh-CN" altLang="en-US" sz="1800" dirty="0" smtClean="0"/>
-              <a:t>，</a:t>
-            </a:r>
-            <a:r>
-              <a:rPr lang="en-US" altLang="zh-CN" sz="1800" dirty="0" smtClean="0"/>
-              <a:t>Y</a:t>
-            </a:r>
-            <a:r>
-              <a:rPr lang="zh-CN" altLang="en-US" sz="1800" dirty="0" smtClean="0"/>
-              <a:t>，</a:t>
-            </a:r>
-            <a:r>
-              <a:rPr lang="en-US" altLang="zh-CN" sz="1800" dirty="0" smtClean="0"/>
-              <a:t>N</a:t>
-            </a:r>
-            <a:r>
-              <a:rPr lang="zh-CN" altLang="en-US" sz="1800" dirty="0" smtClean="0"/>
-              <a:t>同时还分别表示横竖撇捺折的单笔画。</a:t>
-            </a:r>
-            <a:endParaRPr lang="en-US" altLang="zh-CN" sz="1800" dirty="0" smtClean="0"/>
-          </a:p>
-          <a:p>
-            <a:r>
-              <a:rPr lang="zh-CN" altLang="en-US" sz="1800" dirty="0" smtClean="0"/>
-              <a:t>对于识别码，数字与识别码与汉字结构的对应关系为：</a:t>
-            </a:r>
-            <a:endParaRPr lang="en-US" altLang="zh-CN" sz="1800" dirty="0" smtClean="0"/>
-          </a:p>
-          <a:p>
-            <a:r>
-              <a:rPr lang="en-US" altLang="zh-CN" sz="1800" dirty="0" smtClean="0"/>
-              <a:t>1</a:t>
-            </a:r>
-            <a:r>
-              <a:rPr lang="zh-CN" altLang="en-US" sz="1800" dirty="0" smtClean="0"/>
-              <a:t>：独体</a:t>
-            </a:r>
-            <a:r>
-              <a:rPr lang="zh-CN" altLang="en-US" sz="1800" dirty="0"/>
-              <a:t>结构</a:t>
-            </a:r>
-            <a:r>
-              <a:rPr lang="zh-CN" altLang="en-US" sz="1800" dirty="0" smtClean="0"/>
-              <a:t>、</a:t>
-            </a:r>
-            <a:r>
-              <a:rPr lang="en-US" altLang="zh-CN" sz="1800" dirty="0" smtClean="0"/>
-              <a:t>2</a:t>
-            </a:r>
-            <a:r>
-              <a:rPr lang="zh-CN" altLang="en-US" sz="1800" dirty="0" smtClean="0"/>
-              <a:t>：左右结构</a:t>
-            </a:r>
-            <a:r>
-              <a:rPr lang="en-US" altLang="zh-CN" sz="1800" dirty="0" smtClean="0"/>
-              <a:t>:3</a:t>
-            </a:r>
-            <a:r>
-              <a:rPr lang="zh-CN" altLang="en-US" sz="1800" dirty="0" smtClean="0"/>
-              <a:t>：上下结构</a:t>
-            </a:r>
-            <a:r>
-              <a:rPr lang="zh-CN" altLang="en-US" sz="1800" dirty="0"/>
-              <a:t>，</a:t>
-            </a:r>
-            <a:r>
-              <a:rPr lang="en-US" altLang="zh-CN" sz="1800" dirty="0" smtClean="0"/>
-              <a:t>4</a:t>
-            </a:r>
-            <a:r>
-              <a:rPr lang="zh-CN" altLang="en-US" sz="1800" dirty="0" smtClean="0"/>
-              <a:t>：包围</a:t>
-            </a:r>
-            <a:r>
-              <a:rPr lang="zh-CN" altLang="en-US" sz="1800" dirty="0"/>
-              <a:t>结构</a:t>
-            </a:r>
-            <a:r>
-              <a:rPr lang="zh-CN" altLang="en-US" sz="1800" dirty="0" smtClean="0"/>
-              <a:t>、</a:t>
-            </a:r>
-            <a:r>
-              <a:rPr lang="en-US" altLang="zh-CN" sz="1800" dirty="0" smtClean="0"/>
-              <a:t>5</a:t>
-            </a:r>
-            <a:r>
-              <a:rPr lang="zh-CN" altLang="en-US" sz="1800" dirty="0" smtClean="0"/>
-              <a:t>：复杂结构</a:t>
-            </a:r>
-            <a:endParaRPr lang="en-US" altLang="zh-CN" sz="1800" dirty="0" smtClean="0"/>
-          </a:p>
-          <a:p>
-            <a:r>
-              <a:rPr lang="zh-CN" altLang="en-US" sz="1800" dirty="0" smtClean="0"/>
-              <a:t>识别码的十位，代表末笔的笔画，个位则代码汉字的结构。</a:t>
-            </a:r>
-            <a:endParaRPr lang="en-US" altLang="zh-CN" sz="1800" dirty="0" smtClean="0"/>
-          </a:p>
-          <a:p>
-            <a:r>
-              <a:rPr lang="zh-CN" altLang="en-US" sz="1800" dirty="0" smtClean="0"/>
-              <a:t>同时，所有编码都是规则的。</a:t>
-            </a:r>
-            <a:endParaRPr lang="en-US" altLang="zh-CN" sz="1800" dirty="0" smtClean="0"/>
-          </a:p>
-          <a:p>
-            <a:endParaRPr lang="en-US" altLang="zh-CN" dirty="0" smtClean="0"/>
-          </a:p>
-          <a:p>
-            <a:endParaRPr lang="en-US" altLang="zh-CN" dirty="0" smtClean="0"/>
-          </a:p>
-          <a:p>
-            <a:endParaRPr lang="en-US" altLang="zh-CN" dirty="0" smtClean="0"/>
-          </a:p>
-          <a:p>
-            <a:endParaRPr lang="zh-CN" altLang="en-US" dirty="0"/>
-          </a:p>
-        </p:txBody>
-      </p:sp>
-    </p:spTree>
-    <p:extLst>
-      <p:ext uri="{BB962C8B-B14F-4D97-AF65-F5344CB8AC3E}">
-        <p14:creationId xmlns:p14="http://schemas.microsoft.com/office/powerpoint/2010/main" val="3377263848"/>
-      </p:ext>
-    </p:extLst>
-  </p:cSld>
-  <p:clrMapOvr>
-    <a:masterClrMapping/>
-  </p:clrMapOvr>
-  <p:timing>
-    <p:tnLst>
-      <p:par>
-        <p:cTn id="1" dur="indefinite" restart="never" nodeType="tmRoot"/>
-      </p:par>
-    </p:tnLst>
-  </p:timing>
-</p:sld>
-</file>
-
-<file path=ppt/slides/slide26.xml><?xml version="1.0" encoding="utf-8"?>
-<p:sld xmlns:a="http://schemas.openxmlformats.org/drawingml/2006/main" xmlns:r="http://schemas.openxmlformats.org/officeDocument/2006/relationships" xmlns:p="http://schemas.openxmlformats.org/presentationml/2006/main">
-  <p:cSld>
-    <p:spTree>
-      <p:nvGrpSpPr>
-        <p:cNvPr id="1" name=""/>
-        <p:cNvGrpSpPr/>
-        <p:nvPr/>
-      </p:nvGrpSpPr>
-      <p:grpSpPr>
-        <a:xfrm>
-          <a:off x="0" y="0"/>
-          <a:ext cx="0" cy="0"/>
-          <a:chOff x="0" y="0"/>
-          <a:chExt cx="0" cy="0"/>
-        </a:xfrm>
-      </p:grpSpPr>
-      <p:sp>
-        <p:nvSpPr>
-          <p:cNvPr id="2" name="标题 1"/>
-          <p:cNvSpPr>
-            <a:spLocks noGrp="1"/>
-          </p:cNvSpPr>
-          <p:nvPr>
-            <p:ph type="title"/>
-          </p:nvPr>
-        </p:nvSpPr>
-        <p:spPr/>
-        <p:txBody>
-          <a:bodyPr/>
-          <a:lstStyle/>
-          <a:p>
-            <a:r>
-              <a:rPr lang="zh-CN" altLang="en-US" dirty="0" smtClean="0"/>
-              <a:t>总结</a:t>
-            </a:r>
-            <a:endParaRPr lang="zh-CN" altLang="en-US" dirty="0"/>
-          </a:p>
-        </p:txBody>
-      </p:sp>
-      <p:sp>
-        <p:nvSpPr>
-          <p:cNvPr id="3" name="内容占位符 2"/>
-          <p:cNvSpPr>
-            <a:spLocks noGrp="1"/>
-          </p:cNvSpPr>
-          <p:nvPr>
-            <p:ph idx="1"/>
-          </p:nvPr>
-        </p:nvSpPr>
-        <p:spPr/>
-        <p:txBody>
-          <a:bodyPr/>
-          <a:lstStyle/>
-          <a:p>
-            <a:r>
-              <a:rPr lang="zh-CN" altLang="en-US" dirty="0" smtClean="0"/>
-              <a:t>所有易形码输入法的规则就是以上</a:t>
-            </a:r>
-            <a:r>
-              <a:rPr lang="en-US" altLang="zh-CN" dirty="0" smtClean="0"/>
-              <a:t>12</a:t>
-            </a:r>
-            <a:r>
-              <a:rPr lang="zh-CN" altLang="en-US" dirty="0" smtClean="0"/>
-              <a:t>页</a:t>
-            </a:r>
-            <a:r>
-              <a:rPr lang="en-US" altLang="zh-CN" dirty="0" smtClean="0"/>
-              <a:t>PPT</a:t>
-            </a:r>
-            <a:r>
-              <a:rPr lang="zh-CN" altLang="en-US" dirty="0" smtClean="0"/>
-              <a:t>。所有内容总结如下：</a:t>
-            </a:r>
-            <a:endParaRPr lang="en-US" altLang="zh-CN" dirty="0" smtClean="0"/>
-          </a:p>
-          <a:p>
-            <a:r>
-              <a:rPr lang="zh-CN" altLang="en-US" dirty="0" smtClean="0"/>
-              <a:t>五种笔画分类，三种笔画关系</a:t>
-            </a:r>
-            <a:endParaRPr lang="en-US" altLang="zh-CN" dirty="0" smtClean="0"/>
-          </a:p>
-          <a:p>
-            <a:r>
-              <a:rPr lang="zh-CN" altLang="en-US" dirty="0" smtClean="0"/>
-              <a:t>五种汉字结构，四种编码分类</a:t>
-            </a:r>
-            <a:endParaRPr lang="en-US" altLang="zh-CN" dirty="0" smtClean="0"/>
-          </a:p>
-          <a:p>
-            <a:r>
-              <a:rPr lang="zh-CN" altLang="en-US" dirty="0" smtClean="0"/>
-              <a:t>两个拆字原则，六种取码方法</a:t>
-            </a:r>
-            <a:endParaRPr lang="en-US" altLang="zh-CN" dirty="0" smtClean="0"/>
-          </a:p>
-          <a:p>
-            <a:r>
-              <a:rPr lang="zh-CN" altLang="en-US" dirty="0" smtClean="0"/>
-              <a:t>掌握以上所有这些内容，一般为三到五分钟。至于练习上手，一般仅需要一到二小时。</a:t>
-            </a:r>
-            <a:endParaRPr lang="en-US" altLang="zh-CN" dirty="0" smtClean="0"/>
-          </a:p>
-          <a:p>
-            <a:endParaRPr lang="en-US" altLang="zh-CN" dirty="0"/>
-          </a:p>
-          <a:p>
-            <a:r>
-              <a:rPr lang="zh-CN" altLang="en-US" dirty="0" smtClean="0"/>
-              <a:t>主要因为，易形码是完全规则的。没有例外。</a:t>
-            </a:r>
-            <a:endParaRPr lang="en-US" altLang="zh-CN" dirty="0" smtClean="0"/>
-          </a:p>
-          <a:p>
-            <a:endParaRPr lang="en-US" altLang="zh-CN" dirty="0" smtClean="0"/>
-          </a:p>
-          <a:p>
-            <a:endParaRPr lang="en-US" altLang="zh-CN" dirty="0" smtClean="0"/>
-          </a:p>
-          <a:p>
-            <a:endParaRPr lang="zh-CN" altLang="en-US" dirty="0"/>
-          </a:p>
-        </p:txBody>
-      </p:sp>
-    </p:spTree>
-    <p:extLst>
-      <p:ext uri="{BB962C8B-B14F-4D97-AF65-F5344CB8AC3E}">
-        <p14:creationId xmlns:p14="http://schemas.microsoft.com/office/powerpoint/2010/main" val="2067082032"/>
-      </p:ext>
-    </p:extLst>
-  </p:cSld>
-  <p:clrMapOvr>
-    <a:masterClrMapping/>
-  </p:clrMapOvr>
-  <p:timing>
-    <p:tnLst>
-      <p:par>
-        <p:cTn id="1" dur="indefinite" restart="never" nodeType="tmRoot"/>
-      </p:par>
-    </p:tnLst>
-  </p:timing>
-</p:sld>
-</file>
-
-<file path=ppt/slides/slide27.xml><?xml version="1.0" encoding="utf-8"?>
-<p:sld xmlns:a="http://schemas.openxmlformats.org/drawingml/2006/main" xmlns:r="http://schemas.openxmlformats.org/officeDocument/2006/relationships" xmlns:p="http://schemas.openxmlformats.org/presentationml/2006/main">
-  <p:cSld>
-    <p:spTree>
-      <p:nvGrpSpPr>
-        <p:cNvPr id="1" name=""/>
-        <p:cNvGrpSpPr/>
-        <p:nvPr/>
-      </p:nvGrpSpPr>
-      <p:grpSpPr>
-        <a:xfrm>
-          <a:off x="0" y="0"/>
-          <a:ext cx="0" cy="0"/>
-          <a:chOff x="0" y="0"/>
-          <a:chExt cx="0" cy="0"/>
-        </a:xfrm>
-      </p:grpSpPr>
-      <p:sp>
-        <p:nvSpPr>
-          <p:cNvPr id="2" name="标题 1"/>
-          <p:cNvSpPr>
-            <a:spLocks noGrp="1"/>
-          </p:cNvSpPr>
-          <p:nvPr>
-            <p:ph type="title"/>
-          </p:nvPr>
-        </p:nvSpPr>
-        <p:spPr/>
-        <p:txBody>
-          <a:bodyPr/>
-          <a:lstStyle/>
-          <a:p>
-            <a:r>
-              <a:rPr lang="zh-CN" altLang="en-US" dirty="0" smtClean="0"/>
-              <a:t>易形码的创新</a:t>
-            </a:r>
-            <a:endParaRPr lang="zh-CN" altLang="en-US" dirty="0"/>
-          </a:p>
-        </p:txBody>
-      </p:sp>
-      <p:sp>
-        <p:nvSpPr>
-          <p:cNvPr id="3" name="内容占位符 2"/>
-          <p:cNvSpPr>
-            <a:spLocks noGrp="1"/>
-          </p:cNvSpPr>
-          <p:nvPr>
-            <p:ph idx="1"/>
-          </p:nvPr>
-        </p:nvSpPr>
-        <p:spPr/>
-        <p:txBody>
-          <a:bodyPr/>
-          <a:lstStyle/>
-          <a:p>
-            <a:r>
-              <a:rPr lang="zh-CN" altLang="en-US" sz="2000" dirty="0" smtClean="0"/>
-              <a:t>一、取组件的首笔与末笔进行编码。</a:t>
-            </a:r>
-            <a:endParaRPr lang="en-US" altLang="zh-CN" sz="2000" dirty="0" smtClean="0"/>
-          </a:p>
-          <a:p>
-            <a:r>
-              <a:rPr lang="zh-CN" altLang="en-US" sz="2000" dirty="0" smtClean="0"/>
-              <a:t>二、抛弃偏旁部首以及字根的概念，直接按汉字的自然结构拆分。</a:t>
-            </a:r>
-            <a:endParaRPr lang="en-US" altLang="zh-CN" sz="2000" dirty="0" smtClean="0"/>
-          </a:p>
-          <a:p>
-            <a:r>
-              <a:rPr lang="zh-CN" altLang="en-US" sz="2000" dirty="0"/>
-              <a:t>三</a:t>
-            </a:r>
-            <a:r>
-              <a:rPr lang="zh-CN" altLang="en-US" sz="2000" dirty="0" smtClean="0"/>
-              <a:t>、基于一种结构的识别码，降低重吗。</a:t>
-            </a:r>
-            <a:endParaRPr lang="en-US" altLang="zh-CN" sz="2000" dirty="0" smtClean="0"/>
-          </a:p>
-          <a:p>
-            <a:r>
-              <a:rPr lang="zh-CN" altLang="en-US" sz="2000" dirty="0" smtClean="0"/>
-              <a:t>四、编码严格规则化，没有例外</a:t>
-            </a:r>
-            <a:endParaRPr lang="en-US" altLang="zh-CN" sz="2000" dirty="0" smtClean="0"/>
-          </a:p>
-          <a:p>
-            <a:r>
-              <a:rPr lang="zh-CN" altLang="en-US" sz="2000" dirty="0" smtClean="0"/>
-              <a:t>五、易形码未使用偏旁，字根等中国特有元素，因而，在中日韩，具有其它输入法所没有的国际通用性。</a:t>
-            </a:r>
-            <a:endParaRPr lang="en-US" altLang="zh-CN" sz="2000" dirty="0" smtClean="0"/>
-          </a:p>
-          <a:p>
-            <a:r>
-              <a:rPr lang="zh-CN" altLang="en-US" sz="2000" dirty="0" smtClean="0"/>
-              <a:t>六、以最小的知识量，定义输入法的规则。</a:t>
-            </a:r>
-            <a:endParaRPr lang="en-US" altLang="zh-CN" sz="2000" dirty="0" smtClean="0"/>
-          </a:p>
-          <a:p>
-            <a:r>
-              <a:rPr lang="zh-CN" altLang="en-US" sz="2000" dirty="0" smtClean="0"/>
-              <a:t>通过以上创新，易形码做到了：</a:t>
-            </a:r>
-            <a:endParaRPr lang="en-US" altLang="zh-CN" sz="2000" dirty="0" smtClean="0"/>
-          </a:p>
-          <a:p>
-            <a:r>
-              <a:rPr lang="zh-CN" altLang="en-US" sz="2000" dirty="0" smtClean="0"/>
-              <a:t>最规则，最易学</a:t>
-            </a:r>
-            <a:endParaRPr lang="zh-CN" altLang="en-US" sz="2000" dirty="0"/>
-          </a:p>
-        </p:txBody>
-      </p:sp>
-    </p:spTree>
-    <p:extLst>
-      <p:ext uri="{BB962C8B-B14F-4D97-AF65-F5344CB8AC3E}">
-        <p14:creationId xmlns:p14="http://schemas.microsoft.com/office/powerpoint/2010/main" val="3004855354"/>
-      </p:ext>
-    </p:extLst>
-  </p:cSld>
-  <p:clrMapOvr>
-    <a:masterClrMapping/>
-  </p:clrMapOvr>
-  <p:timing>
-    <p:tnLst>
-      <p:par>
-        <p:cTn id="1" dur="indefinite" restart="never" nodeType="tmRoot"/>
-      </p:par>
-    </p:tnLst>
-  </p:timing>
-</p:sld>
-</file>
-
-<file path=ppt/slides/slide28.xml><?xml version="1.0" encoding="utf-8"?>
-<p:sld xmlns:a="http://schemas.openxmlformats.org/drawingml/2006/main" xmlns:r="http://schemas.openxmlformats.org/officeDocument/2006/relationships" xmlns:p="http://schemas.openxmlformats.org/presentationml/2006/main">
-  <p:cSld>
-    <p:spTree>
-      <p:nvGrpSpPr>
-        <p:cNvPr id="1" name=""/>
-        <p:cNvGrpSpPr/>
-        <p:nvPr/>
-      </p:nvGrpSpPr>
-      <p:grpSpPr>
-        <a:xfrm>
-          <a:off x="0" y="0"/>
-          <a:ext cx="0" cy="0"/>
-          <a:chOff x="0" y="0"/>
-          <a:chExt cx="0" cy="0"/>
-        </a:xfrm>
-      </p:grpSpPr>
-      <p:sp>
-        <p:nvSpPr>
-          <p:cNvPr id="2" name="标题 1"/>
-          <p:cNvSpPr>
-            <a:spLocks noGrp="1"/>
-          </p:cNvSpPr>
-          <p:nvPr>
-            <p:ph type="title"/>
-          </p:nvPr>
-        </p:nvSpPr>
-        <p:spPr/>
-        <p:txBody>
-          <a:bodyPr/>
-          <a:lstStyle/>
-          <a:p>
-            <a:r>
-              <a:rPr lang="zh-CN" altLang="en-US" dirty="0" smtClean="0"/>
-              <a:t>市场机遇</a:t>
-            </a:r>
-            <a:endParaRPr lang="zh-CN" altLang="en-US" dirty="0"/>
-          </a:p>
-        </p:txBody>
-      </p:sp>
-      <p:sp>
-        <p:nvSpPr>
-          <p:cNvPr id="3" name="内容占位符 2"/>
-          <p:cNvSpPr>
-            <a:spLocks noGrp="1"/>
-          </p:cNvSpPr>
-          <p:nvPr>
-            <p:ph idx="1"/>
-          </p:nvPr>
-        </p:nvSpPr>
-        <p:spPr/>
-        <p:txBody>
-          <a:bodyPr/>
-          <a:lstStyle/>
-          <a:p>
-            <a:r>
-              <a:rPr lang="zh-CN" altLang="en-US" sz="1800" dirty="0"/>
-              <a:t>键盘输入法的地位</a:t>
-            </a:r>
-            <a:endParaRPr lang="en-US" altLang="zh-CN" sz="1800" dirty="0"/>
-          </a:p>
-          <a:p>
-            <a:pPr lvl="1"/>
-            <a:r>
-              <a:rPr lang="zh-CN" altLang="en-US" sz="1600" dirty="0"/>
-              <a:t>虽然，手写与语音，总是无法</a:t>
-            </a:r>
-            <a:r>
-              <a:rPr lang="zh-CN" altLang="en-US" sz="1600" dirty="0" smtClean="0"/>
-              <a:t>被替代</a:t>
-            </a:r>
-            <a:r>
-              <a:rPr lang="zh-CN" altLang="en-US" sz="1600" dirty="0"/>
-              <a:t>的。</a:t>
-            </a:r>
-            <a:endParaRPr lang="en-US" altLang="zh-CN" sz="1600" dirty="0"/>
-          </a:p>
-          <a:p>
-            <a:pPr lvl="2"/>
-            <a:r>
-              <a:rPr lang="zh-CN" altLang="en-US" sz="1400" dirty="0" smtClean="0"/>
-              <a:t>手写太慢</a:t>
-            </a:r>
-            <a:endParaRPr lang="en-US" altLang="zh-CN" sz="1400" dirty="0" smtClean="0"/>
-          </a:p>
-          <a:p>
-            <a:pPr lvl="2"/>
-            <a:r>
-              <a:rPr lang="zh-CN" altLang="en-US" sz="1400" dirty="0" smtClean="0"/>
-              <a:t>语音一样不能输入不认识的字</a:t>
-            </a:r>
-            <a:endParaRPr lang="en-US" altLang="zh-CN" sz="1400" dirty="0" smtClean="0"/>
-          </a:p>
-          <a:p>
-            <a:pPr lvl="2"/>
-            <a:r>
-              <a:rPr lang="zh-CN" altLang="en-US" sz="1400" dirty="0" smtClean="0"/>
-              <a:t>拼音重码多，不认识的录不了</a:t>
-            </a:r>
-            <a:endParaRPr lang="en-US" altLang="zh-CN" sz="1400" dirty="0" smtClean="0"/>
-          </a:p>
-          <a:p>
-            <a:pPr lvl="2"/>
-            <a:r>
-              <a:rPr lang="zh-CN" altLang="en-US" sz="1400" dirty="0" smtClean="0"/>
-              <a:t>五笔难学</a:t>
-            </a:r>
-            <a:r>
-              <a:rPr lang="en-US" altLang="zh-CN" sz="1400" dirty="0" smtClean="0"/>
-              <a:t> </a:t>
-            </a:r>
-          </a:p>
-          <a:p>
-            <a:r>
-              <a:rPr lang="zh-CN" altLang="en-US" sz="1600" dirty="0" smtClean="0"/>
-              <a:t>国外输入法，对外汉语市场无人关注</a:t>
-            </a:r>
-            <a:endParaRPr lang="en-US" altLang="zh-CN" sz="1600" dirty="0" smtClean="0"/>
-          </a:p>
-          <a:p>
-            <a:pPr lvl="1"/>
-            <a:r>
-              <a:rPr lang="zh-CN" altLang="en-US" sz="1600" dirty="0" smtClean="0"/>
-              <a:t>目前国外的汉语热。国外市场仍没有很好的供应商。</a:t>
-            </a:r>
-            <a:endParaRPr lang="en-US" altLang="zh-CN" sz="1600" dirty="0" smtClean="0"/>
-          </a:p>
-          <a:p>
-            <a:pPr lvl="1"/>
-            <a:r>
-              <a:rPr lang="zh-CN" altLang="en-US" sz="1600" dirty="0" smtClean="0"/>
-              <a:t>设想，好的西班语，好的阿拉伯语输入法都是集成易形码中文的，结果会如何？</a:t>
-            </a:r>
-            <a:endParaRPr lang="en-US" altLang="zh-CN" sz="1600" dirty="0" smtClean="0"/>
-          </a:p>
-          <a:p>
-            <a:pPr lvl="1"/>
-            <a:r>
-              <a:rPr lang="zh-CN" altLang="en-US" sz="1600" dirty="0" smtClean="0"/>
-              <a:t>同样，英语也是需要的，因为，表请</a:t>
-            </a:r>
-            <a:r>
-              <a:rPr lang="en-US" altLang="zh-CN" sz="1600" dirty="0" err="1" smtClean="0"/>
-              <a:t>Emoji</a:t>
-            </a:r>
-            <a:r>
-              <a:rPr lang="zh-CN" altLang="en-US" sz="1600" dirty="0" smtClean="0"/>
-              <a:t>的集成，数字键盘的集成，以及特殊符号的录入，在手机端均是需要的。</a:t>
-            </a:r>
-            <a:endParaRPr lang="en-US" altLang="zh-CN" sz="1600" dirty="0" smtClean="0"/>
-          </a:p>
-          <a:p>
-            <a:pPr lvl="1"/>
-            <a:r>
-              <a:rPr lang="zh-CN" altLang="en-US" sz="1600" dirty="0" smtClean="0"/>
-              <a:t>海外市场中，中国的</a:t>
-            </a:r>
-            <a:r>
-              <a:rPr lang="en-US" altLang="zh-CN" sz="1600" dirty="0" err="1"/>
-              <a:t>Kika</a:t>
-            </a:r>
-            <a:r>
-              <a:rPr lang="zh-CN" altLang="en-US" sz="1600" dirty="0"/>
-              <a:t>算是一个成功的</a:t>
-            </a:r>
-            <a:r>
-              <a:rPr lang="zh-CN" altLang="en-US" sz="1600" dirty="0" smtClean="0"/>
-              <a:t>典型！！但是，除美国以下，还有一个具有很大价值的日韩！！</a:t>
-            </a:r>
-            <a:endParaRPr lang="en-US" altLang="zh-CN" sz="1800" dirty="0" smtClean="0"/>
-          </a:p>
-          <a:p>
-            <a:pPr lvl="1"/>
-            <a:endParaRPr lang="en-US" altLang="zh-CN" sz="1800" dirty="0" smtClean="0"/>
-          </a:p>
-          <a:p>
-            <a:pPr lvl="1"/>
-            <a:endParaRPr lang="zh-CN" altLang="en-US" dirty="0"/>
-          </a:p>
-        </p:txBody>
-      </p:sp>
-    </p:spTree>
-    <p:extLst>
-      <p:ext uri="{BB962C8B-B14F-4D97-AF65-F5344CB8AC3E}">
-        <p14:creationId xmlns:p14="http://schemas.microsoft.com/office/powerpoint/2010/main" val="2013520269"/>
-      </p:ext>
-    </p:extLst>
-  </p:cSld>
-  <p:clrMapOvr>
-    <a:masterClrMapping/>
-  </p:clrMapOvr>
-  <p:timing>
-    <p:tnLst>
-      <p:par>
-        <p:cTn id="1" dur="indefinite" restart="never" nodeType="tmRoot"/>
-      </p:par>
-    </p:tnLst>
-  </p:timing>
-</p:sld>
-</file>
-
-<file path=ppt/slides/slide29.xml><?xml version="1.0" encoding="utf-8"?>
-<p:sld xmlns:a="http://schemas.openxmlformats.org/drawingml/2006/main" xmlns:r="http://schemas.openxmlformats.org/officeDocument/2006/relationships" xmlns:p="http://schemas.openxmlformats.org/presentationml/2006/main">
-  <p:cSld>
-    <p:spTree>
-      <p:nvGrpSpPr>
-        <p:cNvPr id="1" name=""/>
-        <p:cNvGrpSpPr/>
-        <p:nvPr/>
-      </p:nvGrpSpPr>
-      <p:grpSpPr>
-        <a:xfrm>
-          <a:off x="0" y="0"/>
-          <a:ext cx="0" cy="0"/>
-          <a:chOff x="0" y="0"/>
-          <a:chExt cx="0" cy="0"/>
-        </a:xfrm>
-      </p:grpSpPr>
-      <p:sp>
-        <p:nvSpPr>
-          <p:cNvPr id="2" name="标题 1"/>
-          <p:cNvSpPr>
-            <a:spLocks noGrp="1"/>
-          </p:cNvSpPr>
-          <p:nvPr>
-            <p:ph type="title"/>
-          </p:nvPr>
-        </p:nvSpPr>
-        <p:spPr/>
-        <p:txBody>
-          <a:bodyPr/>
-          <a:lstStyle/>
-          <a:p>
-            <a:r>
-              <a:rPr lang="zh-CN" altLang="en-US" dirty="0" smtClean="0"/>
-              <a:t>市场机遇</a:t>
-            </a:r>
-            <a:endParaRPr lang="zh-CN" altLang="en-US" dirty="0"/>
-          </a:p>
-        </p:txBody>
-      </p:sp>
-      <p:sp>
-        <p:nvSpPr>
-          <p:cNvPr id="3" name="内容占位符 2"/>
-          <p:cNvSpPr>
-            <a:spLocks noGrp="1"/>
-          </p:cNvSpPr>
-          <p:nvPr>
-            <p:ph idx="1"/>
-          </p:nvPr>
-        </p:nvSpPr>
-        <p:spPr/>
-        <p:txBody>
-          <a:bodyPr/>
-          <a:lstStyle/>
-          <a:p>
-            <a:r>
-              <a:rPr lang="zh-CN" altLang="en-US" sz="1800" dirty="0" smtClean="0"/>
-              <a:t>大数据机遇</a:t>
-            </a:r>
-            <a:endParaRPr lang="en-US" altLang="zh-CN" sz="1800" dirty="0" smtClean="0"/>
-          </a:p>
-          <a:p>
-            <a:pPr lvl="1"/>
-            <a:r>
-              <a:rPr lang="zh-CN" altLang="en-US" sz="1600" dirty="0" smtClean="0"/>
-              <a:t>从输入 法拿到的用户数据基本都是：</a:t>
-            </a:r>
-            <a:endParaRPr lang="en-US" altLang="zh-CN" sz="1600" dirty="0" smtClean="0"/>
-          </a:p>
-          <a:p>
-            <a:pPr lvl="2"/>
-            <a:r>
-              <a:rPr lang="zh-CN" altLang="en-US" sz="1400" dirty="0" smtClean="0"/>
-              <a:t>网上搜索的</a:t>
-            </a:r>
-            <a:endParaRPr lang="en-US" altLang="zh-CN" sz="1400" dirty="0" smtClean="0"/>
-          </a:p>
-          <a:p>
-            <a:pPr lvl="2"/>
-            <a:r>
-              <a:rPr lang="zh-CN" altLang="en-US" sz="1400" dirty="0" smtClean="0"/>
-              <a:t>与朋友家人聊天的</a:t>
-            </a:r>
-            <a:endParaRPr lang="en-US" altLang="zh-CN" sz="1400" dirty="0" smtClean="0"/>
-          </a:p>
-          <a:p>
-            <a:pPr lvl="2"/>
-            <a:r>
-              <a:rPr lang="zh-CN" altLang="en-US" sz="1400" dirty="0" smtClean="0"/>
-              <a:t>自己写的</a:t>
-            </a:r>
-            <a:endParaRPr lang="en-US" altLang="zh-CN" sz="1400" dirty="0" smtClean="0"/>
-          </a:p>
-          <a:p>
-            <a:pPr lvl="1"/>
-            <a:r>
-              <a:rPr lang="zh-CN" altLang="en-US" sz="1600" dirty="0" smtClean="0"/>
-              <a:t>所以，这此数据拥有极大的营销价值。</a:t>
-            </a:r>
-            <a:endParaRPr lang="en-US" altLang="zh-CN" sz="1600" dirty="0" smtClean="0"/>
-          </a:p>
-          <a:p>
-            <a:pPr lvl="1"/>
-            <a:r>
-              <a:rPr lang="zh-CN" altLang="en-US" sz="1600" dirty="0" smtClean="0"/>
-              <a:t>很多</a:t>
-            </a:r>
-            <a:r>
-              <a:rPr lang="zh-CN" altLang="en-US" sz="1600" dirty="0"/>
-              <a:t>希望要营销数据的，都设法开发输入法</a:t>
-            </a:r>
-            <a:endParaRPr lang="en-US" altLang="zh-CN" sz="1600" dirty="0"/>
-          </a:p>
-          <a:p>
-            <a:pPr lvl="1"/>
-            <a:r>
-              <a:rPr lang="zh-CN" altLang="en-US" sz="1600" dirty="0" smtClean="0"/>
-              <a:t>而现在</a:t>
-            </a:r>
-            <a:r>
-              <a:rPr lang="zh-CN" altLang="en-US" sz="1600" dirty="0"/>
-              <a:t>还</a:t>
-            </a:r>
-            <a:r>
-              <a:rPr lang="zh-CN" altLang="en-US" sz="1600" dirty="0" smtClean="0"/>
-              <a:t>没有一个好的输入法提供商</a:t>
-            </a:r>
-            <a:endParaRPr lang="en-US" altLang="zh-CN" sz="1600" dirty="0" smtClean="0"/>
-          </a:p>
-          <a:p>
-            <a:pPr lvl="1"/>
-            <a:r>
-              <a:rPr lang="zh-CN" altLang="en-US" sz="1800" dirty="0" smtClean="0"/>
-              <a:t>人工智能机遇</a:t>
-            </a:r>
-            <a:endParaRPr lang="en-US" altLang="zh-CN" sz="1800" dirty="0" smtClean="0"/>
-          </a:p>
-          <a:p>
-            <a:pPr lvl="1"/>
-            <a:r>
-              <a:rPr lang="zh-CN" altLang="en-US" sz="1600" dirty="0" smtClean="0"/>
-              <a:t>以前输入法就是一个单纯的输入法</a:t>
-            </a:r>
-            <a:endParaRPr lang="en-US" altLang="zh-CN" sz="1600" dirty="0" smtClean="0"/>
-          </a:p>
-          <a:p>
-            <a:pPr lvl="1"/>
-            <a:r>
-              <a:rPr lang="zh-CN" altLang="en-US" sz="1600" dirty="0" smtClean="0"/>
-              <a:t>现在，通过人要智能向用户提供智能词库</a:t>
-            </a:r>
-            <a:endParaRPr lang="en-US" altLang="zh-CN" sz="1600" dirty="0" smtClean="0"/>
-          </a:p>
-          <a:p>
-            <a:pPr lvl="2"/>
-            <a:r>
-              <a:rPr lang="zh-CN" altLang="en-US" sz="1400" dirty="0" smtClean="0"/>
-              <a:t>于是即可以更加精准的获取有户信息</a:t>
-            </a:r>
-            <a:endParaRPr lang="en-US" altLang="zh-CN" sz="1400" dirty="0" smtClean="0"/>
-          </a:p>
-          <a:p>
-            <a:pPr lvl="1"/>
-            <a:r>
-              <a:rPr lang="zh-CN" altLang="en-US" sz="1600" dirty="0" smtClean="0"/>
-              <a:t>现在，所有人都想，我只录入一两码，你就上屏提示，让我选择！</a:t>
-            </a:r>
-            <a:r>
-              <a:rPr lang="zh-CN" altLang="en-US" sz="1800" dirty="0" smtClean="0"/>
-              <a:t> </a:t>
-            </a:r>
-            <a:endParaRPr lang="en-US" altLang="zh-CN" sz="1800" dirty="0" smtClean="0"/>
-          </a:p>
-        </p:txBody>
-      </p:sp>
-    </p:spTree>
-    <p:extLst>
-      <p:ext uri="{BB962C8B-B14F-4D97-AF65-F5344CB8AC3E}">
-        <p14:creationId xmlns:p14="http://schemas.microsoft.com/office/powerpoint/2010/main" val="4244150419"/>
-      </p:ext>
-    </p:extLst>
-  </p:cSld>
-  <p:clrMapOvr>
-    <a:masterClrMapping/>
-  </p:clrMapOvr>
-  <p:timing>
-    <p:tnLst>
-      <p:par>
-        <p:cTn id="1" dur="indefinite" restart="never" nodeType="tmRoot"/>
-      </p:par>
-    </p:tnLst>
-  </p:timing>
-</p:sld>
-</file>
-
 <file path=ppt/slides/slide3.xml><?xml version="1.0" encoding="utf-8"?>
 <p:sld xmlns:a="http://schemas.openxmlformats.org/drawingml/2006/main" xmlns:r="http://schemas.openxmlformats.org/officeDocument/2006/relationships" xmlns:p="http://schemas.openxmlformats.org/presentationml/2006/main">
   <p:cSld>
@@ -14017,6 +14168,1201 @@
           <a:p>
             <a:r>
               <a:rPr lang="zh-CN" altLang="en-US" dirty="0"/>
+              <a:t>易形码入门（</a:t>
+            </a:r>
+            <a:r>
+              <a:rPr lang="en-US" altLang="zh-CN" dirty="0" smtClean="0"/>
+              <a:t>16</a:t>
+            </a:r>
+            <a:r>
+              <a:rPr lang="zh-CN" altLang="en-US" dirty="0" smtClean="0"/>
+              <a:t>）</a:t>
+            </a:r>
+            <a:endParaRPr lang="zh-CN" altLang="en-US" dirty="0"/>
+          </a:p>
+        </p:txBody>
+      </p:sp>
+      <p:sp>
+        <p:nvSpPr>
+          <p:cNvPr id="3" name="内容占位符 2"/>
+          <p:cNvSpPr>
+            <a:spLocks noGrp="1"/>
+          </p:cNvSpPr>
+          <p:nvPr>
+            <p:ph idx="1"/>
+          </p:nvPr>
+        </p:nvSpPr>
+        <p:spPr/>
+        <p:txBody>
+          <a:bodyPr/>
+          <a:lstStyle/>
+          <a:p>
+            <a:r>
+              <a:rPr lang="zh-CN" altLang="en-US" sz="1800" dirty="0" smtClean="0"/>
+              <a:t>键盘图说明：</a:t>
+            </a:r>
+            <a:endParaRPr lang="en-US" altLang="zh-CN" sz="1800" dirty="0" smtClean="0"/>
+          </a:p>
+          <a:p>
+            <a:r>
+              <a:rPr lang="zh-CN" altLang="en-US" sz="1800" dirty="0" smtClean="0"/>
+              <a:t>除</a:t>
+            </a:r>
+            <a:r>
+              <a:rPr lang="en-US" altLang="zh-CN" sz="1800" dirty="0" smtClean="0"/>
+              <a:t>Z</a:t>
+            </a:r>
+            <a:r>
+              <a:rPr lang="zh-CN" altLang="en-US" sz="1800" dirty="0" smtClean="0"/>
+              <a:t>键以下，键盘分为</a:t>
+            </a:r>
+            <a:r>
+              <a:rPr lang="en-US" altLang="zh-CN" sz="1800" dirty="0" smtClean="0"/>
+              <a:t>5</a:t>
+            </a:r>
+            <a:r>
+              <a:rPr lang="zh-CN" altLang="en-US" sz="1800" dirty="0" smtClean="0"/>
+              <a:t>组，每组</a:t>
+            </a:r>
+            <a:r>
+              <a:rPr lang="en-US" altLang="zh-CN" sz="1800" dirty="0" smtClean="0"/>
+              <a:t>5</a:t>
+            </a:r>
+            <a:r>
+              <a:rPr lang="zh-CN" altLang="en-US" sz="1800" dirty="0" smtClean="0"/>
+              <a:t>个键。每一组的的键盘数字编码的十位都是相同的。</a:t>
+            </a:r>
+            <a:endParaRPr lang="en-US" altLang="zh-CN" sz="1800" dirty="0" smtClean="0"/>
+          </a:p>
+          <a:p>
+            <a:r>
+              <a:rPr lang="zh-CN" altLang="en-US" sz="1800" dirty="0" smtClean="0"/>
+              <a:t>键上的数字编码与笔画的对应关系是：</a:t>
+            </a:r>
+            <a:endParaRPr lang="en-US" altLang="zh-CN" sz="1800" dirty="0" smtClean="0"/>
+          </a:p>
+          <a:p>
+            <a:r>
+              <a:rPr lang="en-US" altLang="zh-CN" sz="1800" dirty="0" smtClean="0"/>
+              <a:t>1</a:t>
+            </a:r>
+            <a:r>
+              <a:rPr lang="zh-CN" altLang="en-US" sz="1800" dirty="0" smtClean="0"/>
+              <a:t>：横，</a:t>
+            </a:r>
+            <a:r>
+              <a:rPr lang="en-US" altLang="zh-CN" sz="1800" dirty="0" smtClean="0"/>
+              <a:t>2</a:t>
+            </a:r>
+            <a:r>
+              <a:rPr lang="zh-CN" altLang="en-US" sz="1800" dirty="0" smtClean="0"/>
+              <a:t>：竖，</a:t>
+            </a:r>
+            <a:r>
+              <a:rPr lang="en-US" altLang="zh-CN" sz="1800" dirty="0" smtClean="0"/>
+              <a:t>3</a:t>
+            </a:r>
+            <a:r>
+              <a:rPr lang="zh-CN" altLang="en-US" sz="1800" dirty="0" smtClean="0"/>
+              <a:t>：撇，</a:t>
+            </a:r>
+            <a:r>
+              <a:rPr lang="en-US" altLang="zh-CN" sz="1800" dirty="0" smtClean="0"/>
+              <a:t>4</a:t>
+            </a:r>
+            <a:r>
+              <a:rPr lang="zh-CN" altLang="en-US" sz="1800" dirty="0" smtClean="0"/>
+              <a:t>：捺，</a:t>
+            </a:r>
+            <a:r>
+              <a:rPr lang="en-US" altLang="zh-CN" sz="1800" dirty="0" smtClean="0"/>
+              <a:t>5</a:t>
+            </a:r>
+            <a:r>
+              <a:rPr lang="zh-CN" altLang="en-US" sz="1800" dirty="0" smtClean="0"/>
+              <a:t>：折</a:t>
+            </a:r>
+            <a:endParaRPr lang="en-US" altLang="zh-CN" sz="1800" dirty="0" smtClean="0"/>
+          </a:p>
+          <a:p>
+            <a:r>
+              <a:rPr lang="zh-CN" altLang="en-US" sz="1800" dirty="0"/>
+              <a:t>键盘数字编码</a:t>
+            </a:r>
+            <a:r>
+              <a:rPr lang="zh-CN" altLang="en-US" sz="1800" dirty="0" smtClean="0"/>
+              <a:t>的个位表示与其组合的笔画，即，是组合码的后一笔画，或组件码的末笔。其中，</a:t>
+            </a:r>
+            <a:r>
+              <a:rPr lang="en-US" altLang="zh-CN" sz="1800" dirty="0" smtClean="0"/>
+              <a:t>11,21,31,41,51</a:t>
+            </a:r>
+            <a:r>
+              <a:rPr lang="zh-CN" altLang="en-US" sz="1800" dirty="0" smtClean="0"/>
+              <a:t>，即，</a:t>
+            </a:r>
+            <a:r>
+              <a:rPr lang="en-US" altLang="zh-CN" sz="1800" dirty="0" smtClean="0"/>
+              <a:t>G</a:t>
+            </a:r>
+            <a:r>
+              <a:rPr lang="zh-CN" altLang="en-US" sz="1800" dirty="0" smtClean="0"/>
+              <a:t>，</a:t>
+            </a:r>
+            <a:r>
+              <a:rPr lang="en-US" altLang="zh-CN" sz="1800" dirty="0" smtClean="0"/>
+              <a:t>H</a:t>
+            </a:r>
+            <a:r>
+              <a:rPr lang="zh-CN" altLang="en-US" sz="1800" dirty="0" smtClean="0"/>
+              <a:t>，</a:t>
+            </a:r>
+            <a:r>
+              <a:rPr lang="en-US" altLang="zh-CN" sz="1800" dirty="0" smtClean="0"/>
+              <a:t>T</a:t>
+            </a:r>
+            <a:r>
+              <a:rPr lang="zh-CN" altLang="en-US" sz="1800" dirty="0" smtClean="0"/>
+              <a:t>，</a:t>
+            </a:r>
+            <a:r>
+              <a:rPr lang="en-US" altLang="zh-CN" sz="1800" dirty="0" smtClean="0"/>
+              <a:t>Y</a:t>
+            </a:r>
+            <a:r>
+              <a:rPr lang="zh-CN" altLang="en-US" sz="1800" dirty="0" smtClean="0"/>
+              <a:t>，</a:t>
+            </a:r>
+            <a:r>
+              <a:rPr lang="en-US" altLang="zh-CN" sz="1800" dirty="0" smtClean="0"/>
+              <a:t>N</a:t>
+            </a:r>
+            <a:r>
+              <a:rPr lang="zh-CN" altLang="en-US" sz="1800" dirty="0" smtClean="0"/>
+              <a:t>同时还分别表示横竖撇捺折的单笔画。</a:t>
+            </a:r>
+            <a:endParaRPr lang="en-US" altLang="zh-CN" sz="1800" dirty="0" smtClean="0"/>
+          </a:p>
+          <a:p>
+            <a:r>
+              <a:rPr lang="zh-CN" altLang="en-US" sz="1800" dirty="0" smtClean="0"/>
+              <a:t>对于识别码，数字与识别码与汉字结构的对应关系为：</a:t>
+            </a:r>
+            <a:endParaRPr lang="en-US" altLang="zh-CN" sz="1800" dirty="0" smtClean="0"/>
+          </a:p>
+          <a:p>
+            <a:r>
+              <a:rPr lang="en-US" altLang="zh-CN" sz="1800" dirty="0" smtClean="0"/>
+              <a:t>1</a:t>
+            </a:r>
+            <a:r>
+              <a:rPr lang="zh-CN" altLang="en-US" sz="1800" dirty="0" smtClean="0"/>
+              <a:t>：独体</a:t>
+            </a:r>
+            <a:r>
+              <a:rPr lang="zh-CN" altLang="en-US" sz="1800" dirty="0"/>
+              <a:t>结构</a:t>
+            </a:r>
+            <a:r>
+              <a:rPr lang="zh-CN" altLang="en-US" sz="1800" dirty="0" smtClean="0"/>
+              <a:t>、</a:t>
+            </a:r>
+            <a:r>
+              <a:rPr lang="en-US" altLang="zh-CN" sz="1800" dirty="0" smtClean="0"/>
+              <a:t>2</a:t>
+            </a:r>
+            <a:r>
+              <a:rPr lang="zh-CN" altLang="en-US" sz="1800" dirty="0" smtClean="0"/>
+              <a:t>：左右结构</a:t>
+            </a:r>
+            <a:r>
+              <a:rPr lang="en-US" altLang="zh-CN" sz="1800" dirty="0" smtClean="0"/>
+              <a:t>:3</a:t>
+            </a:r>
+            <a:r>
+              <a:rPr lang="zh-CN" altLang="en-US" sz="1800" dirty="0" smtClean="0"/>
+              <a:t>：上下结构</a:t>
+            </a:r>
+            <a:r>
+              <a:rPr lang="zh-CN" altLang="en-US" sz="1800" dirty="0"/>
+              <a:t>，</a:t>
+            </a:r>
+            <a:r>
+              <a:rPr lang="en-US" altLang="zh-CN" sz="1800" dirty="0" smtClean="0"/>
+              <a:t>4</a:t>
+            </a:r>
+            <a:r>
+              <a:rPr lang="zh-CN" altLang="en-US" sz="1800" dirty="0" smtClean="0"/>
+              <a:t>：包围</a:t>
+            </a:r>
+            <a:r>
+              <a:rPr lang="zh-CN" altLang="en-US" sz="1800" dirty="0"/>
+              <a:t>结构</a:t>
+            </a:r>
+            <a:r>
+              <a:rPr lang="zh-CN" altLang="en-US" sz="1800" dirty="0" smtClean="0"/>
+              <a:t>、</a:t>
+            </a:r>
+            <a:r>
+              <a:rPr lang="en-US" altLang="zh-CN" sz="1800" dirty="0" smtClean="0"/>
+              <a:t>5</a:t>
+            </a:r>
+            <a:r>
+              <a:rPr lang="zh-CN" altLang="en-US" sz="1800" dirty="0" smtClean="0"/>
+              <a:t>：复杂结构</a:t>
+            </a:r>
+            <a:endParaRPr lang="en-US" altLang="zh-CN" sz="1800" dirty="0" smtClean="0"/>
+          </a:p>
+          <a:p>
+            <a:r>
+              <a:rPr lang="zh-CN" altLang="en-US" sz="1800" dirty="0" smtClean="0"/>
+              <a:t>识别码的十位，代表末笔的笔画，个位则代码汉字的结构。</a:t>
+            </a:r>
+            <a:endParaRPr lang="en-US" altLang="zh-CN" sz="1800" dirty="0" smtClean="0"/>
+          </a:p>
+          <a:p>
+            <a:r>
+              <a:rPr lang="zh-CN" altLang="en-US" sz="1800" dirty="0" smtClean="0"/>
+              <a:t>同时，所有编码都是规则的。</a:t>
+            </a:r>
+            <a:endParaRPr lang="en-US" altLang="zh-CN" sz="1800" dirty="0" smtClean="0"/>
+          </a:p>
+          <a:p>
+            <a:endParaRPr lang="en-US" altLang="zh-CN" dirty="0" smtClean="0"/>
+          </a:p>
+          <a:p>
+            <a:endParaRPr lang="en-US" altLang="zh-CN" dirty="0" smtClean="0"/>
+          </a:p>
+          <a:p>
+            <a:endParaRPr lang="en-US" altLang="zh-CN" dirty="0" smtClean="0"/>
+          </a:p>
+          <a:p>
+            <a:endParaRPr lang="zh-CN" altLang="en-US" dirty="0"/>
+          </a:p>
+        </p:txBody>
+      </p:sp>
+    </p:spTree>
+    <p:extLst>
+      <p:ext uri="{BB962C8B-B14F-4D97-AF65-F5344CB8AC3E}">
+        <p14:creationId xmlns:p14="http://schemas.microsoft.com/office/powerpoint/2010/main" val="3377263848"/>
+      </p:ext>
+    </p:extLst>
+  </p:cSld>
+  <p:clrMapOvr>
+    <a:masterClrMapping/>
+  </p:clrMapOvr>
+  <p:timing>
+    <p:tnLst>
+      <p:par>
+        <p:cTn id="1" dur="indefinite" restart="never" nodeType="tmRoot"/>
+      </p:par>
+    </p:tnLst>
+  </p:timing>
+</p:sld>
+</file>
+
+<file path=ppt/slides/slide31.xml><?xml version="1.0" encoding="utf-8"?>
+<p:sld xmlns:a="http://schemas.openxmlformats.org/drawingml/2006/main" xmlns:r="http://schemas.openxmlformats.org/officeDocument/2006/relationships" xmlns:p="http://schemas.openxmlformats.org/presentationml/2006/main">
+  <p:cSld>
+    <p:spTree>
+      <p:nvGrpSpPr>
+        <p:cNvPr id="1" name=""/>
+        <p:cNvGrpSpPr/>
+        <p:nvPr/>
+      </p:nvGrpSpPr>
+      <p:grpSpPr>
+        <a:xfrm>
+          <a:off x="0" y="0"/>
+          <a:ext cx="0" cy="0"/>
+          <a:chOff x="0" y="0"/>
+          <a:chExt cx="0" cy="0"/>
+        </a:xfrm>
+      </p:grpSpPr>
+      <p:sp>
+        <p:nvSpPr>
+          <p:cNvPr id="2" name="标题 1"/>
+          <p:cNvSpPr>
+            <a:spLocks noGrp="1"/>
+          </p:cNvSpPr>
+          <p:nvPr>
+            <p:ph type="title"/>
+          </p:nvPr>
+        </p:nvSpPr>
+        <p:spPr/>
+        <p:txBody>
+          <a:bodyPr/>
+          <a:lstStyle/>
+          <a:p>
+            <a:r>
+              <a:rPr lang="zh-CN" altLang="en-US" dirty="0"/>
+              <a:t>易形码入门（</a:t>
+            </a:r>
+            <a:r>
+              <a:rPr lang="en-US" altLang="zh-CN" dirty="0" smtClean="0"/>
+              <a:t>17</a:t>
+            </a:r>
+            <a:r>
+              <a:rPr lang="zh-CN" altLang="en-US" dirty="0" smtClean="0"/>
+              <a:t>）</a:t>
+            </a:r>
+            <a:endParaRPr lang="zh-CN" altLang="en-US" dirty="0"/>
+          </a:p>
+        </p:txBody>
+      </p:sp>
+      <p:sp>
+        <p:nvSpPr>
+          <p:cNvPr id="3" name="内容占位符 2"/>
+          <p:cNvSpPr>
+            <a:spLocks noGrp="1"/>
+          </p:cNvSpPr>
+          <p:nvPr>
+            <p:ph idx="1"/>
+          </p:nvPr>
+        </p:nvSpPr>
+        <p:spPr/>
+        <p:txBody>
+          <a:bodyPr/>
+          <a:lstStyle/>
+          <a:p>
+            <a:r>
+              <a:rPr lang="zh-CN" altLang="en-US" dirty="0" smtClean="0"/>
+              <a:t>九、特别说明</a:t>
+            </a:r>
+            <a:endParaRPr lang="en-US" altLang="zh-CN" dirty="0" smtClean="0"/>
+          </a:p>
+          <a:p>
+            <a:r>
+              <a:rPr lang="en-US" altLang="zh-CN" sz="2000" dirty="0" smtClean="0"/>
+              <a:t>1</a:t>
+            </a:r>
+            <a:r>
+              <a:rPr lang="zh-CN" altLang="en-US" sz="2000" dirty="0" smtClean="0"/>
+              <a:t>、易形码完全按字型笔画取码，所以，汉字与其相关的偏旁编码不同。这样做的目的，是减少学习本输入法所需的知识量。比如：亻是人的左偏旁，但人的编码是</a:t>
+            </a:r>
+            <a:r>
+              <a:rPr lang="en-US" altLang="zh-CN" sz="2000" dirty="0" smtClean="0"/>
+              <a:t>W</a:t>
+            </a:r>
+            <a:r>
+              <a:rPr lang="zh-CN" altLang="en-US" sz="2000" dirty="0" smtClean="0"/>
+              <a:t>，而亻编码是</a:t>
+            </a:r>
+            <a:r>
+              <a:rPr lang="en-US" altLang="zh-CN" sz="2000" dirty="0" smtClean="0"/>
+              <a:t>R</a:t>
+            </a:r>
+            <a:r>
+              <a:rPr lang="zh-CN" altLang="en-US" sz="2000" dirty="0" smtClean="0"/>
+              <a:t>。同样</a:t>
+            </a:r>
+            <a:r>
+              <a:rPr lang="zh-CN" altLang="en-US" sz="2000" dirty="0"/>
+              <a:t>，金，繁体的</a:t>
+            </a:r>
+            <a:r>
+              <a:rPr lang="zh-CN" altLang="en-US" sz="2000" dirty="0" smtClean="0"/>
+              <a:t>釒编码是</a:t>
+            </a:r>
+            <a:r>
+              <a:rPr lang="en-US" altLang="zh-CN" sz="2000" dirty="0" smtClean="0"/>
+              <a:t>T</a:t>
+            </a:r>
+            <a:r>
+              <a:rPr lang="zh-CN" altLang="en-US" sz="2000" dirty="0"/>
+              <a:t>，而简体的</a:t>
+            </a:r>
+            <a:r>
+              <a:rPr lang="zh-CN" altLang="en-US" sz="2000" dirty="0" smtClean="0"/>
+              <a:t>钅编码是</a:t>
+            </a:r>
+            <a:r>
+              <a:rPr lang="en-US" altLang="zh-CN" sz="2000" dirty="0" smtClean="0"/>
+              <a:t>Q</a:t>
+            </a:r>
+          </a:p>
+          <a:p>
+            <a:r>
+              <a:rPr lang="en-US" altLang="zh-CN" sz="2000" dirty="0" smtClean="0"/>
+              <a:t>2</a:t>
+            </a:r>
+            <a:r>
+              <a:rPr lang="zh-CN" altLang="en-US" sz="2000" dirty="0" smtClean="0"/>
+              <a:t>、</a:t>
+            </a:r>
+            <a:r>
+              <a:rPr lang="zh-CN" altLang="en-US" sz="2000" dirty="0"/>
+              <a:t>易</a:t>
+            </a:r>
+            <a:r>
+              <a:rPr lang="zh-CN" altLang="en-US" sz="2000" dirty="0" smtClean="0"/>
+              <a:t>形码仅有个别组件打破了书写顺序。这些组件是：匚，比如，区，编码是：</a:t>
+            </a:r>
+            <a:r>
+              <a:rPr lang="en-US" altLang="zh-CN" sz="2000" dirty="0" smtClean="0"/>
+              <a:t>AQ</a:t>
+            </a:r>
+            <a:r>
+              <a:rPr lang="zh-CN" altLang="en-US" sz="2000" dirty="0" smtClean="0"/>
+              <a:t>。囗，比如：国，编码，</a:t>
+            </a:r>
+            <a:r>
+              <a:rPr lang="en-US" altLang="zh-CN" sz="2000" dirty="0" smtClean="0"/>
+              <a:t>JF</a:t>
+            </a:r>
+            <a:r>
+              <a:rPr lang="zh-CN" altLang="en-US" sz="2000" dirty="0" smtClean="0"/>
+              <a:t>。其次是复杂结构，比如：爽，编码是</a:t>
+            </a:r>
+            <a:r>
+              <a:rPr lang="en-US" altLang="zh-CN" sz="2000" dirty="0" smtClean="0"/>
+              <a:t>SQQQ</a:t>
+            </a:r>
+            <a:r>
+              <a:rPr lang="zh-CN" altLang="en-US" sz="2000" dirty="0" smtClean="0"/>
+              <a:t>。所有这些，都是为了维护组件不拆的原则，同时，对于单个组件，书写顺序与实际书写是一致的。比如 ，非，编码是</a:t>
+            </a:r>
+            <a:r>
+              <a:rPr lang="en-US" altLang="zh-CN" sz="2000" dirty="0" smtClean="0"/>
+              <a:t>JDDA</a:t>
+            </a:r>
+          </a:p>
+          <a:p>
+            <a:endParaRPr lang="zh-CN" altLang="en-US" sz="2000" dirty="0"/>
+          </a:p>
+        </p:txBody>
+      </p:sp>
+    </p:spTree>
+    <p:extLst>
+      <p:ext uri="{BB962C8B-B14F-4D97-AF65-F5344CB8AC3E}">
+        <p14:creationId xmlns:p14="http://schemas.microsoft.com/office/powerpoint/2010/main" val="4248368919"/>
+      </p:ext>
+    </p:extLst>
+  </p:cSld>
+  <p:clrMapOvr>
+    <a:masterClrMapping/>
+  </p:clrMapOvr>
+</p:sld>
+</file>
+
+<file path=ppt/slides/slide32.xml><?xml version="1.0" encoding="utf-8"?>
+<p:sld xmlns:a="http://schemas.openxmlformats.org/drawingml/2006/main" xmlns:r="http://schemas.openxmlformats.org/officeDocument/2006/relationships" xmlns:p="http://schemas.openxmlformats.org/presentationml/2006/main">
+  <p:cSld>
+    <p:spTree>
+      <p:nvGrpSpPr>
+        <p:cNvPr id="1" name=""/>
+        <p:cNvGrpSpPr/>
+        <p:nvPr/>
+      </p:nvGrpSpPr>
+      <p:grpSpPr>
+        <a:xfrm>
+          <a:off x="0" y="0"/>
+          <a:ext cx="0" cy="0"/>
+          <a:chOff x="0" y="0"/>
+          <a:chExt cx="0" cy="0"/>
+        </a:xfrm>
+      </p:grpSpPr>
+      <p:sp>
+        <p:nvSpPr>
+          <p:cNvPr id="2" name="标题 1"/>
+          <p:cNvSpPr>
+            <a:spLocks noGrp="1"/>
+          </p:cNvSpPr>
+          <p:nvPr>
+            <p:ph type="title"/>
+          </p:nvPr>
+        </p:nvSpPr>
+        <p:spPr/>
+        <p:txBody>
+          <a:bodyPr/>
+          <a:lstStyle/>
+          <a:p>
+            <a:r>
+              <a:rPr lang="zh-CN" altLang="en-US" dirty="0" smtClean="0"/>
+              <a:t>总结</a:t>
+            </a:r>
+            <a:endParaRPr lang="zh-CN" altLang="en-US" dirty="0"/>
+          </a:p>
+        </p:txBody>
+      </p:sp>
+      <p:sp>
+        <p:nvSpPr>
+          <p:cNvPr id="3" name="内容占位符 2"/>
+          <p:cNvSpPr>
+            <a:spLocks noGrp="1"/>
+          </p:cNvSpPr>
+          <p:nvPr>
+            <p:ph idx="1"/>
+          </p:nvPr>
+        </p:nvSpPr>
+        <p:spPr/>
+        <p:txBody>
+          <a:bodyPr/>
+          <a:lstStyle/>
+          <a:p>
+            <a:r>
+              <a:rPr lang="zh-CN" altLang="en-US" dirty="0" smtClean="0"/>
+              <a:t>所有易形码输入法的规则就是以上</a:t>
+            </a:r>
+            <a:r>
+              <a:rPr lang="en-US" altLang="zh-CN" dirty="0" smtClean="0"/>
+              <a:t>10</a:t>
+            </a:r>
+            <a:r>
+              <a:rPr lang="zh-CN" altLang="en-US" dirty="0" smtClean="0"/>
+              <a:t>多页</a:t>
+            </a:r>
+            <a:r>
+              <a:rPr lang="en-US" altLang="zh-CN" dirty="0" smtClean="0"/>
+              <a:t>PPT</a:t>
+            </a:r>
+            <a:r>
+              <a:rPr lang="zh-CN" altLang="en-US" dirty="0" smtClean="0"/>
+              <a:t>。所有内容总结如下：</a:t>
+            </a:r>
+            <a:endParaRPr lang="en-US" altLang="zh-CN" dirty="0" smtClean="0"/>
+          </a:p>
+          <a:p>
+            <a:r>
+              <a:rPr lang="zh-CN" altLang="en-US" dirty="0" smtClean="0"/>
+              <a:t>五种笔画分类，三种笔画关系</a:t>
+            </a:r>
+            <a:endParaRPr lang="en-US" altLang="zh-CN" dirty="0" smtClean="0"/>
+          </a:p>
+          <a:p>
+            <a:r>
+              <a:rPr lang="zh-CN" altLang="en-US" dirty="0" smtClean="0"/>
+              <a:t>五种汉字结构，四种编码分类</a:t>
+            </a:r>
+            <a:endParaRPr lang="en-US" altLang="zh-CN" dirty="0" smtClean="0"/>
+          </a:p>
+          <a:p>
+            <a:r>
+              <a:rPr lang="zh-CN" altLang="en-US" dirty="0" smtClean="0"/>
+              <a:t>五个拆字原则，六种取码方法</a:t>
+            </a:r>
+            <a:endParaRPr lang="en-US" altLang="zh-CN" dirty="0" smtClean="0"/>
+          </a:p>
+          <a:p>
+            <a:r>
+              <a:rPr lang="zh-CN" altLang="en-US" dirty="0" smtClean="0"/>
+              <a:t>掌握以上所有这些内容，一般为三到五分钟。至于练习上手，一般仅需要一到二小时。</a:t>
+            </a:r>
+            <a:endParaRPr lang="en-US" altLang="zh-CN" dirty="0" smtClean="0"/>
+          </a:p>
+          <a:p>
+            <a:endParaRPr lang="en-US" altLang="zh-CN" dirty="0"/>
+          </a:p>
+          <a:p>
+            <a:r>
+              <a:rPr lang="zh-CN" altLang="en-US" dirty="0" smtClean="0"/>
+              <a:t>主要因为，易形码是完全规则的。没有例外。</a:t>
+            </a:r>
+            <a:endParaRPr lang="en-US" altLang="zh-CN" dirty="0" smtClean="0"/>
+          </a:p>
+          <a:p>
+            <a:endParaRPr lang="en-US" altLang="zh-CN" dirty="0" smtClean="0"/>
+          </a:p>
+          <a:p>
+            <a:endParaRPr lang="en-US" altLang="zh-CN" dirty="0" smtClean="0"/>
+          </a:p>
+          <a:p>
+            <a:endParaRPr lang="zh-CN" altLang="en-US" dirty="0"/>
+          </a:p>
+        </p:txBody>
+      </p:sp>
+    </p:spTree>
+    <p:extLst>
+      <p:ext uri="{BB962C8B-B14F-4D97-AF65-F5344CB8AC3E}">
+        <p14:creationId xmlns:p14="http://schemas.microsoft.com/office/powerpoint/2010/main" val="2067082032"/>
+      </p:ext>
+    </p:extLst>
+  </p:cSld>
+  <p:clrMapOvr>
+    <a:masterClrMapping/>
+  </p:clrMapOvr>
+  <p:timing>
+    <p:tnLst>
+      <p:par>
+        <p:cTn id="1" dur="indefinite" restart="never" nodeType="tmRoot"/>
+      </p:par>
+    </p:tnLst>
+  </p:timing>
+</p:sld>
+</file>
+
+<file path=ppt/slides/slide33.xml><?xml version="1.0" encoding="utf-8"?>
+<p:sld xmlns:a="http://schemas.openxmlformats.org/drawingml/2006/main" xmlns:r="http://schemas.openxmlformats.org/officeDocument/2006/relationships" xmlns:p="http://schemas.openxmlformats.org/presentationml/2006/main">
+  <p:cSld>
+    <p:spTree>
+      <p:nvGrpSpPr>
+        <p:cNvPr id="1" name=""/>
+        <p:cNvGrpSpPr/>
+        <p:nvPr/>
+      </p:nvGrpSpPr>
+      <p:grpSpPr>
+        <a:xfrm>
+          <a:off x="0" y="0"/>
+          <a:ext cx="0" cy="0"/>
+          <a:chOff x="0" y="0"/>
+          <a:chExt cx="0" cy="0"/>
+        </a:xfrm>
+      </p:grpSpPr>
+      <p:sp>
+        <p:nvSpPr>
+          <p:cNvPr id="2" name="标题 1"/>
+          <p:cNvSpPr>
+            <a:spLocks noGrp="1"/>
+          </p:cNvSpPr>
+          <p:nvPr>
+            <p:ph type="title"/>
+          </p:nvPr>
+        </p:nvSpPr>
+        <p:spPr/>
+        <p:txBody>
+          <a:bodyPr/>
+          <a:lstStyle/>
+          <a:p>
+            <a:r>
+              <a:rPr lang="zh-CN" altLang="en-US" dirty="0" smtClean="0"/>
+              <a:t>易形码的创新</a:t>
+            </a:r>
+            <a:endParaRPr lang="zh-CN" altLang="en-US" dirty="0"/>
+          </a:p>
+        </p:txBody>
+      </p:sp>
+      <p:sp>
+        <p:nvSpPr>
+          <p:cNvPr id="3" name="内容占位符 2"/>
+          <p:cNvSpPr>
+            <a:spLocks noGrp="1"/>
+          </p:cNvSpPr>
+          <p:nvPr>
+            <p:ph idx="1"/>
+          </p:nvPr>
+        </p:nvSpPr>
+        <p:spPr/>
+        <p:txBody>
+          <a:bodyPr/>
+          <a:lstStyle/>
+          <a:p>
+            <a:r>
+              <a:rPr lang="zh-CN" altLang="en-US" sz="2000" dirty="0" smtClean="0"/>
+              <a:t>一、取组件的首笔与末笔进行编码。</a:t>
+            </a:r>
+            <a:endParaRPr lang="en-US" altLang="zh-CN" sz="2000" dirty="0" smtClean="0"/>
+          </a:p>
+          <a:p>
+            <a:r>
+              <a:rPr lang="zh-CN" altLang="en-US" sz="2000" dirty="0" smtClean="0"/>
+              <a:t>二、完全基于笔画给组合，抛弃偏旁部首以及字根的概念，直接按汉字的自然结构拆分。</a:t>
+            </a:r>
+            <a:endParaRPr lang="en-US" altLang="zh-CN" sz="2000" dirty="0" smtClean="0"/>
+          </a:p>
+          <a:p>
+            <a:r>
+              <a:rPr lang="zh-CN" altLang="en-US" sz="2000" dirty="0"/>
+              <a:t>三</a:t>
+            </a:r>
+            <a:r>
+              <a:rPr lang="zh-CN" altLang="en-US" sz="2000" dirty="0" smtClean="0"/>
+              <a:t>、基于五种结构的识别码，降低重吗。</a:t>
+            </a:r>
+            <a:endParaRPr lang="en-US" altLang="zh-CN" sz="2000" dirty="0" smtClean="0"/>
+          </a:p>
+          <a:p>
+            <a:r>
+              <a:rPr lang="zh-CN" altLang="en-US" sz="2000" dirty="0" smtClean="0"/>
+              <a:t>四、编码严格规则化，没有例外</a:t>
+            </a:r>
+            <a:endParaRPr lang="en-US" altLang="zh-CN" sz="2000" dirty="0" smtClean="0"/>
+          </a:p>
+          <a:p>
+            <a:r>
+              <a:rPr lang="zh-CN" altLang="en-US" sz="2000" dirty="0" smtClean="0"/>
+              <a:t>五、易形码未使用偏旁，字根等中国特有元素，因而，在中日韩，具有其它输入法所没有的国际通用性。</a:t>
+            </a:r>
+            <a:endParaRPr lang="en-US" altLang="zh-CN" sz="2000" dirty="0" smtClean="0"/>
+          </a:p>
+          <a:p>
+            <a:r>
+              <a:rPr lang="zh-CN" altLang="en-US" sz="2000" dirty="0" smtClean="0"/>
+              <a:t>六、以最小的知识量，定义输入法的规则。</a:t>
+            </a:r>
+            <a:endParaRPr lang="en-US" altLang="zh-CN" sz="2000" dirty="0" smtClean="0"/>
+          </a:p>
+          <a:p>
+            <a:r>
+              <a:rPr lang="zh-CN" altLang="en-US" sz="2000" dirty="0" smtClean="0"/>
+              <a:t>七、简繁体一体，完全按字形打。</a:t>
+            </a:r>
+            <a:endParaRPr lang="en-US" altLang="zh-CN" sz="2000" dirty="0" smtClean="0"/>
+          </a:p>
+          <a:p>
+            <a:r>
+              <a:rPr lang="zh-CN" altLang="en-US" sz="2000" dirty="0" smtClean="0"/>
+              <a:t>通过以上创新，易形码做到了：</a:t>
+            </a:r>
+            <a:endParaRPr lang="en-US" altLang="zh-CN" sz="2000" dirty="0" smtClean="0"/>
+          </a:p>
+          <a:p>
+            <a:r>
+              <a:rPr lang="zh-CN" altLang="en-US" sz="2000" dirty="0" smtClean="0"/>
+              <a:t>最规则，最易学</a:t>
+            </a:r>
+            <a:endParaRPr lang="zh-CN" altLang="en-US" sz="2000" dirty="0"/>
+          </a:p>
+        </p:txBody>
+      </p:sp>
+    </p:spTree>
+    <p:extLst>
+      <p:ext uri="{BB962C8B-B14F-4D97-AF65-F5344CB8AC3E}">
+        <p14:creationId xmlns:p14="http://schemas.microsoft.com/office/powerpoint/2010/main" val="3004855354"/>
+      </p:ext>
+    </p:extLst>
+  </p:cSld>
+  <p:clrMapOvr>
+    <a:masterClrMapping/>
+  </p:clrMapOvr>
+  <p:timing>
+    <p:tnLst>
+      <p:par>
+        <p:cTn id="1" dur="indefinite" restart="never" nodeType="tmRoot"/>
+      </p:par>
+    </p:tnLst>
+  </p:timing>
+</p:sld>
+</file>
+
+<file path=ppt/slides/slide34.xml><?xml version="1.0" encoding="utf-8"?>
+<p:sld xmlns:a="http://schemas.openxmlformats.org/drawingml/2006/main" xmlns:r="http://schemas.openxmlformats.org/officeDocument/2006/relationships" xmlns:p="http://schemas.openxmlformats.org/presentationml/2006/main">
+  <p:cSld>
+    <p:spTree>
+      <p:nvGrpSpPr>
+        <p:cNvPr id="1" name=""/>
+        <p:cNvGrpSpPr/>
+        <p:nvPr/>
+      </p:nvGrpSpPr>
+      <p:grpSpPr>
+        <a:xfrm>
+          <a:off x="0" y="0"/>
+          <a:ext cx="0" cy="0"/>
+          <a:chOff x="0" y="0"/>
+          <a:chExt cx="0" cy="0"/>
+        </a:xfrm>
+      </p:grpSpPr>
+      <p:sp>
+        <p:nvSpPr>
+          <p:cNvPr id="2" name="标题 1"/>
+          <p:cNvSpPr>
+            <a:spLocks noGrp="1"/>
+          </p:cNvSpPr>
+          <p:nvPr>
+            <p:ph type="title"/>
+          </p:nvPr>
+        </p:nvSpPr>
+        <p:spPr/>
+        <p:txBody>
+          <a:bodyPr/>
+          <a:lstStyle/>
+          <a:p>
+            <a:r>
+              <a:rPr lang="zh-CN" altLang="en-US" dirty="0" smtClean="0"/>
+              <a:t>市场机遇</a:t>
+            </a:r>
+            <a:endParaRPr lang="zh-CN" altLang="en-US" dirty="0"/>
+          </a:p>
+        </p:txBody>
+      </p:sp>
+      <p:sp>
+        <p:nvSpPr>
+          <p:cNvPr id="3" name="内容占位符 2"/>
+          <p:cNvSpPr>
+            <a:spLocks noGrp="1"/>
+          </p:cNvSpPr>
+          <p:nvPr>
+            <p:ph idx="1"/>
+          </p:nvPr>
+        </p:nvSpPr>
+        <p:spPr/>
+        <p:txBody>
+          <a:bodyPr/>
+          <a:lstStyle/>
+          <a:p>
+            <a:r>
+              <a:rPr lang="zh-CN" altLang="en-US" sz="1800" dirty="0"/>
+              <a:t>键盘输入法的地位</a:t>
+            </a:r>
+            <a:endParaRPr lang="en-US" altLang="zh-CN" sz="1800" dirty="0"/>
+          </a:p>
+          <a:p>
+            <a:pPr lvl="1"/>
+            <a:r>
+              <a:rPr lang="zh-CN" altLang="en-US" sz="1600" dirty="0"/>
+              <a:t>虽然，手写与语音，总是无法</a:t>
+            </a:r>
+            <a:r>
+              <a:rPr lang="zh-CN" altLang="en-US" sz="1600" dirty="0" smtClean="0"/>
+              <a:t>被替代</a:t>
+            </a:r>
+            <a:r>
+              <a:rPr lang="zh-CN" altLang="en-US" sz="1600" dirty="0"/>
+              <a:t>的。</a:t>
+            </a:r>
+            <a:endParaRPr lang="en-US" altLang="zh-CN" sz="1600" dirty="0"/>
+          </a:p>
+          <a:p>
+            <a:pPr lvl="2"/>
+            <a:r>
+              <a:rPr lang="zh-CN" altLang="en-US" sz="1400" dirty="0" smtClean="0"/>
+              <a:t>手写太慢</a:t>
+            </a:r>
+            <a:endParaRPr lang="en-US" altLang="zh-CN" sz="1400" dirty="0" smtClean="0"/>
+          </a:p>
+          <a:p>
+            <a:pPr lvl="2"/>
+            <a:r>
+              <a:rPr lang="zh-CN" altLang="en-US" sz="1400" dirty="0" smtClean="0"/>
+              <a:t>语音一样不能输入不认识的字</a:t>
+            </a:r>
+            <a:endParaRPr lang="en-US" altLang="zh-CN" sz="1400" dirty="0" smtClean="0"/>
+          </a:p>
+          <a:p>
+            <a:pPr lvl="2"/>
+            <a:r>
+              <a:rPr lang="zh-CN" altLang="en-US" sz="1400" dirty="0" smtClean="0"/>
+              <a:t>拼音重码多，不认识的录不了</a:t>
+            </a:r>
+            <a:endParaRPr lang="en-US" altLang="zh-CN" sz="1400" dirty="0" smtClean="0"/>
+          </a:p>
+          <a:p>
+            <a:pPr lvl="2"/>
+            <a:r>
+              <a:rPr lang="zh-CN" altLang="en-US" sz="1400" dirty="0" smtClean="0"/>
+              <a:t>五笔难学</a:t>
+            </a:r>
+            <a:r>
+              <a:rPr lang="en-US" altLang="zh-CN" sz="1400" dirty="0" smtClean="0"/>
+              <a:t> </a:t>
+            </a:r>
+          </a:p>
+          <a:p>
+            <a:r>
+              <a:rPr lang="zh-CN" altLang="en-US" sz="1600" dirty="0" smtClean="0"/>
+              <a:t>国外输入法，对外汉语市场无人关注</a:t>
+            </a:r>
+            <a:endParaRPr lang="en-US" altLang="zh-CN" sz="1600" dirty="0" smtClean="0"/>
+          </a:p>
+          <a:p>
+            <a:pPr lvl="1"/>
+            <a:r>
+              <a:rPr lang="zh-CN" altLang="en-US" sz="1600" dirty="0" smtClean="0"/>
+              <a:t>目前国外的汉语热。国外市场仍没有很好的供应商。</a:t>
+            </a:r>
+            <a:endParaRPr lang="en-US" altLang="zh-CN" sz="1600" dirty="0" smtClean="0"/>
+          </a:p>
+          <a:p>
+            <a:pPr lvl="1"/>
+            <a:r>
+              <a:rPr lang="zh-CN" altLang="en-US" sz="1600" dirty="0" smtClean="0"/>
+              <a:t>设想，好的西班语，好的阿拉伯语输入法都是集成易形码中文的，结果会如何？</a:t>
+            </a:r>
+            <a:endParaRPr lang="en-US" altLang="zh-CN" sz="1600" dirty="0" smtClean="0"/>
+          </a:p>
+          <a:p>
+            <a:pPr lvl="1"/>
+            <a:r>
+              <a:rPr lang="zh-CN" altLang="en-US" sz="1600" dirty="0" smtClean="0"/>
+              <a:t>同样，英语也是需要的，因为，表请</a:t>
+            </a:r>
+            <a:r>
+              <a:rPr lang="en-US" altLang="zh-CN" sz="1600" dirty="0" err="1" smtClean="0"/>
+              <a:t>Emoji</a:t>
+            </a:r>
+            <a:r>
+              <a:rPr lang="zh-CN" altLang="en-US" sz="1600" dirty="0" smtClean="0"/>
+              <a:t>的集成，数字键盘的集成，以及特殊符号的录入，在手机端均是需要的。</a:t>
+            </a:r>
+            <a:endParaRPr lang="en-US" altLang="zh-CN" sz="1600" dirty="0" smtClean="0"/>
+          </a:p>
+          <a:p>
+            <a:pPr lvl="1"/>
+            <a:r>
+              <a:rPr lang="zh-CN" altLang="en-US" sz="1600" dirty="0" smtClean="0"/>
+              <a:t>海外市场中，中国的</a:t>
+            </a:r>
+            <a:r>
+              <a:rPr lang="en-US" altLang="zh-CN" sz="1600" dirty="0" err="1"/>
+              <a:t>Kika</a:t>
+            </a:r>
+            <a:r>
+              <a:rPr lang="zh-CN" altLang="en-US" sz="1600" dirty="0"/>
+              <a:t>算是一个成功的</a:t>
+            </a:r>
+            <a:r>
+              <a:rPr lang="zh-CN" altLang="en-US" sz="1600" dirty="0" smtClean="0"/>
+              <a:t>典型！！但是，除美国以下，还有一个具有很大价值的日韩！！</a:t>
+            </a:r>
+            <a:endParaRPr lang="en-US" altLang="zh-CN" sz="1800" dirty="0" smtClean="0"/>
+          </a:p>
+          <a:p>
+            <a:pPr lvl="1"/>
+            <a:endParaRPr lang="en-US" altLang="zh-CN" sz="1800" dirty="0" smtClean="0"/>
+          </a:p>
+          <a:p>
+            <a:pPr lvl="1"/>
+            <a:endParaRPr lang="zh-CN" altLang="en-US" dirty="0"/>
+          </a:p>
+        </p:txBody>
+      </p:sp>
+    </p:spTree>
+    <p:extLst>
+      <p:ext uri="{BB962C8B-B14F-4D97-AF65-F5344CB8AC3E}">
+        <p14:creationId xmlns:p14="http://schemas.microsoft.com/office/powerpoint/2010/main" val="2013520269"/>
+      </p:ext>
+    </p:extLst>
+  </p:cSld>
+  <p:clrMapOvr>
+    <a:masterClrMapping/>
+  </p:clrMapOvr>
+  <p:timing>
+    <p:tnLst>
+      <p:par>
+        <p:cTn id="1" dur="indefinite" restart="never" nodeType="tmRoot"/>
+      </p:par>
+    </p:tnLst>
+  </p:timing>
+</p:sld>
+</file>
+
+<file path=ppt/slides/slide35.xml><?xml version="1.0" encoding="utf-8"?>
+<p:sld xmlns:a="http://schemas.openxmlformats.org/drawingml/2006/main" xmlns:r="http://schemas.openxmlformats.org/officeDocument/2006/relationships" xmlns:p="http://schemas.openxmlformats.org/presentationml/2006/main">
+  <p:cSld>
+    <p:spTree>
+      <p:nvGrpSpPr>
+        <p:cNvPr id="1" name=""/>
+        <p:cNvGrpSpPr/>
+        <p:nvPr/>
+      </p:nvGrpSpPr>
+      <p:grpSpPr>
+        <a:xfrm>
+          <a:off x="0" y="0"/>
+          <a:ext cx="0" cy="0"/>
+          <a:chOff x="0" y="0"/>
+          <a:chExt cx="0" cy="0"/>
+        </a:xfrm>
+      </p:grpSpPr>
+      <p:sp>
+        <p:nvSpPr>
+          <p:cNvPr id="2" name="标题 1"/>
+          <p:cNvSpPr>
+            <a:spLocks noGrp="1"/>
+          </p:cNvSpPr>
+          <p:nvPr>
+            <p:ph type="title"/>
+          </p:nvPr>
+        </p:nvSpPr>
+        <p:spPr/>
+        <p:txBody>
+          <a:bodyPr/>
+          <a:lstStyle/>
+          <a:p>
+            <a:r>
+              <a:rPr lang="zh-CN" altLang="en-US" dirty="0" smtClean="0"/>
+              <a:t>市场机遇</a:t>
+            </a:r>
+            <a:endParaRPr lang="zh-CN" altLang="en-US" dirty="0"/>
+          </a:p>
+        </p:txBody>
+      </p:sp>
+      <p:sp>
+        <p:nvSpPr>
+          <p:cNvPr id="3" name="内容占位符 2"/>
+          <p:cNvSpPr>
+            <a:spLocks noGrp="1"/>
+          </p:cNvSpPr>
+          <p:nvPr>
+            <p:ph idx="1"/>
+          </p:nvPr>
+        </p:nvSpPr>
+        <p:spPr/>
+        <p:txBody>
+          <a:bodyPr/>
+          <a:lstStyle/>
+          <a:p>
+            <a:r>
+              <a:rPr lang="zh-CN" altLang="en-US" sz="1800" dirty="0" smtClean="0"/>
+              <a:t>大数据机遇</a:t>
+            </a:r>
+            <a:endParaRPr lang="en-US" altLang="zh-CN" sz="1800" dirty="0" smtClean="0"/>
+          </a:p>
+          <a:p>
+            <a:pPr lvl="1"/>
+            <a:r>
+              <a:rPr lang="zh-CN" altLang="en-US" sz="1600" dirty="0" smtClean="0"/>
+              <a:t>从输入 法拿到的用户数据基本都是：</a:t>
+            </a:r>
+            <a:endParaRPr lang="en-US" altLang="zh-CN" sz="1600" dirty="0" smtClean="0"/>
+          </a:p>
+          <a:p>
+            <a:pPr lvl="2"/>
+            <a:r>
+              <a:rPr lang="zh-CN" altLang="en-US" sz="1400" dirty="0" smtClean="0"/>
+              <a:t>网上搜索的</a:t>
+            </a:r>
+            <a:endParaRPr lang="en-US" altLang="zh-CN" sz="1400" dirty="0" smtClean="0"/>
+          </a:p>
+          <a:p>
+            <a:pPr lvl="2"/>
+            <a:r>
+              <a:rPr lang="zh-CN" altLang="en-US" sz="1400" dirty="0" smtClean="0"/>
+              <a:t>与朋友家人聊天的</a:t>
+            </a:r>
+            <a:endParaRPr lang="en-US" altLang="zh-CN" sz="1400" dirty="0" smtClean="0"/>
+          </a:p>
+          <a:p>
+            <a:pPr lvl="2"/>
+            <a:r>
+              <a:rPr lang="zh-CN" altLang="en-US" sz="1400" dirty="0" smtClean="0"/>
+              <a:t>自己写的</a:t>
+            </a:r>
+            <a:endParaRPr lang="en-US" altLang="zh-CN" sz="1400" dirty="0" smtClean="0"/>
+          </a:p>
+          <a:p>
+            <a:pPr lvl="1"/>
+            <a:r>
+              <a:rPr lang="zh-CN" altLang="en-US" sz="1600" dirty="0" smtClean="0"/>
+              <a:t>所以，这此数据拥有极大的营销价值。</a:t>
+            </a:r>
+            <a:endParaRPr lang="en-US" altLang="zh-CN" sz="1600" dirty="0" smtClean="0"/>
+          </a:p>
+          <a:p>
+            <a:pPr lvl="1"/>
+            <a:r>
+              <a:rPr lang="zh-CN" altLang="en-US" sz="1600" dirty="0" smtClean="0"/>
+              <a:t>很多</a:t>
+            </a:r>
+            <a:r>
+              <a:rPr lang="zh-CN" altLang="en-US" sz="1600" dirty="0"/>
+              <a:t>希望要营销数据的，都设法开发输入法</a:t>
+            </a:r>
+            <a:endParaRPr lang="en-US" altLang="zh-CN" sz="1600" dirty="0"/>
+          </a:p>
+          <a:p>
+            <a:pPr lvl="1"/>
+            <a:r>
+              <a:rPr lang="zh-CN" altLang="en-US" sz="1600" dirty="0" smtClean="0"/>
+              <a:t>而现在</a:t>
+            </a:r>
+            <a:r>
+              <a:rPr lang="zh-CN" altLang="en-US" sz="1600" dirty="0"/>
+              <a:t>还</a:t>
+            </a:r>
+            <a:r>
+              <a:rPr lang="zh-CN" altLang="en-US" sz="1600" dirty="0" smtClean="0"/>
+              <a:t>没有一个好的输入法提供商</a:t>
+            </a:r>
+            <a:endParaRPr lang="en-US" altLang="zh-CN" sz="1600" dirty="0" smtClean="0"/>
+          </a:p>
+          <a:p>
+            <a:pPr lvl="1"/>
+            <a:r>
+              <a:rPr lang="zh-CN" altLang="en-US" sz="1800" dirty="0" smtClean="0"/>
+              <a:t>人工智能机遇</a:t>
+            </a:r>
+            <a:endParaRPr lang="en-US" altLang="zh-CN" sz="1800" dirty="0" smtClean="0"/>
+          </a:p>
+          <a:p>
+            <a:pPr lvl="1"/>
+            <a:r>
+              <a:rPr lang="zh-CN" altLang="en-US" sz="1600" dirty="0" smtClean="0"/>
+              <a:t>以前输入法就是一个单纯的输入法</a:t>
+            </a:r>
+            <a:endParaRPr lang="en-US" altLang="zh-CN" sz="1600" dirty="0" smtClean="0"/>
+          </a:p>
+          <a:p>
+            <a:pPr lvl="1"/>
+            <a:r>
+              <a:rPr lang="zh-CN" altLang="en-US" sz="1600" dirty="0" smtClean="0"/>
+              <a:t>现在，通过人要智能向用户提供智能词库</a:t>
+            </a:r>
+            <a:endParaRPr lang="en-US" altLang="zh-CN" sz="1600" dirty="0" smtClean="0"/>
+          </a:p>
+          <a:p>
+            <a:pPr lvl="2"/>
+            <a:r>
+              <a:rPr lang="zh-CN" altLang="en-US" sz="1400" dirty="0" smtClean="0"/>
+              <a:t>于是即可以更加精准的获取有户信息</a:t>
+            </a:r>
+            <a:endParaRPr lang="en-US" altLang="zh-CN" sz="1400" dirty="0" smtClean="0"/>
+          </a:p>
+          <a:p>
+            <a:pPr lvl="1"/>
+            <a:r>
+              <a:rPr lang="zh-CN" altLang="en-US" sz="1600" dirty="0" smtClean="0"/>
+              <a:t>现在，所有人都想，我只录入一两码，你就上屏提示，让我选择！</a:t>
+            </a:r>
+            <a:r>
+              <a:rPr lang="zh-CN" altLang="en-US" sz="1800" dirty="0" smtClean="0"/>
+              <a:t> </a:t>
+            </a:r>
+            <a:endParaRPr lang="en-US" altLang="zh-CN" sz="1800" dirty="0" smtClean="0"/>
+          </a:p>
+        </p:txBody>
+      </p:sp>
+    </p:spTree>
+    <p:extLst>
+      <p:ext uri="{BB962C8B-B14F-4D97-AF65-F5344CB8AC3E}">
+        <p14:creationId xmlns:p14="http://schemas.microsoft.com/office/powerpoint/2010/main" val="4244150419"/>
+      </p:ext>
+    </p:extLst>
+  </p:cSld>
+  <p:clrMapOvr>
+    <a:masterClrMapping/>
+  </p:clrMapOvr>
+  <p:timing>
+    <p:tnLst>
+      <p:par>
+        <p:cTn id="1" dur="indefinite" restart="never" nodeType="tmRoot"/>
+      </p:par>
+    </p:tnLst>
+  </p:timing>
+</p:sld>
+</file>
+
+<file path=ppt/slides/slide36.xml><?xml version="1.0" encoding="utf-8"?>
+<p:sld xmlns:a="http://schemas.openxmlformats.org/drawingml/2006/main" xmlns:r="http://schemas.openxmlformats.org/officeDocument/2006/relationships" xmlns:p="http://schemas.openxmlformats.org/presentationml/2006/main">
+  <p:cSld>
+    <p:spTree>
+      <p:nvGrpSpPr>
+        <p:cNvPr id="1" name=""/>
+        <p:cNvGrpSpPr/>
+        <p:nvPr/>
+      </p:nvGrpSpPr>
+      <p:grpSpPr>
+        <a:xfrm>
+          <a:off x="0" y="0"/>
+          <a:ext cx="0" cy="0"/>
+          <a:chOff x="0" y="0"/>
+          <a:chExt cx="0" cy="0"/>
+        </a:xfrm>
+      </p:grpSpPr>
+      <p:sp>
+        <p:nvSpPr>
+          <p:cNvPr id="2" name="标题 1"/>
+          <p:cNvSpPr>
+            <a:spLocks noGrp="1"/>
+          </p:cNvSpPr>
+          <p:nvPr>
+            <p:ph type="title"/>
+          </p:nvPr>
+        </p:nvSpPr>
+        <p:spPr/>
+        <p:txBody>
+          <a:bodyPr/>
+          <a:lstStyle/>
+          <a:p>
+            <a:r>
+              <a:rPr lang="zh-CN" altLang="en-US" dirty="0"/>
               <a:t>市场机遇</a:t>
             </a:r>
           </a:p>
@@ -14112,7 +15458,7 @@
 </p:sld>
 </file>
 
-<file path=ppt/slides/slide31.xml><?xml version="1.0" encoding="utf-8"?>
+<file path=ppt/slides/slide37.xml><?xml version="1.0" encoding="utf-8"?>
 <p:sld xmlns:a="http://schemas.openxmlformats.org/drawingml/2006/main" xmlns:r="http://schemas.openxmlformats.org/officeDocument/2006/relationships" xmlns:p="http://schemas.openxmlformats.org/presentationml/2006/main">
   <p:cSld>
     <p:spTree>
@@ -16065,7 +17411,7 @@
   </a:extraClrSchemeLst>
   <a:extLst>
     <a:ext uri="{05A4C25C-085E-4340-85A3-A5531E510DB2}">
-      <thm15:themeFamily xmlns="" xmlns:thm15="http://schemas.microsoft.com/office/thememl/2012/main" name="Office Theme" id="{62F939B6-93AF-4DB8-9C6B-D6C7DFDC589F}" vid="{4A3C46E8-61CC-4603-A589-7422A47A8E4A}"/>
+      <thm15:themeFamily xmlns:thm15="http://schemas.microsoft.com/office/thememl/2012/main" xmlns="" name="Office Theme" id="{62F939B6-93AF-4DB8-9C6B-D6C7DFDC589F}" vid="{4A3C46E8-61CC-4603-A589-7422A47A8E4A}"/>
     </a:ext>
   </a:extLst>
 </a:theme>
@@ -16326,7 +17672,7 @@
   <a:extraClrSchemeLst/>
   <a:extLst>
     <a:ext uri="{05A4C25C-085E-4340-85A3-A5531E510DB2}">
-      <thm15:themeFamily xmlns="" xmlns:thm15="http://schemas.microsoft.com/office/thememl/2012/main" name="Office Theme" id="{62F939B6-93AF-4DB8-9C6B-D6C7DFDC589F}" vid="{4A3C46E8-61CC-4603-A589-7422A47A8E4A}"/>
+      <thm15:themeFamily xmlns:thm15="http://schemas.microsoft.com/office/thememl/2012/main" xmlns="" name="Office Theme" id="{62F939B6-93AF-4DB8-9C6B-D6C7DFDC589F}" vid="{4A3C46E8-61CC-4603-A589-7422A47A8E4A}"/>
     </a:ext>
   </a:extLst>
 </a:theme>
